--- a/presentation/Heat_Priority_Map.pptx
+++ b/presentation/Heat_Priority_Map.pptx
@@ -5,7 +5,7 @@
     <p:sldMasterId id="2147483666" r:id="rId1"/>
   </p:sldMasterIdLst>
   <p:notesMasterIdLst>
-    <p:notesMasterId r:id="rId20"/>
+    <p:notesMasterId r:id="rId21"/>
   </p:notesMasterIdLst>
   <p:sldIdLst>
     <p:sldId id="256" r:id="rId2"/>
@@ -14,35 +14,40 @@
     <p:sldId id="258" r:id="rId5"/>
     <p:sldId id="265" r:id="rId6"/>
     <p:sldId id="259" r:id="rId7"/>
-    <p:sldId id="260" r:id="rId8"/>
-    <p:sldId id="270" r:id="rId9"/>
-    <p:sldId id="271" r:id="rId10"/>
-    <p:sldId id="272" r:id="rId11"/>
-    <p:sldId id="273" r:id="rId12"/>
-    <p:sldId id="274" r:id="rId13"/>
-    <p:sldId id="261" r:id="rId14"/>
-    <p:sldId id="267" r:id="rId15"/>
-    <p:sldId id="268" r:id="rId16"/>
-    <p:sldId id="269" r:id="rId17"/>
-    <p:sldId id="266" r:id="rId18"/>
-    <p:sldId id="262" r:id="rId19"/>
+    <p:sldId id="275" r:id="rId8"/>
+    <p:sldId id="260" r:id="rId9"/>
+    <p:sldId id="270" r:id="rId10"/>
+    <p:sldId id="271" r:id="rId11"/>
+    <p:sldId id="272" r:id="rId12"/>
+    <p:sldId id="273" r:id="rId13"/>
+    <p:sldId id="274" r:id="rId14"/>
+    <p:sldId id="261" r:id="rId15"/>
+    <p:sldId id="267" r:id="rId16"/>
+    <p:sldId id="268" r:id="rId17"/>
+    <p:sldId id="269" r:id="rId18"/>
+    <p:sldId id="266" r:id="rId19"/>
+    <p:sldId id="262" r:id="rId20"/>
   </p:sldIdLst>
   <p:sldSz cx="9144000" cy="6858000" type="screen4x3"/>
   <p:notesSz cx="6858000" cy="9144000"/>
   <p:embeddedFontLst>
     <p:embeddedFont>
       <p:font typeface="Helvetica Neue Light" charset="0"/>
-      <p:regular r:id="rId21"/>
-      <p:bold r:id="rId22"/>
-      <p:italic r:id="rId23"/>
-      <p:boldItalic r:id="rId24"/>
+      <p:regular r:id="rId22"/>
+      <p:bold r:id="rId23"/>
+      <p:italic r:id="rId24"/>
+      <p:boldItalic r:id="rId25"/>
+    </p:embeddedFont>
+    <p:embeddedFont>
+      <p:font typeface="Cambria Math" pitchFamily="18" charset="0"/>
+      <p:regular r:id="rId26"/>
     </p:embeddedFont>
     <p:embeddedFont>
       <p:font typeface="Helvetica Neue" charset="0"/>
-      <p:regular r:id="rId25"/>
-      <p:bold r:id="rId26"/>
-      <p:italic r:id="rId27"/>
-      <p:boldItalic r:id="rId28"/>
+      <p:regular r:id="rId27"/>
+      <p:bold r:id="rId28"/>
+      <p:italic r:id="rId29"/>
+      <p:boldItalic r:id="rId30"/>
     </p:embeddedFont>
   </p:embeddedFontLst>
   <p:defaultTextStyle>
@@ -1183,7 +1188,7 @@
   <p:cSld>
     <p:spTree>
       <p:nvGrpSpPr>
-        <p:cNvPr id="1" name="Shape 206"/>
+        <p:cNvPr id="1" name="Shape 199"/>
         <p:cNvGrpSpPr/>
         <p:nvPr/>
       </p:nvGrpSpPr>
@@ -1197,7 +1202,7 @@
       </p:grpSpPr>
       <p:sp>
         <p:nvSpPr>
-          <p:cNvPr id="207" name="Google Shape;207;p6:notes"/>
+          <p:cNvPr id="200" name="Google Shape;200;p5:notes"/>
           <p:cNvSpPr txBox="1">
             <a:spLocks noGrp="1"/>
           </p:cNvSpPr>
@@ -1235,7 +1240,7 @@
       </p:sp>
       <p:sp>
         <p:nvSpPr>
-          <p:cNvPr id="208" name="Google Shape;208;p6:notes"/>
+          <p:cNvPr id="201" name="Google Shape;201;p5:notes"/>
           <p:cNvSpPr>
             <a:spLocks noGrp="1" noRot="1" noChangeAspect="1"/>
           </p:cNvSpPr>
@@ -1802,6 +1807,110 @@
 </p:notes>
 </file>
 
+<file path=ppt/notesSlides/notesSlide19.xml><?xml version="1.0" encoding="utf-8"?>
+<p:notes xmlns:a="http://schemas.openxmlformats.org/drawingml/2006/main" xmlns:r="http://schemas.openxmlformats.org/officeDocument/2006/relationships" xmlns:p="http://schemas.openxmlformats.org/presentationml/2006/main" showMasterSp="0" showMasterPhAnim="0">
+  <p:cSld>
+    <p:spTree>
+      <p:nvGrpSpPr>
+        <p:cNvPr id="1" name="Shape 206"/>
+        <p:cNvGrpSpPr/>
+        <p:nvPr/>
+      </p:nvGrpSpPr>
+      <p:grpSpPr>
+        <a:xfrm>
+          <a:off x="0" y="0"/>
+          <a:ext cx="0" cy="0"/>
+          <a:chOff x="0" y="0"/>
+          <a:chExt cx="0" cy="0"/>
+        </a:xfrm>
+      </p:grpSpPr>
+      <p:sp>
+        <p:nvSpPr>
+          <p:cNvPr id="207" name="Google Shape;207;p6:notes"/>
+          <p:cNvSpPr txBox="1">
+            <a:spLocks noGrp="1"/>
+          </p:cNvSpPr>
+          <p:nvPr>
+            <p:ph type="body" idx="1"/>
+          </p:nvPr>
+        </p:nvSpPr>
+        <p:spPr>
+          <a:xfrm>
+            <a:off x="914400" y="4343400"/>
+            <a:ext cx="5029200" cy="4114800"/>
+          </a:xfrm>
+          <a:prstGeom prst="rect">
+            <a:avLst/>
+          </a:prstGeom>
+        </p:spPr>
+        <p:txBody>
+          <a:bodyPr spcFirstLastPara="1" wrap="square" lIns="91425" tIns="45700" rIns="91425" bIns="45700" anchor="t" anchorCtr="0">
+            <a:noAutofit/>
+          </a:bodyPr>
+          <a:lstStyle/>
+          <a:p>
+            <a:pPr marL="0" lvl="0" indent="0" algn="l" rtl="0">
+              <a:spcBef>
+                <a:spcPts val="0"/>
+              </a:spcBef>
+              <a:spcAft>
+                <a:spcPts val="0"/>
+              </a:spcAft>
+              <a:buNone/>
+            </a:pPr>
+            <a:endParaRPr/>
+          </a:p>
+        </p:txBody>
+      </p:sp>
+      <p:sp>
+        <p:nvSpPr>
+          <p:cNvPr id="208" name="Google Shape;208;p6:notes"/>
+          <p:cNvSpPr>
+            <a:spLocks noGrp="1" noRot="1" noChangeAspect="1"/>
+          </p:cNvSpPr>
+          <p:nvPr>
+            <p:ph type="sldImg" idx="2"/>
+          </p:nvPr>
+        </p:nvSpPr>
+        <p:spPr>
+          <a:xfrm>
+            <a:off x="1143000" y="685800"/>
+            <a:ext cx="4572000" cy="3429000"/>
+          </a:xfrm>
+          <a:custGeom>
+            <a:avLst/>
+            <a:gdLst/>
+            <a:ahLst/>
+            <a:cxnLst/>
+            <a:rect l="l" t="t" r="r" b="b"/>
+            <a:pathLst>
+              <a:path w="120000" h="120000" extrusionOk="0">
+                <a:moveTo>
+                  <a:pt x="0" y="0"/>
+                </a:moveTo>
+                <a:lnTo>
+                  <a:pt x="120000" y="0"/>
+                </a:lnTo>
+                <a:lnTo>
+                  <a:pt x="120000" y="120000"/>
+                </a:lnTo>
+                <a:lnTo>
+                  <a:pt x="0" y="120000"/>
+                </a:lnTo>
+                <a:close/>
+              </a:path>
+            </a:pathLst>
+          </a:custGeom>
+        </p:spPr>
+      </p:sp>
+    </p:spTree>
+  </p:cSld>
+  <p:clrMapOvr>
+    <a:masterClrMapping/>
+  </p:clrMapOvr>
+</p:notes>
+</file>
+
 <file path=ppt/notesSlides/notesSlide2.xml><?xml version="1.0" encoding="utf-8"?>
 <p:notes xmlns:a="http://schemas.openxmlformats.org/drawingml/2006/main" xmlns:r="http://schemas.openxmlformats.org/officeDocument/2006/relationships" xmlns:p="http://schemas.openxmlformats.org/presentationml/2006/main" showMasterSp="0" showMasterPhAnim="0">
   <p:cSld>
@@ -2327,7 +2436,7 @@
   <p:cSld>
     <p:spTree>
       <p:nvGrpSpPr>
-        <p:cNvPr id="1" name="Shape 199"/>
+        <p:cNvPr id="1" name="Shape 192"/>
         <p:cNvGrpSpPr/>
         <p:nvPr/>
       </p:nvGrpSpPr>
@@ -2341,7 +2450,7 @@
       </p:grpSpPr>
       <p:sp>
         <p:nvSpPr>
-          <p:cNvPr id="200" name="Google Shape;200;p5:notes"/>
+          <p:cNvPr id="193" name="Google Shape;193;p4:notes"/>
           <p:cNvSpPr txBox="1">
             <a:spLocks noGrp="1"/>
           </p:cNvSpPr>
@@ -2379,7 +2488,7 @@
       </p:sp>
       <p:sp>
         <p:nvSpPr>
-          <p:cNvPr id="201" name="Google Shape;201;p5:notes"/>
+          <p:cNvPr id="194" name="Google Shape;194;p4:notes"/>
           <p:cNvSpPr>
             <a:spLocks noGrp="1" noRot="1" noChangeAspect="1"/>
           </p:cNvSpPr>
@@ -21062,7 +21171,7 @@
         </p:nvSpPr>
         <p:spPr>
           <a:xfrm>
-            <a:off x="225022" y="381000"/>
+            <a:off x="304800" y="533400"/>
             <a:ext cx="8574324" cy="369334"/>
           </a:xfrm>
           <a:prstGeom prst="rect">
@@ -21102,7 +21211,7 @@
                 <a:cs typeface="Times New Roman" pitchFamily="18" charset="0"/>
                 <a:sym typeface="Helvetica Neue"/>
               </a:rPr>
-              <a:t>Result 03 : Tree Plantation Priority Map</a:t>
+              <a:t>Result 02 : Greenery Map</a:t>
             </a:r>
             <a:endParaRPr sz="2500" dirty="0">
               <a:latin typeface="Times New Roman" pitchFamily="18" charset="0"/>
@@ -21160,6 +21269,193 @@
             <a:fld id="{00000000-1234-1234-1234-123412341234}" type="slidenum">
               <a:rPr lang="en-US" sz="800" b="1"/>
               <a:t>10</a:t>
+            </a:fld>
+            <a:endParaRPr/>
+          </a:p>
+        </p:txBody>
+      </p:sp>
+      <p:pic>
+        <p:nvPicPr>
+          <p:cNvPr id="2" name="Picture 1"/>
+          <p:cNvPicPr>
+            <a:picLocks noChangeAspect="1"/>
+          </p:cNvPicPr>
+          <p:nvPr/>
+        </p:nvPicPr>
+        <p:blipFill>
+          <a:blip r:embed="rId3">
+            <a:extLst>
+              <a:ext uri="{28A0092B-C50C-407E-A947-70E740481C1C}">
+                <a14:useLocalDpi xmlns:a14="http://schemas.microsoft.com/office/drawing/2010/main" val="0"/>
+              </a:ext>
+            </a:extLst>
+          </a:blip>
+          <a:stretch>
+            <a:fillRect/>
+          </a:stretch>
+        </p:blipFill>
+        <p:spPr>
+          <a:xfrm>
+            <a:off x="1524000" y="1295398"/>
+            <a:ext cx="6316300" cy="5146615"/>
+          </a:xfrm>
+          <a:prstGeom prst="rect">
+            <a:avLst/>
+          </a:prstGeom>
+        </p:spPr>
+      </p:pic>
+    </p:spTree>
+    <p:extLst>
+      <p:ext uri="{BB962C8B-B14F-4D97-AF65-F5344CB8AC3E}">
+        <p14:creationId xmlns:p14="http://schemas.microsoft.com/office/powerpoint/2010/main" val="4197454547"/>
+      </p:ext>
+    </p:extLst>
+  </p:cSld>
+  <p:clrMapOvr>
+    <a:masterClrMapping/>
+  </p:clrMapOvr>
+  <mc:AlternateContent xmlns:mc="http://schemas.openxmlformats.org/markup-compatibility/2006" xmlns:p14="http://schemas.microsoft.com/office/powerpoint/2010/main">
+    <mc:Choice Requires="p14">
+      <p:transition spd="slow" p14:dur="1200">
+        <p:fade/>
+      </p:transition>
+    </mc:Choice>
+    <mc:Fallback xmlns:ahyp="http://schemas.microsoft.com/office/drawing/2018/hyperlinkcolor" xmlns:p15="http://schemas.microsoft.com/office/powerpoint/2012/main" xmlns:com="http://schemas.openxmlformats.org/drawingml/2006/compatibility" xmlns:pvml="urn:schemas-microsoft-com:office:powerpoint" xmlns:v="urn:schemas-microsoft-com:vml" xmlns:o="urn:schemas-microsoft-com:office:office" xmlns:dgm="http://schemas.openxmlformats.org/drawingml/2006/diagram" xmlns:c="http://schemas.openxmlformats.org/drawingml/2006/chart" xmlns:mv="urn:schemas-microsoft-com:mac:vml" xmlns="">
+      <p:transition spd="slow">
+        <p:fade/>
+      </p:transition>
+    </mc:Fallback>
+  </mc:AlternateContent>
+</p:sld>
+</file>
+
+<file path=ppt/slides/slide11.xml><?xml version="1.0" encoding="utf-8"?>
+<p:sld xmlns:a="http://schemas.openxmlformats.org/drawingml/2006/main" xmlns:r="http://schemas.openxmlformats.org/officeDocument/2006/relationships" xmlns:p="http://schemas.openxmlformats.org/presentationml/2006/main">
+  <p:cSld>
+    <p:spTree>
+      <p:nvGrpSpPr>
+        <p:cNvPr id="1" name="Shape 202"/>
+        <p:cNvGrpSpPr/>
+        <p:nvPr/>
+      </p:nvGrpSpPr>
+      <p:grpSpPr>
+        <a:xfrm>
+          <a:off x="0" y="0"/>
+          <a:ext cx="0" cy="0"/>
+          <a:chOff x="0" y="0"/>
+          <a:chExt cx="0" cy="0"/>
+        </a:xfrm>
+      </p:grpSpPr>
+      <p:sp>
+        <p:nvSpPr>
+          <p:cNvPr id="203" name="Google Shape;203;p24"/>
+          <p:cNvSpPr txBox="1">
+            <a:spLocks noGrp="1"/>
+          </p:cNvSpPr>
+          <p:nvPr>
+            <p:ph type="title"/>
+          </p:nvPr>
+        </p:nvSpPr>
+        <p:spPr>
+          <a:xfrm>
+            <a:off x="225022" y="381000"/>
+            <a:ext cx="8574324" cy="369334"/>
+          </a:xfrm>
+          <a:prstGeom prst="rect">
+            <a:avLst/>
+          </a:prstGeom>
+          <a:noFill/>
+          <a:ln>
+            <a:noFill/>
+          </a:ln>
+        </p:spPr>
+        <p:txBody>
+          <a:bodyPr spcFirstLastPara="1" wrap="square" lIns="0" tIns="0" rIns="0" bIns="0" anchor="t" anchorCtr="0">
+            <a:noAutofit/>
+          </a:bodyPr>
+          <a:lstStyle/>
+          <a:p>
+            <a:pPr marL="0" lvl="0" indent="0" algn="l" rtl="0">
+              <a:lnSpc>
+                <a:spcPct val="100000"/>
+              </a:lnSpc>
+              <a:spcBef>
+                <a:spcPts val="0"/>
+              </a:spcBef>
+              <a:spcAft>
+                <a:spcPts val="0"/>
+              </a:spcAft>
+              <a:buClr>
+                <a:srgbClr val="000000"/>
+              </a:buClr>
+              <a:buSzPts val="2400"/>
+              <a:buFont typeface="Helvetica Neue"/>
+              <a:buNone/>
+            </a:pPr>
+            <a:r>
+              <a:rPr lang="en-US" sz="2500" b="1" dirty="0" smtClean="0">
+                <a:latin typeface="Times New Roman" pitchFamily="18" charset="0"/>
+                <a:cs typeface="Times New Roman" pitchFamily="18" charset="0"/>
+                <a:sym typeface="Helvetica Neue"/>
+              </a:rPr>
+              <a:t>Result 03 : Tree Plantation Priority Map</a:t>
+            </a:r>
+            <a:endParaRPr sz="2500" dirty="0">
+              <a:latin typeface="Times New Roman" pitchFamily="18" charset="0"/>
+              <a:cs typeface="Times New Roman" pitchFamily="18" charset="0"/>
+            </a:endParaRPr>
+          </a:p>
+        </p:txBody>
+      </p:sp>
+      <p:sp>
+        <p:nvSpPr>
+          <p:cNvPr id="204" name="Google Shape;204;p24"/>
+          <p:cNvSpPr txBox="1">
+            <a:spLocks noGrp="1"/>
+          </p:cNvSpPr>
+          <p:nvPr>
+            <p:ph type="sldNum" idx="4294967295"/>
+          </p:nvPr>
+        </p:nvSpPr>
+        <p:spPr>
+          <a:xfrm>
+            <a:off x="8719821" y="6301572"/>
+            <a:ext cx="127001" cy="127001"/>
+          </a:xfrm>
+          <a:prstGeom prst="rect">
+            <a:avLst/>
+          </a:prstGeom>
+          <a:noFill/>
+          <a:ln>
+            <a:noFill/>
+          </a:ln>
+        </p:spPr>
+        <p:txBody>
+          <a:bodyPr spcFirstLastPara="1" wrap="square" lIns="0" tIns="0" rIns="0" bIns="0" anchor="ctr" anchorCtr="0">
+            <a:spAutoFit/>
+          </a:bodyPr>
+          <a:lstStyle/>
+          <a:p>
+            <a:pPr marL="0" marR="0" lvl="0" indent="0" algn="r" rtl="0">
+              <a:lnSpc>
+                <a:spcPct val="100000"/>
+              </a:lnSpc>
+              <a:spcBef>
+                <a:spcPts val="0"/>
+              </a:spcBef>
+              <a:spcAft>
+                <a:spcPts val="0"/>
+              </a:spcAft>
+              <a:buClr>
+                <a:srgbClr val="000000"/>
+              </a:buClr>
+              <a:buSzPts val="800"/>
+              <a:buFont typeface="Helvetica Neue"/>
+              <a:buNone/>
+            </a:pPr>
+            <a:fld id="{00000000-1234-1234-1234-123412341234}" type="slidenum">
+              <a:rPr lang="en-US" sz="800" b="1"/>
+              <a:t>11</a:t>
             </a:fld>
             <a:endParaRPr/>
           </a:p>
@@ -21211,7 +21507,7 @@
         <p:fade/>
       </p:transition>
     </mc:Choice>
-    <mc:Fallback xmlns="" xmlns:mv="urn:schemas-microsoft-com:mac:vml" xmlns:c="http://schemas.openxmlformats.org/drawingml/2006/chart" xmlns:dgm="http://schemas.openxmlformats.org/drawingml/2006/diagram" xmlns:o="urn:schemas-microsoft-com:office:office" xmlns:v="urn:schemas-microsoft-com:vml" xmlns:pvml="urn:schemas-microsoft-com:office:powerpoint" xmlns:com="http://schemas.openxmlformats.org/drawingml/2006/compatibility" xmlns:p15="http://schemas.microsoft.com/office/powerpoint/2012/main" xmlns:ahyp="http://schemas.microsoft.com/office/drawing/2018/hyperlinkcolor">
+    <mc:Fallback xmlns:ahyp="http://schemas.microsoft.com/office/drawing/2018/hyperlinkcolor" xmlns:p15="http://schemas.microsoft.com/office/powerpoint/2012/main" xmlns:com="http://schemas.openxmlformats.org/drawingml/2006/compatibility" xmlns:pvml="urn:schemas-microsoft-com:office:powerpoint" xmlns:v="urn:schemas-microsoft-com:vml" xmlns:o="urn:schemas-microsoft-com:office:office" xmlns:dgm="http://schemas.openxmlformats.org/drawingml/2006/diagram" xmlns:c="http://schemas.openxmlformats.org/drawingml/2006/chart" xmlns:mv="urn:schemas-microsoft-com:mac:vml" xmlns="">
       <p:transition spd="slow">
         <p:fade/>
       </p:transition>
@@ -21220,7 +21516,7 @@
 </p:sld>
 </file>
 
-<file path=ppt/slides/slide11.xml><?xml version="1.0" encoding="utf-8"?>
+<file path=ppt/slides/slide12.xml><?xml version="1.0" encoding="utf-8"?>
 <p:sld xmlns:a="http://schemas.openxmlformats.org/drawingml/2006/main" xmlns:r="http://schemas.openxmlformats.org/officeDocument/2006/relationships" xmlns:p="http://schemas.openxmlformats.org/presentationml/2006/main">
   <p:cSld>
     <p:spTree>
@@ -21353,7 +21649,7 @@
             </a:pPr>
             <a:fld id="{00000000-1234-1234-1234-123412341234}" type="slidenum">
               <a:rPr lang="en-US" sz="800" b="1"/>
-              <a:t>11</a:t>
+              <a:t>12</a:t>
             </a:fld>
             <a:endParaRPr/>
           </a:p>
@@ -21405,7 +21701,7 @@
         <p:fade/>
       </p:transition>
     </mc:Choice>
-    <mc:Fallback xmlns="" xmlns:mv="urn:schemas-microsoft-com:mac:vml" xmlns:c="http://schemas.openxmlformats.org/drawingml/2006/chart" xmlns:dgm="http://schemas.openxmlformats.org/drawingml/2006/diagram" xmlns:o="urn:schemas-microsoft-com:office:office" xmlns:v="urn:schemas-microsoft-com:vml" xmlns:pvml="urn:schemas-microsoft-com:office:powerpoint" xmlns:com="http://schemas.openxmlformats.org/drawingml/2006/compatibility" xmlns:p15="http://schemas.microsoft.com/office/powerpoint/2012/main" xmlns:ahyp="http://schemas.microsoft.com/office/drawing/2018/hyperlinkcolor">
+    <mc:Fallback xmlns:ahyp="http://schemas.microsoft.com/office/drawing/2018/hyperlinkcolor" xmlns:p15="http://schemas.microsoft.com/office/powerpoint/2012/main" xmlns:com="http://schemas.openxmlformats.org/drawingml/2006/compatibility" xmlns:pvml="urn:schemas-microsoft-com:office:powerpoint" xmlns:v="urn:schemas-microsoft-com:vml" xmlns:o="urn:schemas-microsoft-com:office:office" xmlns:dgm="http://schemas.openxmlformats.org/drawingml/2006/diagram" xmlns:c="http://schemas.openxmlformats.org/drawingml/2006/chart" xmlns:mv="urn:schemas-microsoft-com:mac:vml" xmlns="">
       <p:transition spd="slow">
         <p:fade/>
       </p:transition>
@@ -21414,7 +21710,7 @@
 </p:sld>
 </file>
 
-<file path=ppt/slides/slide12.xml><?xml version="1.0" encoding="utf-8"?>
+<file path=ppt/slides/slide13.xml><?xml version="1.0" encoding="utf-8"?>
 <p:sld xmlns:a="http://schemas.openxmlformats.org/drawingml/2006/main" xmlns:r="http://schemas.openxmlformats.org/officeDocument/2006/relationships" xmlns:p="http://schemas.openxmlformats.org/presentationml/2006/main">
   <p:cSld>
     <p:spTree>
@@ -21547,7 +21843,7 @@
             </a:pPr>
             <a:fld id="{00000000-1234-1234-1234-123412341234}" type="slidenum">
               <a:rPr lang="en-US" sz="800" b="1"/>
-              <a:t>12</a:t>
+              <a:t>13</a:t>
             </a:fld>
             <a:endParaRPr/>
           </a:p>
@@ -21599,16 +21895,23 @@
         <p:fade/>
       </p:transition>
     </mc:Choice>
-    <mc:Fallback xmlns="" xmlns:mv="urn:schemas-microsoft-com:mac:vml" xmlns:c="http://schemas.openxmlformats.org/drawingml/2006/chart" xmlns:dgm="http://schemas.openxmlformats.org/drawingml/2006/diagram" xmlns:o="urn:schemas-microsoft-com:office:office" xmlns:v="urn:schemas-microsoft-com:vml" xmlns:pvml="urn:schemas-microsoft-com:office:powerpoint" xmlns:com="http://schemas.openxmlformats.org/drawingml/2006/compatibility" xmlns:p15="http://schemas.microsoft.com/office/powerpoint/2012/main" xmlns:ahyp="http://schemas.microsoft.com/office/drawing/2018/hyperlinkcolor">
+    <mc:Fallback xmlns:ahyp="http://schemas.microsoft.com/office/drawing/2018/hyperlinkcolor" xmlns:p15="http://schemas.microsoft.com/office/powerpoint/2012/main" xmlns:com="http://schemas.openxmlformats.org/drawingml/2006/compatibility" xmlns:pvml="urn:schemas-microsoft-com:office:powerpoint" xmlns:v="urn:schemas-microsoft-com:vml" xmlns:o="urn:schemas-microsoft-com:office:office" xmlns:dgm="http://schemas.openxmlformats.org/drawingml/2006/diagram" xmlns:c="http://schemas.openxmlformats.org/drawingml/2006/chart" xmlns:mv="urn:schemas-microsoft-com:mac:vml" xmlns="">
       <p:transition spd="slow">
         <p:fade/>
       </p:transition>
     </mc:Fallback>
   </mc:AlternateContent>
+  <p:timing>
+    <p:tnLst>
+      <p:par>
+        <p:cTn id="1" dur="indefinite" restart="never" nodeType="tmRoot"/>
+      </p:par>
+    </p:tnLst>
+  </p:timing>
 </p:sld>
 </file>
 
-<file path=ppt/slides/slide13.xml><?xml version="1.0" encoding="utf-8"?>
+<file path=ppt/slides/slide14.xml><?xml version="1.0" encoding="utf-8"?>
 <p:sld xmlns:a="http://schemas.openxmlformats.org/drawingml/2006/main" xmlns:r="http://schemas.openxmlformats.org/officeDocument/2006/relationships" xmlns:p="http://schemas.openxmlformats.org/presentationml/2006/main">
   <p:cSld>
     <p:spTree>
@@ -21734,7 +22037,7 @@
             </a:pPr>
             <a:fld id="{00000000-1234-1234-1234-123412341234}" type="slidenum">
               <a:rPr lang="en-US" sz="800" b="1"/>
-              <a:t>13</a:t>
+              <a:t>14</a:t>
             </a:fld>
             <a:endParaRPr/>
           </a:p>
@@ -22169,215 +22472,7 @@
         <p:fade/>
       </p:transition>
     </mc:Choice>
-    <mc:Fallback xmlns="" xmlns:mv="urn:schemas-microsoft-com:mac:vml" xmlns:c="http://schemas.openxmlformats.org/drawingml/2006/chart" xmlns:dgm="http://schemas.openxmlformats.org/drawingml/2006/diagram" xmlns:o="urn:schemas-microsoft-com:office:office" xmlns:v="urn:schemas-microsoft-com:vml" xmlns:pvml="urn:schemas-microsoft-com:office:powerpoint" xmlns:com="http://schemas.openxmlformats.org/drawingml/2006/compatibility" xmlns:p15="http://schemas.microsoft.com/office/powerpoint/2012/main" xmlns:ahyp="http://schemas.microsoft.com/office/drawing/2018/hyperlinkcolor">
-      <p:transition spd="slow">
-        <p:fade/>
-      </p:transition>
-    </mc:Fallback>
-  </mc:AlternateContent>
-  <p:timing>
-    <p:tnLst>
-      <p:par>
-        <p:cTn id="1" dur="indefinite" restart="never" nodeType="tmRoot"/>
-      </p:par>
-    </p:tnLst>
-  </p:timing>
-</p:sld>
-</file>
-
-<file path=ppt/slides/slide14.xml><?xml version="1.0" encoding="utf-8"?>
-<p:sld xmlns:a="http://schemas.openxmlformats.org/drawingml/2006/main" xmlns:r="http://schemas.openxmlformats.org/officeDocument/2006/relationships" xmlns:p="http://schemas.openxmlformats.org/presentationml/2006/main">
-  <p:cSld>
-    <p:spTree>
-      <p:nvGrpSpPr>
-        <p:cNvPr id="1" name="Shape 209"/>
-        <p:cNvGrpSpPr/>
-        <p:nvPr/>
-      </p:nvGrpSpPr>
-      <p:grpSpPr>
-        <a:xfrm>
-          <a:off x="0" y="0"/>
-          <a:ext cx="0" cy="0"/>
-          <a:chOff x="0" y="0"/>
-          <a:chExt cx="0" cy="0"/>
-        </a:xfrm>
-      </p:grpSpPr>
-      <p:sp>
-        <p:nvSpPr>
-          <p:cNvPr id="211" name="Google Shape;211;p25"/>
-          <p:cNvSpPr txBox="1">
-            <a:spLocks noGrp="1"/>
-          </p:cNvSpPr>
-          <p:nvPr>
-            <p:ph type="sldNum" idx="4294967295"/>
-          </p:nvPr>
-        </p:nvSpPr>
-        <p:spPr>
-          <a:xfrm>
-            <a:off x="8719821" y="6301572"/>
-            <a:ext cx="127001" cy="127001"/>
-          </a:xfrm>
-          <a:prstGeom prst="rect">
-            <a:avLst/>
-          </a:prstGeom>
-          <a:noFill/>
-          <a:ln>
-            <a:noFill/>
-          </a:ln>
-        </p:spPr>
-        <p:txBody>
-          <a:bodyPr spcFirstLastPara="1" wrap="square" lIns="0" tIns="0" rIns="0" bIns="0" anchor="ctr" anchorCtr="0">
-            <a:spAutoFit/>
-          </a:bodyPr>
-          <a:lstStyle/>
-          <a:p>
-            <a:pPr marL="0" marR="0" lvl="0" indent="0" algn="r" rtl="0">
-              <a:lnSpc>
-                <a:spcPct val="100000"/>
-              </a:lnSpc>
-              <a:spcBef>
-                <a:spcPts val="0"/>
-              </a:spcBef>
-              <a:spcAft>
-                <a:spcPts val="0"/>
-              </a:spcAft>
-              <a:buClr>
-                <a:srgbClr val="000000"/>
-              </a:buClr>
-              <a:buSzPts val="800"/>
-              <a:buFont typeface="Helvetica Neue"/>
-              <a:buNone/>
-            </a:pPr>
-            <a:fld id="{00000000-1234-1234-1234-123412341234}" type="slidenum">
-              <a:rPr lang="en-US" sz="800" b="1"/>
-              <a:t>14</a:t>
-            </a:fld>
-            <a:endParaRPr/>
-          </a:p>
-        </p:txBody>
-      </p:sp>
-      <p:sp>
-        <p:nvSpPr>
-          <p:cNvPr id="212" name="Google Shape;212;p25"/>
-          <p:cNvSpPr txBox="1"/>
-          <p:nvPr/>
-        </p:nvSpPr>
-        <p:spPr>
-          <a:xfrm>
-            <a:off x="192315" y="5791200"/>
-            <a:ext cx="8706762" cy="685800"/>
-          </a:xfrm>
-          <a:prstGeom prst="rect">
-            <a:avLst/>
-          </a:prstGeom>
-          <a:noFill/>
-          <a:ln>
-            <a:noFill/>
-          </a:ln>
-        </p:spPr>
-        <p:txBody>
-          <a:bodyPr spcFirstLastPara="1" wrap="square" lIns="0" tIns="0" rIns="0" bIns="0" anchor="t" anchorCtr="0">
-            <a:noAutofit/>
-          </a:bodyPr>
-          <a:lstStyle/>
-          <a:p>
-            <a:pPr algn="ctr"/>
-            <a:r>
-              <a:rPr lang="en-GB" sz="1500" dirty="0">
-                <a:latin typeface="Times New Roman" pitchFamily="18" charset="0"/>
-                <a:cs typeface="Times New Roman" pitchFamily="18" charset="0"/>
-              </a:rPr>
-              <a:t>V</a:t>
-            </a:r>
-            <a:r>
-              <a:rPr lang="en-GB" sz="1500" dirty="0" smtClean="0">
-                <a:latin typeface="Times New Roman" pitchFamily="18" charset="0"/>
-                <a:cs typeface="Times New Roman" pitchFamily="18" charset="0"/>
-              </a:rPr>
-              <a:t>isual </a:t>
-            </a:r>
-            <a:r>
-              <a:rPr lang="en-GB" sz="1500" dirty="0">
-                <a:latin typeface="Times New Roman" pitchFamily="18" charset="0"/>
-                <a:cs typeface="Times New Roman" pitchFamily="18" charset="0"/>
-              </a:rPr>
-              <a:t>representation of the </a:t>
-            </a:r>
-            <a:r>
-              <a:rPr lang="en-GB" sz="1500" b="1" dirty="0">
-                <a:latin typeface="Times New Roman" pitchFamily="18" charset="0"/>
-                <a:cs typeface="Times New Roman" pitchFamily="18" charset="0"/>
-              </a:rPr>
-              <a:t>T-test</a:t>
-            </a:r>
-            <a:r>
-              <a:rPr lang="en-GB" sz="1500" dirty="0">
-                <a:latin typeface="Times New Roman" pitchFamily="18" charset="0"/>
-                <a:cs typeface="Times New Roman" pitchFamily="18" charset="0"/>
-              </a:rPr>
-              <a:t>, showing whether areas with less greenery are significantly </a:t>
-            </a:r>
-            <a:r>
-              <a:rPr lang="en-GB" sz="1500" dirty="0" smtClean="0">
-                <a:latin typeface="Times New Roman" pitchFamily="18" charset="0"/>
-                <a:cs typeface="Times New Roman" pitchFamily="18" charset="0"/>
-              </a:rPr>
-              <a:t>hotter</a:t>
-            </a:r>
-            <a:endParaRPr lang="en-GB" sz="1500" b="1" dirty="0">
-              <a:latin typeface="Times New Roman" pitchFamily="18" charset="0"/>
-              <a:cs typeface="Times New Roman" pitchFamily="18" charset="0"/>
-            </a:endParaRPr>
-          </a:p>
-        </p:txBody>
-      </p:sp>
-      <p:pic>
-        <p:nvPicPr>
-          <p:cNvPr id="4" name="Picture 3"/>
-          <p:cNvPicPr>
-            <a:picLocks noChangeAspect="1"/>
-          </p:cNvPicPr>
-          <p:nvPr/>
-        </p:nvPicPr>
-        <p:blipFill>
-          <a:blip r:embed="rId3">
-            <a:extLst>
-              <a:ext uri="{28A0092B-C50C-407E-A947-70E740481C1C}">
-                <a14:useLocalDpi xmlns:a14="http://schemas.microsoft.com/office/drawing/2010/main" val="0"/>
-              </a:ext>
-            </a:extLst>
-          </a:blip>
-          <a:stretch>
-            <a:fillRect/>
-          </a:stretch>
-        </p:blipFill>
-        <p:spPr>
-          <a:xfrm>
-            <a:off x="1074967" y="647700"/>
-            <a:ext cx="6934200" cy="4953000"/>
-          </a:xfrm>
-          <a:prstGeom prst="rect">
-            <a:avLst/>
-          </a:prstGeom>
-        </p:spPr>
-      </p:pic>
-    </p:spTree>
-    <p:extLst>
-      <p:ext uri="{BB962C8B-B14F-4D97-AF65-F5344CB8AC3E}">
-        <p14:creationId xmlns:p14="http://schemas.microsoft.com/office/powerpoint/2010/main" val="3989240265"/>
-      </p:ext>
-    </p:extLst>
-  </p:cSld>
-  <p:clrMapOvr>
-    <a:masterClrMapping/>
-  </p:clrMapOvr>
-  <mc:AlternateContent xmlns:mc="http://schemas.openxmlformats.org/markup-compatibility/2006" xmlns:p14="http://schemas.microsoft.com/office/powerpoint/2010/main">
-    <mc:Choice Requires="p14">
-      <p:transition spd="slow" p14:dur="1200">
-        <p:fade/>
-      </p:transition>
-    </mc:Choice>
-    <mc:Fallback xmlns="" xmlns:mv="urn:schemas-microsoft-com:mac:vml" xmlns:c="http://schemas.openxmlformats.org/drawingml/2006/chart" xmlns:dgm="http://schemas.openxmlformats.org/drawingml/2006/diagram" xmlns:o="urn:schemas-microsoft-com:office:office" xmlns:v="urn:schemas-microsoft-com:vml" xmlns:pvml="urn:schemas-microsoft-com:office:powerpoint" xmlns:com="http://schemas.openxmlformats.org/drawingml/2006/compatibility" xmlns:p15="http://schemas.microsoft.com/office/powerpoint/2012/main" xmlns:ahyp="http://schemas.microsoft.com/office/drawing/2018/hyperlinkcolor">
+    <mc:Fallback xmlns:ahyp="http://schemas.microsoft.com/office/drawing/2018/hyperlinkcolor" xmlns:p15="http://schemas.microsoft.com/office/powerpoint/2012/main" xmlns:com="http://schemas.openxmlformats.org/drawingml/2006/compatibility" xmlns:pvml="urn:schemas-microsoft-com:office:powerpoint" xmlns:v="urn:schemas-microsoft-com:vml" xmlns:o="urn:schemas-microsoft-com:office:office" xmlns:dgm="http://schemas.openxmlformats.org/drawingml/2006/diagram" xmlns:c="http://schemas.openxmlformats.org/drawingml/2006/chart" xmlns:mv="urn:schemas-microsoft-com:mac:vml" xmlns="">
       <p:transition spd="slow">
         <p:fade/>
       </p:transition>
@@ -22472,7 +22567,7 @@
         </p:nvSpPr>
         <p:spPr>
           <a:xfrm>
-            <a:off x="192315" y="5638800"/>
+            <a:off x="192315" y="5791200"/>
             <a:ext cx="8706762" cy="685800"/>
           </a:xfrm>
           <a:prstGeom prst="rect">
@@ -22491,64 +22586,57 @@
           <a:p>
             <a:pPr algn="ctr"/>
             <a:r>
+              <a:rPr lang="en-GB" sz="1500" dirty="0">
+                <a:latin typeface="Times New Roman" pitchFamily="18" charset="0"/>
+                <a:cs typeface="Times New Roman" pitchFamily="18" charset="0"/>
+              </a:rPr>
+              <a:t>V</a:t>
+            </a:r>
+            <a:r>
               <a:rPr lang="en-GB" sz="1500" dirty="0" smtClean="0">
                 <a:latin typeface="Times New Roman" pitchFamily="18" charset="0"/>
                 <a:cs typeface="Times New Roman" pitchFamily="18" charset="0"/>
               </a:rPr>
-              <a:t>Visualize the </a:t>
+              <a:t>isual </a:t>
             </a:r>
             <a:r>
               <a:rPr lang="en-GB" sz="1500" dirty="0">
                 <a:latin typeface="Times New Roman" pitchFamily="18" charset="0"/>
                 <a:cs typeface="Times New Roman" pitchFamily="18" charset="0"/>
               </a:rPr>
-              <a:t>relationship between green coverage </a:t>
+              <a:t>representation of the </a:t>
+            </a:r>
+            <a:r>
+              <a:rPr lang="en-GB" sz="1500" b="1" dirty="0">
+                <a:latin typeface="Times New Roman" pitchFamily="18" charset="0"/>
+                <a:cs typeface="Times New Roman" pitchFamily="18" charset="0"/>
+              </a:rPr>
+              <a:t>T-test</a:t>
+            </a:r>
+            <a:r>
+              <a:rPr lang="en-GB" sz="1500" dirty="0">
+                <a:latin typeface="Times New Roman" pitchFamily="18" charset="0"/>
+                <a:cs typeface="Times New Roman" pitchFamily="18" charset="0"/>
+              </a:rPr>
+              <a:t>, showing whether areas with less greenery are significantly </a:t>
             </a:r>
             <a:r>
               <a:rPr lang="en-GB" sz="1500" dirty="0" smtClean="0">
                 <a:latin typeface="Times New Roman" pitchFamily="18" charset="0"/>
                 <a:cs typeface="Times New Roman" pitchFamily="18" charset="0"/>
               </a:rPr>
-              <a:t>and </a:t>
-            </a:r>
-            <a:r>
-              <a:rPr lang="en-GB" sz="1500" dirty="0">
-                <a:latin typeface="Times New Roman" pitchFamily="18" charset="0"/>
-                <a:cs typeface="Times New Roman" pitchFamily="18" charset="0"/>
-              </a:rPr>
-              <a:t>mean temperature</a:t>
-            </a:r>
-            <a:r>
-              <a:rPr lang="en-GB" sz="1600" dirty="0"/>
-              <a:t>.</a:t>
-            </a:r>
-            <a:endParaRPr lang="en-GB" sz="1500" dirty="0" smtClean="0">
+              <a:t>hotter</a:t>
+            </a:r>
+            <a:endParaRPr lang="en-GB" sz="1500" b="1" dirty="0">
               <a:latin typeface="Times New Roman" pitchFamily="18" charset="0"/>
               <a:cs typeface="Times New Roman" pitchFamily="18" charset="0"/>
             </a:endParaRPr>
-          </a:p>
-          <a:p>
-            <a:pPr algn="ctr"/>
-            <a:r>
-              <a:rPr lang="en-GB" sz="1500" dirty="0" smtClean="0">
-                <a:latin typeface="Times New Roman" pitchFamily="18" charset="0"/>
-                <a:cs typeface="Times New Roman" pitchFamily="18" charset="0"/>
-              </a:rPr>
-              <a:t>corresponds to </a:t>
-            </a:r>
-            <a:r>
-              <a:rPr lang="en-GB" sz="1500" dirty="0">
-                <a:latin typeface="Times New Roman" pitchFamily="18" charset="0"/>
-                <a:cs typeface="Times New Roman" pitchFamily="18" charset="0"/>
-              </a:rPr>
-              <a:t>Spearman correlation value (rho = –0.38), demonstrating a negative relationship between vegetation and heat.</a:t>
-            </a:r>
           </a:p>
         </p:txBody>
       </p:sp>
       <p:pic>
         <p:nvPicPr>
-          <p:cNvPr id="2" name="Picture 1"/>
+          <p:cNvPr id="4" name="Picture 3"/>
           <p:cNvPicPr>
             <a:picLocks noChangeAspect="1"/>
           </p:cNvPicPr>
@@ -22568,8 +22656,8 @@
         </p:blipFill>
         <p:spPr>
           <a:xfrm>
-            <a:off x="918573" y="239488"/>
-            <a:ext cx="7254246" cy="5181604"/>
+            <a:off x="1074967" y="647700"/>
+            <a:ext cx="6934200" cy="4953000"/>
           </a:xfrm>
           <a:prstGeom prst="rect">
             <a:avLst/>
@@ -22579,7 +22667,7 @@
     </p:spTree>
     <p:extLst>
       <p:ext uri="{BB962C8B-B14F-4D97-AF65-F5344CB8AC3E}">
-        <p14:creationId xmlns:p14="http://schemas.microsoft.com/office/powerpoint/2010/main" val="141608908"/>
+        <p14:creationId xmlns:p14="http://schemas.microsoft.com/office/powerpoint/2010/main" val="3989240265"/>
       </p:ext>
     </p:extLst>
   </p:cSld>
@@ -22592,7 +22680,7 @@
         <p:fade/>
       </p:transition>
     </mc:Choice>
-    <mc:Fallback xmlns="" xmlns:mv="urn:schemas-microsoft-com:mac:vml" xmlns:c="http://schemas.openxmlformats.org/drawingml/2006/chart" xmlns:dgm="http://schemas.openxmlformats.org/drawingml/2006/diagram" xmlns:o="urn:schemas-microsoft-com:office:office" xmlns:v="urn:schemas-microsoft-com:vml" xmlns:pvml="urn:schemas-microsoft-com:office:powerpoint" xmlns:com="http://schemas.openxmlformats.org/drawingml/2006/compatibility" xmlns:p15="http://schemas.microsoft.com/office/powerpoint/2012/main" xmlns:ahyp="http://schemas.microsoft.com/office/drawing/2018/hyperlinkcolor">
+    <mc:Fallback xmlns:ahyp="http://schemas.microsoft.com/office/drawing/2018/hyperlinkcolor" xmlns:p15="http://schemas.microsoft.com/office/powerpoint/2012/main" xmlns:com="http://schemas.openxmlformats.org/drawingml/2006/compatibility" xmlns:pvml="urn:schemas-microsoft-com:office:powerpoint" xmlns:v="urn:schemas-microsoft-com:vml" xmlns:o="urn:schemas-microsoft-com:office:office" xmlns:dgm="http://schemas.openxmlformats.org/drawingml/2006/diagram" xmlns:c="http://schemas.openxmlformats.org/drawingml/2006/chart" xmlns:mv="urn:schemas-microsoft-com:mac:vml" xmlns="">
       <p:transition spd="slow">
         <p:fade/>
       </p:transition>
@@ -22687,8 +22775,8 @@
         </p:nvSpPr>
         <p:spPr>
           <a:xfrm>
-            <a:off x="221344" y="5810250"/>
-            <a:ext cx="8706762" cy="342900"/>
+            <a:off x="192315" y="5638800"/>
+            <a:ext cx="8706762" cy="685800"/>
           </a:xfrm>
           <a:prstGeom prst="rect">
             <a:avLst/>
@@ -22717,25 +22805,53 @@
                 <a:latin typeface="Times New Roman" pitchFamily="18" charset="0"/>
                 <a:cs typeface="Times New Roman" pitchFamily="18" charset="0"/>
               </a:rPr>
-              <a:t>spread and distribution </a:t>
+              <a:t>relationship between green coverage </a:t>
             </a:r>
             <a:r>
               <a:rPr lang="en-GB" sz="1500" dirty="0" smtClean="0">
                 <a:latin typeface="Times New Roman" pitchFamily="18" charset="0"/>
                 <a:cs typeface="Times New Roman" pitchFamily="18" charset="0"/>
               </a:rPr>
-              <a:t>differences</a:t>
-            </a:r>
-            <a:endParaRPr lang="en-GB" sz="1500" dirty="0">
+              <a:t>and </a:t>
+            </a:r>
+            <a:r>
+              <a:rPr lang="en-GB" sz="1500" dirty="0">
+                <a:latin typeface="Times New Roman" pitchFamily="18" charset="0"/>
+                <a:cs typeface="Times New Roman" pitchFamily="18" charset="0"/>
+              </a:rPr>
+              <a:t>mean temperature</a:t>
+            </a:r>
+            <a:r>
+              <a:rPr lang="en-GB" sz="1600" dirty="0"/>
+              <a:t>.</a:t>
+            </a:r>
+            <a:endParaRPr lang="en-GB" sz="1500" dirty="0" smtClean="0">
               <a:latin typeface="Times New Roman" pitchFamily="18" charset="0"/>
               <a:cs typeface="Times New Roman" pitchFamily="18" charset="0"/>
             </a:endParaRPr>
+          </a:p>
+          <a:p>
+            <a:pPr algn="ctr"/>
+            <a:r>
+              <a:rPr lang="en-GB" sz="1500" dirty="0" smtClean="0">
+                <a:latin typeface="Times New Roman" pitchFamily="18" charset="0"/>
+                <a:cs typeface="Times New Roman" pitchFamily="18" charset="0"/>
+              </a:rPr>
+              <a:t>corresponds to </a:t>
+            </a:r>
+            <a:r>
+              <a:rPr lang="en-GB" sz="1500" dirty="0">
+                <a:latin typeface="Times New Roman" pitchFamily="18" charset="0"/>
+                <a:cs typeface="Times New Roman" pitchFamily="18" charset="0"/>
+              </a:rPr>
+              <a:t>Spearman correlation value (rho = –0.38), demonstrating a negative relationship between vegetation and heat.</a:t>
+            </a:r>
           </a:p>
         </p:txBody>
       </p:sp>
       <p:pic>
         <p:nvPicPr>
-          <p:cNvPr id="3" name="Picture 2"/>
+          <p:cNvPr id="2" name="Picture 1"/>
           <p:cNvPicPr>
             <a:picLocks noChangeAspect="1"/>
           </p:cNvPicPr>
@@ -22755,8 +22871,8 @@
         </p:blipFill>
         <p:spPr>
           <a:xfrm>
-            <a:off x="1000938" y="460829"/>
-            <a:ext cx="7147573" cy="5105409"/>
+            <a:off x="918573" y="239488"/>
+            <a:ext cx="7254246" cy="5181604"/>
           </a:xfrm>
           <a:prstGeom prst="rect">
             <a:avLst/>
@@ -22766,7 +22882,7 @@
     </p:spTree>
     <p:extLst>
       <p:ext uri="{BB962C8B-B14F-4D97-AF65-F5344CB8AC3E}">
-        <p14:creationId xmlns:p14="http://schemas.microsoft.com/office/powerpoint/2010/main" val="4082901199"/>
+        <p14:creationId xmlns:p14="http://schemas.microsoft.com/office/powerpoint/2010/main" val="141608908"/>
       </p:ext>
     </p:extLst>
   </p:cSld>
@@ -22779,7 +22895,7 @@
         <p:fade/>
       </p:transition>
     </mc:Choice>
-    <mc:Fallback xmlns="" xmlns:mv="urn:schemas-microsoft-com:mac:vml" xmlns:c="http://schemas.openxmlformats.org/drawingml/2006/chart" xmlns:dgm="http://schemas.openxmlformats.org/drawingml/2006/diagram" xmlns:o="urn:schemas-microsoft-com:office:office" xmlns:v="urn:schemas-microsoft-com:vml" xmlns:pvml="urn:schemas-microsoft-com:office:powerpoint" xmlns:com="http://schemas.openxmlformats.org/drawingml/2006/compatibility" xmlns:p15="http://schemas.microsoft.com/office/powerpoint/2012/main" xmlns:ahyp="http://schemas.microsoft.com/office/drawing/2018/hyperlinkcolor">
+    <mc:Fallback xmlns:ahyp="http://schemas.microsoft.com/office/drawing/2018/hyperlinkcolor" xmlns:p15="http://schemas.microsoft.com/office/powerpoint/2012/main" xmlns:com="http://schemas.openxmlformats.org/drawingml/2006/compatibility" xmlns:pvml="urn:schemas-microsoft-com:office:powerpoint" xmlns:v="urn:schemas-microsoft-com:vml" xmlns:o="urn:schemas-microsoft-com:office:office" xmlns:dgm="http://schemas.openxmlformats.org/drawingml/2006/diagram" xmlns:c="http://schemas.openxmlformats.org/drawingml/2006/chart" xmlns:mv="urn:schemas-microsoft-com:mac:vml" xmlns="">
       <p:transition spd="slow">
         <p:fade/>
       </p:transition>
@@ -22874,8 +22990,8 @@
         </p:nvSpPr>
         <p:spPr>
           <a:xfrm>
-            <a:off x="284838" y="533400"/>
-            <a:ext cx="8630562" cy="6019800"/>
+            <a:off x="221344" y="5810250"/>
+            <a:ext cx="8706762" cy="342900"/>
           </a:xfrm>
           <a:prstGeom prst="rect">
             <a:avLst/>
@@ -22891,289 +23007,69 @@
           </a:bodyPr>
           <a:lstStyle/>
           <a:p>
-            <a:r>
-              <a:rPr lang="en-GB" sz="2000" b="1" dirty="0" smtClean="0">
-                <a:latin typeface="Times New Roman" pitchFamily="18" charset="0"/>
-                <a:cs typeface="Times New Roman" pitchFamily="18" charset="0"/>
-              </a:rPr>
-              <a:t>Interpretation:</a:t>
-            </a:r>
-            <a:endParaRPr lang="en-GB" sz="2000" b="1" dirty="0">
-              <a:latin typeface="Times New Roman" pitchFamily="18" charset="0"/>
-              <a:cs typeface="Times New Roman" pitchFamily="18" charset="0"/>
-            </a:endParaRPr>
-          </a:p>
-          <a:p>
-            <a:r>
-              <a:rPr lang="en-GB" sz="2000" dirty="0" smtClean="0">
-                <a:latin typeface="Times New Roman" pitchFamily="18" charset="0"/>
-                <a:cs typeface="Times New Roman" pitchFamily="18" charset="0"/>
-              </a:rPr>
-              <a:t>	➝ Both </a:t>
-            </a:r>
-            <a:r>
-              <a:rPr lang="en-GB" sz="2000" dirty="0">
-                <a:latin typeface="Times New Roman" pitchFamily="18" charset="0"/>
-                <a:cs typeface="Times New Roman" pitchFamily="18" charset="0"/>
-              </a:rPr>
-              <a:t>tests strongly support the conclusion </a:t>
-            </a:r>
-            <a:r>
-              <a:rPr lang="en-GB" sz="2000" dirty="0" smtClean="0">
-                <a:latin typeface="Times New Roman" pitchFamily="18" charset="0"/>
-                <a:cs typeface="Times New Roman" pitchFamily="18" charset="0"/>
-              </a:rPr>
-              <a:t>that: </a:t>
-            </a:r>
-          </a:p>
-          <a:p>
-            <a:r>
-              <a:rPr lang="en-GB" sz="2000" dirty="0">
-                <a:latin typeface="Times New Roman" pitchFamily="18" charset="0"/>
-                <a:cs typeface="Times New Roman" pitchFamily="18" charset="0"/>
-              </a:rPr>
-              <a:t>	</a:t>
-            </a:r>
-            <a:r>
-              <a:rPr lang="en-GB" sz="2000" dirty="0" smtClean="0">
-                <a:latin typeface="Times New Roman" pitchFamily="18" charset="0"/>
-                <a:cs typeface="Times New Roman" pitchFamily="18" charset="0"/>
-              </a:rPr>
-              <a:t>	Green </a:t>
-            </a:r>
-            <a:r>
-              <a:rPr lang="en-GB" sz="2000" dirty="0">
-                <a:latin typeface="Times New Roman" pitchFamily="18" charset="0"/>
-                <a:cs typeface="Times New Roman" pitchFamily="18" charset="0"/>
-              </a:rPr>
-              <a:t>areas help reduce </a:t>
-            </a:r>
-            <a:r>
-              <a:rPr lang="en-GB" sz="2000" dirty="0" smtClean="0">
-                <a:latin typeface="Times New Roman" pitchFamily="18" charset="0"/>
-                <a:cs typeface="Times New Roman" pitchFamily="18" charset="0"/>
-              </a:rPr>
-              <a:t>urban heat.</a:t>
-            </a:r>
-            <a:endParaRPr lang="en-GB" sz="2000" dirty="0">
-              <a:latin typeface="Times New Roman" pitchFamily="18" charset="0"/>
-              <a:cs typeface="Times New Roman" pitchFamily="18" charset="0"/>
-            </a:endParaRPr>
-          </a:p>
-          <a:p>
-            <a:r>
-              <a:rPr lang="en-GB" sz="2000" dirty="0" smtClean="0">
-                <a:latin typeface="Times New Roman" pitchFamily="18" charset="0"/>
-                <a:cs typeface="Times New Roman" pitchFamily="18" charset="0"/>
-              </a:rPr>
-              <a:t>	➝ Statistical </a:t>
-            </a:r>
-            <a:r>
-              <a:rPr lang="en-GB" sz="2000" dirty="0">
-                <a:latin typeface="Times New Roman" pitchFamily="18" charset="0"/>
-                <a:cs typeface="Times New Roman" pitchFamily="18" charset="0"/>
-              </a:rPr>
-              <a:t>evidence confirms that differences in temperature are not </a:t>
-            </a:r>
-            <a:r>
-              <a:rPr lang="en-GB" sz="2000" dirty="0" smtClean="0">
-                <a:latin typeface="Times New Roman" pitchFamily="18" charset="0"/>
-                <a:cs typeface="Times New Roman" pitchFamily="18" charset="0"/>
-              </a:rPr>
-              <a:t>	random</a:t>
-            </a:r>
-            <a:r>
-              <a:rPr lang="en-GB" sz="2000" dirty="0">
-                <a:latin typeface="Times New Roman" pitchFamily="18" charset="0"/>
-                <a:cs typeface="Times New Roman" pitchFamily="18" charset="0"/>
-              </a:rPr>
-              <a:t>, but linked to vegetation distribution.</a:t>
-            </a:r>
-          </a:p>
-          <a:p>
-            <a:r>
-              <a:rPr lang="en-GB" sz="2000" dirty="0" smtClean="0">
-                <a:latin typeface="Times New Roman" pitchFamily="18" charset="0"/>
-                <a:cs typeface="Times New Roman" pitchFamily="18" charset="0"/>
-              </a:rPr>
-              <a:t>	➝ This </a:t>
-            </a:r>
-            <a:r>
-              <a:rPr lang="en-GB" sz="2000" dirty="0">
-                <a:latin typeface="Times New Roman" pitchFamily="18" charset="0"/>
-                <a:cs typeface="Times New Roman" pitchFamily="18" charset="0"/>
-              </a:rPr>
-              <a:t>justifies using green coverage as a basis for tree-planting priority </a:t>
-            </a:r>
-            <a:r>
-              <a:rPr lang="en-GB" sz="2000" dirty="0" smtClean="0">
-                <a:latin typeface="Times New Roman" pitchFamily="18" charset="0"/>
-                <a:cs typeface="Times New Roman" pitchFamily="18" charset="0"/>
-              </a:rPr>
-              <a:t>	mapping.</a:t>
-            </a:r>
-          </a:p>
-          <a:p>
-            <a:endParaRPr lang="en-GB" sz="2000" dirty="0" smtClean="0">
-              <a:latin typeface="Times New Roman" pitchFamily="18" charset="0"/>
-              <a:cs typeface="Times New Roman" pitchFamily="18" charset="0"/>
-            </a:endParaRPr>
-          </a:p>
-          <a:p>
-            <a:r>
-              <a:rPr lang="en-GB" sz="2000" b="1" dirty="0">
-                <a:latin typeface="Times New Roman" pitchFamily="18" charset="0"/>
-                <a:cs typeface="Times New Roman" pitchFamily="18" charset="0"/>
-              </a:rPr>
-              <a:t>Implications for Urban </a:t>
-            </a:r>
-            <a:r>
-              <a:rPr lang="en-GB" sz="2000" b="1" dirty="0" smtClean="0">
-                <a:latin typeface="Times New Roman" pitchFamily="18" charset="0"/>
-                <a:cs typeface="Times New Roman" pitchFamily="18" charset="0"/>
-              </a:rPr>
-              <a:t>Planning:</a:t>
-            </a:r>
-            <a:endParaRPr lang="en-GB" sz="2000" b="1" dirty="0">
-              <a:latin typeface="Times New Roman" pitchFamily="18" charset="0"/>
-              <a:cs typeface="Times New Roman" pitchFamily="18" charset="0"/>
-            </a:endParaRPr>
-          </a:p>
-          <a:p>
-            <a:r>
-              <a:rPr lang="en-GB" sz="2000" dirty="0" smtClean="0">
-                <a:latin typeface="Times New Roman" pitchFamily="18" charset="0"/>
-                <a:cs typeface="Times New Roman" pitchFamily="18" charset="0"/>
-              </a:rPr>
-              <a:t>	➝ Areas </a:t>
-            </a:r>
-            <a:r>
-              <a:rPr lang="en-GB" sz="2000" dirty="0">
-                <a:latin typeface="Times New Roman" pitchFamily="18" charset="0"/>
-                <a:cs typeface="Times New Roman" pitchFamily="18" charset="0"/>
-              </a:rPr>
-              <a:t>with low green coverage could benefit most </a:t>
-            </a:r>
-            <a:r>
-              <a:rPr lang="en-GB" sz="2000" dirty="0" smtClean="0">
-                <a:latin typeface="Times New Roman" pitchFamily="18" charset="0"/>
-                <a:cs typeface="Times New Roman" pitchFamily="18" charset="0"/>
-              </a:rPr>
-              <a:t>from:</a:t>
-            </a:r>
-          </a:p>
-          <a:p>
-            <a:r>
-              <a:rPr lang="en-GB" sz="2000" dirty="0">
-                <a:latin typeface="Times New Roman" pitchFamily="18" charset="0"/>
-                <a:cs typeface="Times New Roman" pitchFamily="18" charset="0"/>
-              </a:rPr>
-              <a:t>	</a:t>
-            </a:r>
-            <a:r>
-              <a:rPr lang="en-GB" sz="2000" dirty="0" smtClean="0">
-                <a:latin typeface="Times New Roman" pitchFamily="18" charset="0"/>
-                <a:cs typeface="Times New Roman" pitchFamily="18" charset="0"/>
-              </a:rPr>
-              <a:t>tree </a:t>
-            </a:r>
-            <a:r>
-              <a:rPr lang="en-GB" sz="2000" dirty="0">
-                <a:latin typeface="Times New Roman" pitchFamily="18" charset="0"/>
-                <a:cs typeface="Times New Roman" pitchFamily="18" charset="0"/>
-              </a:rPr>
-              <a:t>planting </a:t>
-            </a:r>
-            <a:r>
-              <a:rPr lang="en-GB" sz="2000" dirty="0" smtClean="0">
-                <a:latin typeface="Times New Roman" pitchFamily="18" charset="0"/>
-                <a:cs typeface="Times New Roman" pitchFamily="18" charset="0"/>
-              </a:rPr>
-              <a:t>programs, expanding </a:t>
-            </a:r>
-            <a:r>
-              <a:rPr lang="en-GB" sz="2000" dirty="0">
-                <a:latin typeface="Times New Roman" pitchFamily="18" charset="0"/>
-                <a:cs typeface="Times New Roman" pitchFamily="18" charset="0"/>
-              </a:rPr>
-              <a:t>parks or green </a:t>
-            </a:r>
-            <a:r>
-              <a:rPr lang="en-GB" sz="2000" dirty="0" smtClean="0">
-                <a:latin typeface="Times New Roman" pitchFamily="18" charset="0"/>
-                <a:cs typeface="Times New Roman" pitchFamily="18" charset="0"/>
-              </a:rPr>
-              <a:t>corridors and</a:t>
-            </a:r>
-            <a:endParaRPr lang="en-GB" sz="2000" dirty="0">
-              <a:latin typeface="Times New Roman" pitchFamily="18" charset="0"/>
-              <a:cs typeface="Times New Roman" pitchFamily="18" charset="0"/>
-            </a:endParaRPr>
-          </a:p>
-          <a:p>
-            <a:pPr lvl="1"/>
-            <a:r>
-              <a:rPr lang="en-GB" sz="2000" dirty="0" smtClean="0">
-                <a:latin typeface="Times New Roman" pitchFamily="18" charset="0"/>
-                <a:cs typeface="Times New Roman" pitchFamily="18" charset="0"/>
-              </a:rPr>
-              <a:t>	cooling </a:t>
-            </a:r>
-            <a:r>
-              <a:rPr lang="en-GB" sz="2000" dirty="0">
-                <a:latin typeface="Times New Roman" pitchFamily="18" charset="0"/>
-                <a:cs typeface="Times New Roman" pitchFamily="18" charset="0"/>
-              </a:rPr>
-              <a:t>urban design (shade structures, permeable surfaces)</a:t>
-            </a:r>
-          </a:p>
-          <a:p>
-            <a:r>
-              <a:rPr lang="en-GB" sz="2000" dirty="0" smtClean="0">
-                <a:latin typeface="Times New Roman" pitchFamily="18" charset="0"/>
-                <a:cs typeface="Times New Roman" pitchFamily="18" charset="0"/>
-              </a:rPr>
-              <a:t>	➝ Results </a:t>
-            </a:r>
-            <a:r>
-              <a:rPr lang="en-GB" sz="2000" dirty="0">
-                <a:latin typeface="Times New Roman" pitchFamily="18" charset="0"/>
-                <a:cs typeface="Times New Roman" pitchFamily="18" charset="0"/>
-              </a:rPr>
-              <a:t>can guide priority mapping, helping decision-makers allocate </a:t>
-            </a:r>
-            <a:r>
-              <a:rPr lang="en-GB" sz="2000" dirty="0" smtClean="0">
-                <a:latin typeface="Times New Roman" pitchFamily="18" charset="0"/>
-                <a:cs typeface="Times New Roman" pitchFamily="18" charset="0"/>
-              </a:rPr>
-              <a:t>	resources </a:t>
-            </a:r>
-            <a:r>
-              <a:rPr lang="en-GB" sz="2000" dirty="0">
-                <a:latin typeface="Times New Roman" pitchFamily="18" charset="0"/>
-                <a:cs typeface="Times New Roman" pitchFamily="18" charset="0"/>
-              </a:rPr>
-              <a:t>more effectively</a:t>
-            </a:r>
-            <a:r>
-              <a:rPr lang="en-GB" sz="2000" dirty="0" smtClean="0">
-                <a:latin typeface="Times New Roman" pitchFamily="18" charset="0"/>
-                <a:cs typeface="Times New Roman" pitchFamily="18" charset="0"/>
-              </a:rPr>
-              <a:t>.</a:t>
-            </a:r>
-            <a:endParaRPr lang="en-GB" sz="2000" dirty="0">
+            <a:pPr algn="ctr"/>
+            <a:r>
+              <a:rPr lang="en-GB" sz="1500" dirty="0" smtClean="0">
+                <a:latin typeface="Times New Roman" pitchFamily="18" charset="0"/>
+                <a:cs typeface="Times New Roman" pitchFamily="18" charset="0"/>
+              </a:rPr>
+              <a:t>Visualize the </a:t>
+            </a:r>
+            <a:r>
+              <a:rPr lang="en-GB" sz="1500" dirty="0">
+                <a:latin typeface="Times New Roman" pitchFamily="18" charset="0"/>
+                <a:cs typeface="Times New Roman" pitchFamily="18" charset="0"/>
+              </a:rPr>
+              <a:t>spread and distribution </a:t>
+            </a:r>
+            <a:r>
+              <a:rPr lang="en-GB" sz="1500" dirty="0" smtClean="0">
+                <a:latin typeface="Times New Roman" pitchFamily="18" charset="0"/>
+                <a:cs typeface="Times New Roman" pitchFamily="18" charset="0"/>
+              </a:rPr>
+              <a:t>differences</a:t>
+            </a:r>
+            <a:endParaRPr lang="en-GB" sz="1500" dirty="0">
               <a:latin typeface="Times New Roman" pitchFamily="18" charset="0"/>
               <a:cs typeface="Times New Roman" pitchFamily="18" charset="0"/>
             </a:endParaRPr>
           </a:p>
         </p:txBody>
       </p:sp>
+      <p:pic>
+        <p:nvPicPr>
+          <p:cNvPr id="3" name="Picture 2"/>
+          <p:cNvPicPr>
+            <a:picLocks noChangeAspect="1"/>
+          </p:cNvPicPr>
+          <p:nvPr/>
+        </p:nvPicPr>
+        <p:blipFill>
+          <a:blip r:embed="rId3">
+            <a:extLst>
+              <a:ext uri="{28A0092B-C50C-407E-A947-70E740481C1C}">
+                <a14:useLocalDpi xmlns:a14="http://schemas.microsoft.com/office/drawing/2010/main" val="0"/>
+              </a:ext>
+            </a:extLst>
+          </a:blip>
+          <a:stretch>
+            <a:fillRect/>
+          </a:stretch>
+        </p:blipFill>
+        <p:spPr>
+          <a:xfrm>
+            <a:off x="1000938" y="460829"/>
+            <a:ext cx="7147573" cy="5105409"/>
+          </a:xfrm>
+          <a:prstGeom prst="rect">
+            <a:avLst/>
+          </a:prstGeom>
+        </p:spPr>
+      </p:pic>
     </p:spTree>
     <p:extLst>
       <p:ext uri="{BB962C8B-B14F-4D97-AF65-F5344CB8AC3E}">
-        <p14:creationId xmlns:p14="http://schemas.microsoft.com/office/powerpoint/2010/main" val="3080226468"/>
+        <p14:creationId xmlns:p14="http://schemas.microsoft.com/office/powerpoint/2010/main" val="4082901199"/>
       </p:ext>
     </p:extLst>
   </p:cSld>
@@ -23186,7 +23082,7 @@
         <p:fade/>
       </p:transition>
     </mc:Choice>
-    <mc:Fallback xmlns="" xmlns:mv="urn:schemas-microsoft-com:mac:vml" xmlns:c="http://schemas.openxmlformats.org/drawingml/2006/chart" xmlns:dgm="http://schemas.openxmlformats.org/drawingml/2006/diagram" xmlns:o="urn:schemas-microsoft-com:office:office" xmlns:v="urn:schemas-microsoft-com:vml" xmlns:pvml="urn:schemas-microsoft-com:office:powerpoint" xmlns:com="http://schemas.openxmlformats.org/drawingml/2006/compatibility" xmlns:p15="http://schemas.microsoft.com/office/powerpoint/2012/main" xmlns:ahyp="http://schemas.microsoft.com/office/drawing/2018/hyperlinkcolor">
+    <mc:Fallback xmlns:ahyp="http://schemas.microsoft.com/office/drawing/2018/hyperlinkcolor" xmlns:p15="http://schemas.microsoft.com/office/powerpoint/2012/main" xmlns:com="http://schemas.openxmlformats.org/drawingml/2006/compatibility" xmlns:pvml="urn:schemas-microsoft-com:office:powerpoint" xmlns:v="urn:schemas-microsoft-com:vml" xmlns:o="urn:schemas-microsoft-com:office:office" xmlns:dgm="http://schemas.openxmlformats.org/drawingml/2006/diagram" xmlns:c="http://schemas.openxmlformats.org/drawingml/2006/chart" xmlns:mv="urn:schemas-microsoft-com:mac:vml" xmlns="">
       <p:transition spd="slow">
         <p:fade/>
       </p:transition>
@@ -23221,6 +23117,413 @@
       </p:grpSpPr>
       <p:sp>
         <p:nvSpPr>
+          <p:cNvPr id="211" name="Google Shape;211;p25"/>
+          <p:cNvSpPr txBox="1">
+            <a:spLocks noGrp="1"/>
+          </p:cNvSpPr>
+          <p:nvPr>
+            <p:ph type="sldNum" idx="4294967295"/>
+          </p:nvPr>
+        </p:nvSpPr>
+        <p:spPr>
+          <a:xfrm>
+            <a:off x="8719821" y="6301572"/>
+            <a:ext cx="127001" cy="127001"/>
+          </a:xfrm>
+          <a:prstGeom prst="rect">
+            <a:avLst/>
+          </a:prstGeom>
+          <a:noFill/>
+          <a:ln>
+            <a:noFill/>
+          </a:ln>
+        </p:spPr>
+        <p:txBody>
+          <a:bodyPr spcFirstLastPara="1" wrap="square" lIns="0" tIns="0" rIns="0" bIns="0" anchor="ctr" anchorCtr="0">
+            <a:spAutoFit/>
+          </a:bodyPr>
+          <a:lstStyle/>
+          <a:p>
+            <a:pPr marL="0" marR="0" lvl="0" indent="0" algn="r" rtl="0">
+              <a:lnSpc>
+                <a:spcPct val="100000"/>
+              </a:lnSpc>
+              <a:spcBef>
+                <a:spcPts val="0"/>
+              </a:spcBef>
+              <a:spcAft>
+                <a:spcPts val="0"/>
+              </a:spcAft>
+              <a:buClr>
+                <a:srgbClr val="000000"/>
+              </a:buClr>
+              <a:buSzPts val="800"/>
+              <a:buFont typeface="Helvetica Neue"/>
+              <a:buNone/>
+            </a:pPr>
+            <a:fld id="{00000000-1234-1234-1234-123412341234}" type="slidenum">
+              <a:rPr lang="en-US" sz="800" b="1"/>
+              <a:t>18</a:t>
+            </a:fld>
+            <a:endParaRPr/>
+          </a:p>
+        </p:txBody>
+      </p:sp>
+      <p:sp>
+        <p:nvSpPr>
+          <p:cNvPr id="212" name="Google Shape;212;p25"/>
+          <p:cNvSpPr txBox="1"/>
+          <p:nvPr/>
+        </p:nvSpPr>
+        <p:spPr>
+          <a:xfrm>
+            <a:off x="284838" y="533400"/>
+            <a:ext cx="8630562" cy="6019800"/>
+          </a:xfrm>
+          <a:prstGeom prst="rect">
+            <a:avLst/>
+          </a:prstGeom>
+          <a:noFill/>
+          <a:ln>
+            <a:noFill/>
+          </a:ln>
+        </p:spPr>
+        <p:txBody>
+          <a:bodyPr spcFirstLastPara="1" wrap="square" lIns="0" tIns="0" rIns="0" bIns="0" anchor="t" anchorCtr="0">
+            <a:noAutofit/>
+          </a:bodyPr>
+          <a:lstStyle/>
+          <a:p>
+            <a:r>
+              <a:rPr lang="en-GB" sz="2000" b="1" dirty="0" smtClean="0">
+                <a:latin typeface="Times New Roman" pitchFamily="18" charset="0"/>
+                <a:cs typeface="Times New Roman" pitchFamily="18" charset="0"/>
+              </a:rPr>
+              <a:t>Interpretation:</a:t>
+            </a:r>
+            <a:endParaRPr lang="en-GB" sz="2000" b="1" dirty="0">
+              <a:latin typeface="Times New Roman" pitchFamily="18" charset="0"/>
+              <a:cs typeface="Times New Roman" pitchFamily="18" charset="0"/>
+            </a:endParaRPr>
+          </a:p>
+          <a:p>
+            <a:r>
+              <a:rPr lang="en-GB" sz="2000" dirty="0" smtClean="0">
+                <a:latin typeface="Times New Roman" pitchFamily="18" charset="0"/>
+                <a:cs typeface="Times New Roman" pitchFamily="18" charset="0"/>
+              </a:rPr>
+              <a:t>	➝ Both </a:t>
+            </a:r>
+            <a:r>
+              <a:rPr lang="en-GB" sz="2000" dirty="0">
+                <a:latin typeface="Times New Roman" pitchFamily="18" charset="0"/>
+                <a:cs typeface="Times New Roman" pitchFamily="18" charset="0"/>
+              </a:rPr>
+              <a:t>tests strongly support the conclusion </a:t>
+            </a:r>
+            <a:r>
+              <a:rPr lang="en-GB" sz="2000" dirty="0" smtClean="0">
+                <a:latin typeface="Times New Roman" pitchFamily="18" charset="0"/>
+                <a:cs typeface="Times New Roman" pitchFamily="18" charset="0"/>
+              </a:rPr>
+              <a:t>that: </a:t>
+            </a:r>
+          </a:p>
+          <a:p>
+            <a:r>
+              <a:rPr lang="en-GB" sz="2000" dirty="0">
+                <a:latin typeface="Times New Roman" pitchFamily="18" charset="0"/>
+                <a:cs typeface="Times New Roman" pitchFamily="18" charset="0"/>
+              </a:rPr>
+              <a:t>	</a:t>
+            </a:r>
+            <a:r>
+              <a:rPr lang="en-GB" sz="2000" dirty="0" smtClean="0">
+                <a:latin typeface="Times New Roman" pitchFamily="18" charset="0"/>
+                <a:cs typeface="Times New Roman" pitchFamily="18" charset="0"/>
+              </a:rPr>
+              <a:t>	Green </a:t>
+            </a:r>
+            <a:r>
+              <a:rPr lang="en-GB" sz="2000" dirty="0">
+                <a:latin typeface="Times New Roman" pitchFamily="18" charset="0"/>
+                <a:cs typeface="Times New Roman" pitchFamily="18" charset="0"/>
+              </a:rPr>
+              <a:t>areas help reduce </a:t>
+            </a:r>
+            <a:r>
+              <a:rPr lang="en-GB" sz="2000" dirty="0" smtClean="0">
+                <a:latin typeface="Times New Roman" pitchFamily="18" charset="0"/>
+                <a:cs typeface="Times New Roman" pitchFamily="18" charset="0"/>
+              </a:rPr>
+              <a:t>urban heat.</a:t>
+            </a:r>
+            <a:endParaRPr lang="en-GB" sz="2000" dirty="0">
+              <a:latin typeface="Times New Roman" pitchFamily="18" charset="0"/>
+              <a:cs typeface="Times New Roman" pitchFamily="18" charset="0"/>
+            </a:endParaRPr>
+          </a:p>
+          <a:p>
+            <a:r>
+              <a:rPr lang="en-GB" sz="2000" dirty="0" smtClean="0">
+                <a:latin typeface="Times New Roman" pitchFamily="18" charset="0"/>
+                <a:cs typeface="Times New Roman" pitchFamily="18" charset="0"/>
+              </a:rPr>
+              <a:t>	➝ Statistical </a:t>
+            </a:r>
+            <a:r>
+              <a:rPr lang="en-GB" sz="2000" dirty="0">
+                <a:latin typeface="Times New Roman" pitchFamily="18" charset="0"/>
+                <a:cs typeface="Times New Roman" pitchFamily="18" charset="0"/>
+              </a:rPr>
+              <a:t>evidence confirms that differences in temperature are not </a:t>
+            </a:r>
+            <a:r>
+              <a:rPr lang="en-GB" sz="2000" dirty="0" smtClean="0">
+                <a:latin typeface="Times New Roman" pitchFamily="18" charset="0"/>
+                <a:cs typeface="Times New Roman" pitchFamily="18" charset="0"/>
+              </a:rPr>
+              <a:t>	random</a:t>
+            </a:r>
+            <a:r>
+              <a:rPr lang="en-GB" sz="2000" dirty="0">
+                <a:latin typeface="Times New Roman" pitchFamily="18" charset="0"/>
+                <a:cs typeface="Times New Roman" pitchFamily="18" charset="0"/>
+              </a:rPr>
+              <a:t>, but linked to vegetation distribution.</a:t>
+            </a:r>
+          </a:p>
+          <a:p>
+            <a:r>
+              <a:rPr lang="en-GB" sz="2000" dirty="0" smtClean="0">
+                <a:latin typeface="Times New Roman" pitchFamily="18" charset="0"/>
+                <a:cs typeface="Times New Roman" pitchFamily="18" charset="0"/>
+              </a:rPr>
+              <a:t>	➝ This </a:t>
+            </a:r>
+            <a:r>
+              <a:rPr lang="en-GB" sz="2000" dirty="0">
+                <a:latin typeface="Times New Roman" pitchFamily="18" charset="0"/>
+                <a:cs typeface="Times New Roman" pitchFamily="18" charset="0"/>
+              </a:rPr>
+              <a:t>justifies using green coverage as a basis for tree-planting priority </a:t>
+            </a:r>
+            <a:r>
+              <a:rPr lang="en-GB" sz="2000" dirty="0" smtClean="0">
+                <a:latin typeface="Times New Roman" pitchFamily="18" charset="0"/>
+                <a:cs typeface="Times New Roman" pitchFamily="18" charset="0"/>
+              </a:rPr>
+              <a:t>	mapping.</a:t>
+            </a:r>
+          </a:p>
+          <a:p>
+            <a:endParaRPr lang="en-GB" sz="2000" dirty="0" smtClean="0">
+              <a:latin typeface="Times New Roman" pitchFamily="18" charset="0"/>
+              <a:cs typeface="Times New Roman" pitchFamily="18" charset="0"/>
+            </a:endParaRPr>
+          </a:p>
+          <a:p>
+            <a:r>
+              <a:rPr lang="en-GB" sz="2000" b="1" dirty="0">
+                <a:latin typeface="Times New Roman" pitchFamily="18" charset="0"/>
+                <a:cs typeface="Times New Roman" pitchFamily="18" charset="0"/>
+              </a:rPr>
+              <a:t>Implications for Urban </a:t>
+            </a:r>
+            <a:r>
+              <a:rPr lang="en-GB" sz="2000" b="1" dirty="0" smtClean="0">
+                <a:latin typeface="Times New Roman" pitchFamily="18" charset="0"/>
+                <a:cs typeface="Times New Roman" pitchFamily="18" charset="0"/>
+              </a:rPr>
+              <a:t>Planning:</a:t>
+            </a:r>
+            <a:endParaRPr lang="en-GB" sz="2000" b="1" dirty="0">
+              <a:latin typeface="Times New Roman" pitchFamily="18" charset="0"/>
+              <a:cs typeface="Times New Roman" pitchFamily="18" charset="0"/>
+            </a:endParaRPr>
+          </a:p>
+          <a:p>
+            <a:r>
+              <a:rPr lang="en-GB" sz="2000" dirty="0" smtClean="0">
+                <a:latin typeface="Times New Roman" pitchFamily="18" charset="0"/>
+                <a:cs typeface="Times New Roman" pitchFamily="18" charset="0"/>
+              </a:rPr>
+              <a:t>	➝ Areas </a:t>
+            </a:r>
+            <a:r>
+              <a:rPr lang="en-GB" sz="2000" dirty="0">
+                <a:latin typeface="Times New Roman" pitchFamily="18" charset="0"/>
+                <a:cs typeface="Times New Roman" pitchFamily="18" charset="0"/>
+              </a:rPr>
+              <a:t>with low green coverage could benefit most </a:t>
+            </a:r>
+            <a:r>
+              <a:rPr lang="en-GB" sz="2000" dirty="0" smtClean="0">
+                <a:latin typeface="Times New Roman" pitchFamily="18" charset="0"/>
+                <a:cs typeface="Times New Roman" pitchFamily="18" charset="0"/>
+              </a:rPr>
+              <a:t>from:</a:t>
+            </a:r>
+          </a:p>
+          <a:p>
+            <a:r>
+              <a:rPr lang="en-GB" sz="2000" dirty="0">
+                <a:latin typeface="Times New Roman" pitchFamily="18" charset="0"/>
+                <a:cs typeface="Times New Roman" pitchFamily="18" charset="0"/>
+              </a:rPr>
+              <a:t>	</a:t>
+            </a:r>
+            <a:r>
+              <a:rPr lang="en-GB" sz="2000" dirty="0" smtClean="0">
+                <a:latin typeface="Times New Roman" pitchFamily="18" charset="0"/>
+                <a:cs typeface="Times New Roman" pitchFamily="18" charset="0"/>
+              </a:rPr>
+              <a:t>tree </a:t>
+            </a:r>
+            <a:r>
+              <a:rPr lang="en-GB" sz="2000" dirty="0">
+                <a:latin typeface="Times New Roman" pitchFamily="18" charset="0"/>
+                <a:cs typeface="Times New Roman" pitchFamily="18" charset="0"/>
+              </a:rPr>
+              <a:t>planting </a:t>
+            </a:r>
+            <a:r>
+              <a:rPr lang="en-GB" sz="2000" dirty="0" smtClean="0">
+                <a:latin typeface="Times New Roman" pitchFamily="18" charset="0"/>
+                <a:cs typeface="Times New Roman" pitchFamily="18" charset="0"/>
+              </a:rPr>
+              <a:t>programs, expanding </a:t>
+            </a:r>
+            <a:r>
+              <a:rPr lang="en-GB" sz="2000" dirty="0">
+                <a:latin typeface="Times New Roman" pitchFamily="18" charset="0"/>
+                <a:cs typeface="Times New Roman" pitchFamily="18" charset="0"/>
+              </a:rPr>
+              <a:t>parks or green </a:t>
+            </a:r>
+            <a:r>
+              <a:rPr lang="en-GB" sz="2000" dirty="0" smtClean="0">
+                <a:latin typeface="Times New Roman" pitchFamily="18" charset="0"/>
+                <a:cs typeface="Times New Roman" pitchFamily="18" charset="0"/>
+              </a:rPr>
+              <a:t>corridors and</a:t>
+            </a:r>
+            <a:endParaRPr lang="en-GB" sz="2000" dirty="0">
+              <a:latin typeface="Times New Roman" pitchFamily="18" charset="0"/>
+              <a:cs typeface="Times New Roman" pitchFamily="18" charset="0"/>
+            </a:endParaRPr>
+          </a:p>
+          <a:p>
+            <a:pPr lvl="1"/>
+            <a:r>
+              <a:rPr lang="en-GB" sz="2000" dirty="0" smtClean="0">
+                <a:latin typeface="Times New Roman" pitchFamily="18" charset="0"/>
+                <a:cs typeface="Times New Roman" pitchFamily="18" charset="0"/>
+              </a:rPr>
+              <a:t>	cooling </a:t>
+            </a:r>
+            <a:r>
+              <a:rPr lang="en-GB" sz="2000" dirty="0">
+                <a:latin typeface="Times New Roman" pitchFamily="18" charset="0"/>
+                <a:cs typeface="Times New Roman" pitchFamily="18" charset="0"/>
+              </a:rPr>
+              <a:t>urban design (shade structures, permeable surfaces)</a:t>
+            </a:r>
+          </a:p>
+          <a:p>
+            <a:r>
+              <a:rPr lang="en-GB" sz="2000" dirty="0" smtClean="0">
+                <a:latin typeface="Times New Roman" pitchFamily="18" charset="0"/>
+                <a:cs typeface="Times New Roman" pitchFamily="18" charset="0"/>
+              </a:rPr>
+              <a:t>	➝ Results </a:t>
+            </a:r>
+            <a:r>
+              <a:rPr lang="en-GB" sz="2000" dirty="0">
+                <a:latin typeface="Times New Roman" pitchFamily="18" charset="0"/>
+                <a:cs typeface="Times New Roman" pitchFamily="18" charset="0"/>
+              </a:rPr>
+              <a:t>can guide priority mapping, helping decision-makers allocate </a:t>
+            </a:r>
+            <a:r>
+              <a:rPr lang="en-GB" sz="2000" dirty="0" smtClean="0">
+                <a:latin typeface="Times New Roman" pitchFamily="18" charset="0"/>
+                <a:cs typeface="Times New Roman" pitchFamily="18" charset="0"/>
+              </a:rPr>
+              <a:t>	resources </a:t>
+            </a:r>
+            <a:r>
+              <a:rPr lang="en-GB" sz="2000" dirty="0">
+                <a:latin typeface="Times New Roman" pitchFamily="18" charset="0"/>
+                <a:cs typeface="Times New Roman" pitchFamily="18" charset="0"/>
+              </a:rPr>
+              <a:t>more effectively</a:t>
+            </a:r>
+            <a:r>
+              <a:rPr lang="en-GB" sz="2000" dirty="0" smtClean="0">
+                <a:latin typeface="Times New Roman" pitchFamily="18" charset="0"/>
+                <a:cs typeface="Times New Roman" pitchFamily="18" charset="0"/>
+              </a:rPr>
+              <a:t>.</a:t>
+            </a:r>
+            <a:endParaRPr lang="en-GB" sz="2000" dirty="0">
+              <a:latin typeface="Times New Roman" pitchFamily="18" charset="0"/>
+              <a:cs typeface="Times New Roman" pitchFamily="18" charset="0"/>
+            </a:endParaRPr>
+          </a:p>
+        </p:txBody>
+      </p:sp>
+    </p:spTree>
+    <p:extLst>
+      <p:ext uri="{BB962C8B-B14F-4D97-AF65-F5344CB8AC3E}">
+        <p14:creationId xmlns:p14="http://schemas.microsoft.com/office/powerpoint/2010/main" val="3080226468"/>
+      </p:ext>
+    </p:extLst>
+  </p:cSld>
+  <p:clrMapOvr>
+    <a:masterClrMapping/>
+  </p:clrMapOvr>
+  <mc:AlternateContent xmlns:mc="http://schemas.openxmlformats.org/markup-compatibility/2006" xmlns:p14="http://schemas.microsoft.com/office/powerpoint/2010/main">
+    <mc:Choice Requires="p14">
+      <p:transition spd="slow" p14:dur="1200">
+        <p:fade/>
+      </p:transition>
+    </mc:Choice>
+    <mc:Fallback xmlns:ahyp="http://schemas.microsoft.com/office/drawing/2018/hyperlinkcolor" xmlns:p15="http://schemas.microsoft.com/office/powerpoint/2012/main" xmlns:com="http://schemas.openxmlformats.org/drawingml/2006/compatibility" xmlns:pvml="urn:schemas-microsoft-com:office:powerpoint" xmlns:v="urn:schemas-microsoft-com:vml" xmlns:o="urn:schemas-microsoft-com:office:office" xmlns:dgm="http://schemas.openxmlformats.org/drawingml/2006/diagram" xmlns:c="http://schemas.openxmlformats.org/drawingml/2006/chart" xmlns:mv="urn:schemas-microsoft-com:mac:vml" xmlns="">
+      <p:transition spd="slow">
+        <p:fade/>
+      </p:transition>
+    </mc:Fallback>
+  </mc:AlternateContent>
+  <p:timing>
+    <p:tnLst>
+      <p:par>
+        <p:cTn id="1" dur="indefinite" restart="never" nodeType="tmRoot"/>
+      </p:par>
+    </p:tnLst>
+  </p:timing>
+</p:sld>
+</file>
+
+<file path=ppt/slides/slide19.xml><?xml version="1.0" encoding="utf-8"?>
+<p:sld xmlns:a="http://schemas.openxmlformats.org/drawingml/2006/main" xmlns:r="http://schemas.openxmlformats.org/officeDocument/2006/relationships" xmlns:p="http://schemas.openxmlformats.org/presentationml/2006/main">
+  <p:cSld>
+    <p:spTree>
+      <p:nvGrpSpPr>
+        <p:cNvPr id="1" name="Shape 209"/>
+        <p:cNvGrpSpPr/>
+        <p:nvPr/>
+      </p:nvGrpSpPr>
+      <p:grpSpPr>
+        <a:xfrm>
+          <a:off x="0" y="0"/>
+          <a:ext cx="0" cy="0"/>
+          <a:chOff x="0" y="0"/>
+          <a:chExt cx="0" cy="0"/>
+        </a:xfrm>
+      </p:grpSpPr>
+      <p:sp>
+        <p:nvSpPr>
           <p:cNvPr id="210" name="Google Shape;210;p25"/>
           <p:cNvSpPr txBox="1">
             <a:spLocks noGrp="1"/>
@@ -23231,7 +23534,7 @@
         </p:nvSpPr>
         <p:spPr>
           <a:xfrm>
-            <a:off x="234038" y="762000"/>
+            <a:off x="371019" y="762000"/>
             <a:ext cx="8574324" cy="369334"/>
           </a:xfrm>
           <a:prstGeom prst="rect">
@@ -23270,7 +23573,7 @@
                 <a:latin typeface="Times New Roman" pitchFamily="18" charset="0"/>
                 <a:cs typeface="Times New Roman" pitchFamily="18" charset="0"/>
               </a:rPr>
-              <a:t>Source Code</a:t>
+              <a:t>References</a:t>
             </a:r>
             <a:endParaRPr sz="2500" dirty="0">
               <a:latin typeface="Times New Roman" pitchFamily="18" charset="0"/>
@@ -23327,7 +23630,7 @@
             </a:pPr>
             <a:fld id="{00000000-1234-1234-1234-123412341234}" type="slidenum">
               <a:rPr lang="en-US" sz="800" b="1"/>
-              <a:t>18</a:t>
+              <a:t>19</a:t>
             </a:fld>
             <a:endParaRPr/>
           </a:p>
@@ -23341,8 +23644,8 @@
         </p:nvSpPr>
         <p:spPr>
           <a:xfrm>
-            <a:off x="533400" y="1738735"/>
-            <a:ext cx="8249562" cy="3380530"/>
+            <a:off x="500743" y="1447800"/>
+            <a:ext cx="8249562" cy="4648200"/>
           </a:xfrm>
           <a:prstGeom prst="rect">
             <a:avLst/>
@@ -23354,38 +23657,253 @@
         </p:spPr>
         <p:txBody>
           <a:bodyPr spcFirstLastPara="1" wrap="square" lIns="0" tIns="0" rIns="0" bIns="0" anchor="t" anchorCtr="0">
-            <a:normAutofit/>
+            <a:noAutofit/>
           </a:bodyPr>
           <a:lstStyle/>
           <a:p>
-            <a:pPr marL="0" marR="0" lvl="0" indent="0" algn="l" rtl="0">
-              <a:lnSpc>
-                <a:spcPct val="100000"/>
-              </a:lnSpc>
-              <a:spcBef>
-                <a:spcPts val="0"/>
-              </a:spcBef>
-              <a:spcAft>
-                <a:spcPts val="0"/>
-              </a:spcAft>
-              <a:buClr>
-                <a:srgbClr val="000000"/>
-              </a:buClr>
+            <a:pPr marL="342900" indent="-342900">
+              <a:buFont typeface="Arial" pitchFamily="34" charset="0"/>
+              <a:buChar char="•"/>
+            </a:pPr>
+            <a:r>
+              <a:rPr lang="en-US" sz="2000" b="1" dirty="0" smtClean="0">
+                <a:latin typeface="Times New Roman" pitchFamily="18" charset="0"/>
+                <a:cs typeface="Times New Roman" pitchFamily="18" charset="0"/>
+              </a:rPr>
+              <a:t>Priority score equation:</a:t>
+            </a:r>
+          </a:p>
+          <a:p>
+            <a:r>
+              <a:rPr lang="en-GB" sz="2000" dirty="0" smtClean="0">
+                <a:latin typeface="Times New Roman" pitchFamily="18" charset="0"/>
+                <a:cs typeface="Times New Roman" pitchFamily="18" charset="0"/>
+              </a:rPr>
+              <a:t>	➝ </a:t>
+            </a:r>
+            <a:r>
+              <a:rPr lang="en-US" sz="2000" dirty="0" smtClean="0">
+                <a:latin typeface="Times New Roman" pitchFamily="18" charset="0"/>
+                <a:cs typeface="Times New Roman" pitchFamily="18" charset="0"/>
+              </a:rPr>
+              <a:t>Zhou </a:t>
+            </a:r>
+            <a:r>
+              <a:rPr lang="en-US" sz="2000" dirty="0">
+                <a:latin typeface="Times New Roman" pitchFamily="18" charset="0"/>
+                <a:cs typeface="Times New Roman" pitchFamily="18" charset="0"/>
+              </a:rPr>
+              <a:t>et al. (2011), Environmental Science &amp; Technology</a:t>
+            </a:r>
+            <a:endParaRPr lang="en-US" sz="2000" dirty="0">
+              <a:latin typeface="Times New Roman" pitchFamily="18" charset="0"/>
+              <a:cs typeface="Times New Roman" pitchFamily="18" charset="0"/>
+            </a:endParaRPr>
+          </a:p>
+          <a:p>
+            <a:r>
+              <a:rPr lang="en-US" sz="2000" i="1" dirty="0" smtClean="0">
+                <a:latin typeface="Times New Roman" pitchFamily="18" charset="0"/>
+                <a:cs typeface="Times New Roman" pitchFamily="18" charset="0"/>
+              </a:rPr>
+              <a:t>	“</a:t>
+            </a:r>
+            <a:r>
+              <a:rPr lang="en-US" sz="2000" i="1" dirty="0">
+                <a:latin typeface="Times New Roman" pitchFamily="18" charset="0"/>
+                <a:cs typeface="Times New Roman" pitchFamily="18" charset="0"/>
+              </a:rPr>
+              <a:t>Relationships between urban heat island intensity and land cover.”</a:t>
+            </a:r>
+            <a:br>
+              <a:rPr lang="en-US" sz="2000" i="1" dirty="0">
+                <a:latin typeface="Times New Roman" pitchFamily="18" charset="0"/>
+                <a:cs typeface="Times New Roman" pitchFamily="18" charset="0"/>
+              </a:rPr>
+            </a:br>
+            <a:r>
+              <a:rPr lang="en-US" sz="2000" i="1" dirty="0" smtClean="0">
+                <a:latin typeface="Times New Roman" pitchFamily="18" charset="0"/>
+                <a:cs typeface="Times New Roman" pitchFamily="18" charset="0"/>
+              </a:rPr>
+              <a:t>	</a:t>
+            </a:r>
+            <a:r>
+              <a:rPr lang="en-GB" sz="2000" dirty="0" smtClean="0">
+                <a:latin typeface="Times New Roman" pitchFamily="18" charset="0"/>
+                <a:cs typeface="Times New Roman" pitchFamily="18" charset="0"/>
+              </a:rPr>
+              <a:t>➝ </a:t>
+            </a:r>
+            <a:r>
+              <a:rPr lang="en-US" sz="2000" dirty="0" err="1" smtClean="0">
+                <a:latin typeface="Times New Roman" pitchFamily="18" charset="0"/>
+                <a:cs typeface="Times New Roman" pitchFamily="18" charset="0"/>
+              </a:rPr>
+              <a:t>Voelkel</a:t>
+            </a:r>
+            <a:r>
+              <a:rPr lang="en-US" sz="2000" dirty="0" smtClean="0">
+                <a:latin typeface="Times New Roman" pitchFamily="18" charset="0"/>
+                <a:cs typeface="Times New Roman" pitchFamily="18" charset="0"/>
+              </a:rPr>
+              <a:t> </a:t>
+            </a:r>
+            <a:r>
+              <a:rPr lang="en-US" sz="2000" dirty="0">
+                <a:latin typeface="Times New Roman" pitchFamily="18" charset="0"/>
+                <a:cs typeface="Times New Roman" pitchFamily="18" charset="0"/>
+              </a:rPr>
+              <a:t>&amp; </a:t>
+            </a:r>
+            <a:r>
+              <a:rPr lang="en-US" sz="2000" dirty="0" err="1">
+                <a:latin typeface="Times New Roman" pitchFamily="18" charset="0"/>
+                <a:cs typeface="Times New Roman" pitchFamily="18" charset="0"/>
+              </a:rPr>
+              <a:t>Hinner</a:t>
+            </a:r>
+            <a:r>
+              <a:rPr lang="en-US" sz="2000" dirty="0">
+                <a:latin typeface="Times New Roman" pitchFamily="18" charset="0"/>
+                <a:cs typeface="Times New Roman" pitchFamily="18" charset="0"/>
+              </a:rPr>
+              <a:t> (2015), Applied Geography</a:t>
+            </a:r>
+            <a:endParaRPr lang="en-US" sz="2000" dirty="0">
+              <a:latin typeface="Times New Roman" pitchFamily="18" charset="0"/>
+              <a:cs typeface="Times New Roman" pitchFamily="18" charset="0"/>
+            </a:endParaRPr>
+          </a:p>
+          <a:p>
+            <a:r>
+              <a:rPr lang="en-US" sz="2000" i="1" dirty="0" smtClean="0">
+                <a:latin typeface="Times New Roman" pitchFamily="18" charset="0"/>
+                <a:cs typeface="Times New Roman" pitchFamily="18" charset="0"/>
+              </a:rPr>
+              <a:t>	“</a:t>
+            </a:r>
+            <a:r>
+              <a:rPr lang="en-US" sz="2000" i="1" dirty="0">
+                <a:latin typeface="Times New Roman" pitchFamily="18" charset="0"/>
+                <a:cs typeface="Times New Roman" pitchFamily="18" charset="0"/>
+              </a:rPr>
+              <a:t>Urban heat and vegetation: identifying priority areas for greening.”</a:t>
+            </a:r>
+            <a:br>
+              <a:rPr lang="en-US" sz="2000" i="1" dirty="0">
+                <a:latin typeface="Times New Roman" pitchFamily="18" charset="0"/>
+                <a:cs typeface="Times New Roman" pitchFamily="18" charset="0"/>
+              </a:rPr>
+            </a:br>
+            <a:r>
+              <a:rPr lang="en-US" sz="2000" i="1" dirty="0" smtClean="0">
+                <a:latin typeface="Times New Roman" pitchFamily="18" charset="0"/>
+                <a:cs typeface="Times New Roman" pitchFamily="18" charset="0"/>
+              </a:rPr>
+              <a:t>	</a:t>
+            </a:r>
+            <a:r>
+              <a:rPr lang="en-GB" sz="2000" dirty="0" smtClean="0">
+                <a:latin typeface="Times New Roman" pitchFamily="18" charset="0"/>
+                <a:cs typeface="Times New Roman" pitchFamily="18" charset="0"/>
+              </a:rPr>
+              <a:t>➝ </a:t>
+            </a:r>
+            <a:r>
+              <a:rPr lang="en-US" sz="2000" dirty="0" smtClean="0">
+                <a:latin typeface="Times New Roman" pitchFamily="18" charset="0"/>
+                <a:cs typeface="Times New Roman" pitchFamily="18" charset="0"/>
+              </a:rPr>
+              <a:t>Li </a:t>
+            </a:r>
+            <a:r>
+              <a:rPr lang="en-US" sz="2000" dirty="0">
+                <a:latin typeface="Times New Roman" pitchFamily="18" charset="0"/>
+                <a:cs typeface="Times New Roman" pitchFamily="18" charset="0"/>
+              </a:rPr>
+              <a:t>et al. (2018), Landscape and Urban Planning</a:t>
+            </a:r>
+            <a:endParaRPr lang="en-US" sz="2000" dirty="0">
+              <a:latin typeface="Times New Roman" pitchFamily="18" charset="0"/>
+              <a:cs typeface="Times New Roman" pitchFamily="18" charset="0"/>
+            </a:endParaRPr>
+          </a:p>
+          <a:p>
+            <a:r>
+              <a:rPr lang="en-US" sz="2000" i="1" dirty="0" smtClean="0">
+                <a:latin typeface="Times New Roman" pitchFamily="18" charset="0"/>
+                <a:cs typeface="Times New Roman" pitchFamily="18" charset="0"/>
+              </a:rPr>
+              <a:t>	“</a:t>
+            </a:r>
+            <a:r>
+              <a:rPr lang="en-US" sz="2000" i="1" dirty="0">
+                <a:latin typeface="Times New Roman" pitchFamily="18" charset="0"/>
+                <a:cs typeface="Times New Roman" pitchFamily="18" charset="0"/>
+              </a:rPr>
+              <a:t>Mapping heat vulnerability and identifying greening targets.”</a:t>
+            </a:r>
+            <a:br>
+              <a:rPr lang="en-US" sz="2000" i="1" dirty="0">
+                <a:latin typeface="Times New Roman" pitchFamily="18" charset="0"/>
+                <a:cs typeface="Times New Roman" pitchFamily="18" charset="0"/>
+              </a:rPr>
+            </a:br>
+            <a:endParaRPr lang="en-US" sz="2000" b="1" i="0" u="none" strike="noStrike" cap="none" dirty="0" smtClean="0">
+              <a:solidFill>
+                <a:srgbClr val="000000"/>
+              </a:solidFill>
+              <a:latin typeface="Times New Roman" pitchFamily="18" charset="0"/>
+              <a:ea typeface="Helvetica Neue"/>
+              <a:cs typeface="Times New Roman" pitchFamily="18" charset="0"/>
+              <a:sym typeface="Helvetica Neue"/>
+            </a:endParaRPr>
+          </a:p>
+          <a:p>
+            <a:pPr lvl="0">
               <a:buSzPts val="2000"/>
-              <a:buFont typeface="Helvetica Neue"/>
-              <a:buNone/>
             </a:pPr>
             <a:r>
-              <a:rPr lang="en-US" sz="2000" b="1" i="0" u="none" strike="noStrike" cap="none" dirty="0" err="1" smtClean="0">
-                <a:solidFill>
-                  <a:srgbClr val="000000"/>
-                </a:solidFill>
+              <a:rPr lang="en-US" sz="2000" b="1" dirty="0">
+                <a:latin typeface="Times New Roman" pitchFamily="18" charset="0"/>
+                <a:cs typeface="Times New Roman" pitchFamily="18" charset="0"/>
+              </a:rPr>
+              <a:t>➤</a:t>
+            </a:r>
+            <a:endParaRPr lang="en-US" sz="2000" b="1" dirty="0">
+              <a:latin typeface="Times New Roman" pitchFamily="18" charset="0"/>
+              <a:ea typeface="Helvetica Neue"/>
+              <a:cs typeface="Times New Roman" pitchFamily="18" charset="0"/>
+              <a:sym typeface="Helvetica Neue"/>
+            </a:endParaRPr>
+          </a:p>
+          <a:p>
+            <a:pPr marL="342900" marR="0" lvl="0" indent="-342900" algn="l" rtl="0">
+              <a:lnSpc>
+                <a:spcPct val="100000"/>
+              </a:lnSpc>
+              <a:spcBef>
+                <a:spcPts val="0"/>
+              </a:spcBef>
+              <a:spcAft>
+                <a:spcPts val="0"/>
+              </a:spcAft>
+              <a:buClr>
+                <a:srgbClr val="000000"/>
+              </a:buClr>
+              <a:buSzPts val="2000"/>
+              <a:buFont typeface="Arial" pitchFamily="34" charset="0"/>
+              <a:buChar char="•"/>
+            </a:pPr>
+            <a:r>
+              <a:rPr lang="en-US" sz="2000" b="1" dirty="0" smtClean="0">
                 <a:latin typeface="Times New Roman" pitchFamily="18" charset="0"/>
                 <a:ea typeface="Helvetica Neue"/>
                 <a:cs typeface="Times New Roman" pitchFamily="18" charset="0"/>
                 <a:sym typeface="Helvetica Neue"/>
               </a:rPr>
-              <a:t>Github</a:t>
+              <a:t>Source code </a:t>
             </a:r>
             <a:r>
               <a:rPr lang="en-US" sz="2000" b="1" i="0" u="none" strike="noStrike" cap="none" dirty="0" smtClean="0">
@@ -23397,27 +23915,8 @@
                 <a:cs typeface="Times New Roman" pitchFamily="18" charset="0"/>
                 <a:sym typeface="Helvetica Neue"/>
               </a:rPr>
-              <a:t> link:</a:t>
-            </a:r>
-          </a:p>
-          <a:p>
-            <a:pPr marL="0" marR="0" lvl="0" indent="0" algn="l" rtl="0">
-              <a:lnSpc>
-                <a:spcPct val="100000"/>
-              </a:lnSpc>
-              <a:spcBef>
-                <a:spcPts val="0"/>
-              </a:spcBef>
-              <a:spcAft>
-                <a:spcPts val="0"/>
-              </a:spcAft>
-              <a:buClr>
-                <a:srgbClr val="000000"/>
-              </a:buClr>
-              <a:buSzPts val="2000"/>
-              <a:buFont typeface="Helvetica Neue"/>
-              <a:buNone/>
-            </a:pPr>
+              <a:t>:</a:t>
+            </a:r>
             <a:endParaRPr lang="en-US" sz="2000" dirty="0">
               <a:latin typeface="Times New Roman" pitchFamily="18" charset="0"/>
               <a:ea typeface="Helvetica Neue"/>
@@ -23430,11 +23929,11 @@
               <a:buSzPts val="2000"/>
             </a:pPr>
             <a:r>
-              <a:rPr lang="en-GB" sz="2000" dirty="0">
-                <a:latin typeface="Times New Roman" pitchFamily="18" charset="0"/>
-                <a:cs typeface="Times New Roman" pitchFamily="18" charset="0"/>
-              </a:rPr>
-              <a:t>➝ </a:t>
+              <a:rPr lang="en-GB" sz="2000" dirty="0" smtClean="0">
+                <a:latin typeface="Times New Roman" pitchFamily="18" charset="0"/>
+                <a:cs typeface="Times New Roman" pitchFamily="18" charset="0"/>
+              </a:rPr>
+              <a:t>	➝ </a:t>
             </a:r>
             <a:r>
               <a:rPr lang="en-US" sz="2000" dirty="0" smtClean="0">
@@ -23491,7 +23990,7 @@
         <p:fade/>
       </p:transition>
     </mc:Choice>
-    <mc:Fallback xmlns="" xmlns:mv="urn:schemas-microsoft-com:mac:vml" xmlns:c="http://schemas.openxmlformats.org/drawingml/2006/chart" xmlns:dgm="http://schemas.openxmlformats.org/drawingml/2006/diagram" xmlns:o="urn:schemas-microsoft-com:office:office" xmlns:v="urn:schemas-microsoft-com:vml" xmlns:pvml="urn:schemas-microsoft-com:office:powerpoint" xmlns:com="http://schemas.openxmlformats.org/drawingml/2006/compatibility" xmlns:p15="http://schemas.microsoft.com/office/powerpoint/2012/main" xmlns:ahyp="http://schemas.microsoft.com/office/drawing/2018/hyperlinkcolor">
+    <mc:Fallback xmlns:ahyp="http://schemas.microsoft.com/office/drawing/2018/hyperlinkcolor" xmlns:p15="http://schemas.microsoft.com/office/powerpoint/2012/main" xmlns:com="http://schemas.openxmlformats.org/drawingml/2006/compatibility" xmlns:pvml="urn:schemas-microsoft-com:office:powerpoint" xmlns:v="urn:schemas-microsoft-com:vml" xmlns:o="urn:schemas-microsoft-com:office:office" xmlns:dgm="http://schemas.openxmlformats.org/drawingml/2006/diagram" xmlns:c="http://schemas.openxmlformats.org/drawingml/2006/chart" xmlns:mv="urn:schemas-microsoft-com:mac:vml" xmlns="">
       <p:transition spd="slow">
         <p:fade/>
       </p:transition>
@@ -23797,15 +24296,6 @@
               </a:rPr>
               <a:t>important?</a:t>
             </a:r>
-            <a:endParaRPr lang="en-US" sz="2000" b="1" i="0" u="none" strike="noStrike" cap="none" dirty="0" smtClean="0">
-              <a:solidFill>
-                <a:srgbClr val="000000"/>
-              </a:solidFill>
-              <a:latin typeface="Times New Roman" pitchFamily="18" charset="0"/>
-              <a:ea typeface="Helvetica Neue"/>
-              <a:cs typeface="Times New Roman" pitchFamily="18" charset="0"/>
-              <a:sym typeface="Helvetica Neue"/>
-            </a:endParaRPr>
           </a:p>
           <a:p>
             <a:pPr lvl="6">
@@ -23823,14 +24313,7 @@
                 <a:latin typeface="Times New Roman" pitchFamily="18" charset="0"/>
                 <a:cs typeface="Times New Roman" pitchFamily="18" charset="0"/>
               </a:rPr>
-              <a:t>➝ </a:t>
-            </a:r>
-            <a:r>
-              <a:rPr lang="en-GB" sz="2000" dirty="0" smtClean="0">
-                <a:latin typeface="Times New Roman" pitchFamily="18" charset="0"/>
-                <a:cs typeface="Times New Roman" pitchFamily="18" charset="0"/>
-              </a:rPr>
-              <a:t>Climate </a:t>
+              <a:t>➝ Climate </a:t>
             </a:r>
             <a:r>
               <a:rPr lang="en-GB" sz="2000" dirty="0">
@@ -23874,14 +24357,7 @@
                 <a:latin typeface="Times New Roman" pitchFamily="18" charset="0"/>
                 <a:cs typeface="Times New Roman" pitchFamily="18" charset="0"/>
               </a:rPr>
-              <a:t>➝ </a:t>
-            </a:r>
-            <a:r>
-              <a:rPr lang="en-GB" sz="2000" dirty="0" smtClean="0">
-                <a:latin typeface="Times New Roman" pitchFamily="18" charset="0"/>
-                <a:cs typeface="Times New Roman" pitchFamily="18" charset="0"/>
-              </a:rPr>
-              <a:t>Urban </a:t>
+              <a:t>➝ Urban </a:t>
             </a:r>
             <a:r>
               <a:rPr lang="en-GB" sz="2000" dirty="0">
@@ -23931,10 +24407,6 @@
               </a:rPr>
               <a:t>State of art approaches:</a:t>
             </a:r>
-            <a:endParaRPr lang="en-GB" sz="2000" b="1" dirty="0" smtClean="0">
-              <a:latin typeface="Times New Roman" pitchFamily="18" charset="0"/>
-              <a:cs typeface="Times New Roman" pitchFamily="18" charset="0"/>
-            </a:endParaRPr>
           </a:p>
           <a:p>
             <a:r>
@@ -23949,14 +24421,7 @@
                 <a:latin typeface="Times New Roman" pitchFamily="18" charset="0"/>
                 <a:cs typeface="Times New Roman" pitchFamily="18" charset="0"/>
               </a:rPr>
-              <a:t>➝ </a:t>
-            </a:r>
-            <a:r>
-              <a:rPr lang="en-GB" sz="2000" dirty="0" smtClean="0">
-                <a:latin typeface="Times New Roman" pitchFamily="18" charset="0"/>
-                <a:cs typeface="Times New Roman" pitchFamily="18" charset="0"/>
-              </a:rPr>
-              <a:t>Remote </a:t>
+              <a:t>➝ Remote </a:t>
             </a:r>
             <a:r>
               <a:rPr lang="en-GB" sz="2000" dirty="0">
@@ -23990,14 +24455,7 @@
                 <a:latin typeface="Times New Roman" pitchFamily="18" charset="0"/>
                 <a:cs typeface="Times New Roman" pitchFamily="18" charset="0"/>
               </a:rPr>
-              <a:t>➝ </a:t>
-            </a:r>
-            <a:r>
-              <a:rPr lang="en-GB" sz="2000" dirty="0" smtClean="0">
-                <a:latin typeface="Times New Roman" pitchFamily="18" charset="0"/>
-                <a:cs typeface="Times New Roman" pitchFamily="18" charset="0"/>
-              </a:rPr>
-              <a:t>City </a:t>
+              <a:t>➝ City </a:t>
             </a:r>
             <a:r>
               <a:rPr lang="en-GB" sz="2000" dirty="0">
@@ -24034,14 +24492,7 @@
                 <a:latin typeface="Times New Roman" pitchFamily="18" charset="0"/>
                 <a:cs typeface="Times New Roman" pitchFamily="18" charset="0"/>
               </a:rPr>
-              <a:t>➝ </a:t>
-            </a:r>
-            <a:r>
-              <a:rPr lang="en-GB" sz="2000" dirty="0" smtClean="0">
-                <a:latin typeface="Times New Roman" pitchFamily="18" charset="0"/>
-                <a:cs typeface="Times New Roman" pitchFamily="18" charset="0"/>
-              </a:rPr>
-              <a:t>Machine </a:t>
+              <a:t>➝ Machine </a:t>
             </a:r>
             <a:r>
               <a:rPr lang="en-GB" sz="2000" dirty="0">
@@ -24092,47 +24543,36 @@
                 <a:latin typeface="Times New Roman" pitchFamily="18" charset="0"/>
                 <a:cs typeface="Times New Roman" pitchFamily="18" charset="0"/>
               </a:rPr>
-              <a:t>➝ </a:t>
+              <a:t>➝ Urban </a:t>
+            </a:r>
+            <a:r>
+              <a:rPr lang="en-GB" sz="2000" dirty="0">
+                <a:latin typeface="Times New Roman" pitchFamily="18" charset="0"/>
+                <a:cs typeface="Times New Roman" pitchFamily="18" charset="0"/>
+              </a:rPr>
+              <a:t>tree inventory: Some cities maintain databases of planted trees </a:t>
             </a:r>
             <a:r>
               <a:rPr lang="en-GB" sz="2000" dirty="0" smtClean="0">
                 <a:latin typeface="Times New Roman" pitchFamily="18" charset="0"/>
                 <a:cs typeface="Times New Roman" pitchFamily="18" charset="0"/>
               </a:rPr>
-              <a:t>Urban </a:t>
+              <a:t>	and green </a:t>
             </a:r>
             <a:r>
               <a:rPr lang="en-GB" sz="2000" dirty="0">
                 <a:latin typeface="Times New Roman" pitchFamily="18" charset="0"/>
                 <a:cs typeface="Times New Roman" pitchFamily="18" charset="0"/>
               </a:rPr>
-              <a:t>tree inventory: Some cities maintain databases of planted trees </a:t>
+              <a:t>areas</a:t>
             </a:r>
             <a:r>
               <a:rPr lang="en-GB" sz="2000" dirty="0" smtClean="0">
                 <a:latin typeface="Times New Roman" pitchFamily="18" charset="0"/>
                 <a:cs typeface="Times New Roman" pitchFamily="18" charset="0"/>
               </a:rPr>
-              <a:t>	and green </a:t>
-            </a:r>
-            <a:r>
-              <a:rPr lang="en-GB" sz="2000" dirty="0">
-                <a:latin typeface="Times New Roman" pitchFamily="18" charset="0"/>
-                <a:cs typeface="Times New Roman" pitchFamily="18" charset="0"/>
-              </a:rPr>
-              <a:t>areas</a:t>
-            </a:r>
-            <a:r>
-              <a:rPr lang="en-GB" sz="2000" dirty="0" smtClean="0">
-                <a:latin typeface="Times New Roman" pitchFamily="18" charset="0"/>
-                <a:cs typeface="Times New Roman" pitchFamily="18" charset="0"/>
-              </a:rPr>
               <a:t>.</a:t>
             </a:r>
-            <a:endParaRPr lang="en-GB" sz="2000" dirty="0" smtClean="0">
-              <a:latin typeface="Times New Roman" pitchFamily="18" charset="0"/>
-              <a:cs typeface="Times New Roman" pitchFamily="18" charset="0"/>
-            </a:endParaRPr>
           </a:p>
         </p:txBody>
       </p:sp>
@@ -24152,7 +24592,7 @@
         <p:fade/>
       </p:transition>
     </mc:Choice>
-    <mc:Fallback xmlns="" xmlns:mv="urn:schemas-microsoft-com:mac:vml" xmlns:c="http://schemas.openxmlformats.org/drawingml/2006/chart" xmlns:dgm="http://schemas.openxmlformats.org/drawingml/2006/diagram" xmlns:o="urn:schemas-microsoft-com:office:office" xmlns:v="urn:schemas-microsoft-com:vml" xmlns:pvml="urn:schemas-microsoft-com:office:powerpoint" xmlns:com="http://schemas.openxmlformats.org/drawingml/2006/compatibility" xmlns:p15="http://schemas.microsoft.com/office/powerpoint/2012/main" xmlns:ahyp="http://schemas.microsoft.com/office/drawing/2018/hyperlinkcolor">
+    <mc:Fallback xmlns:ahyp="http://schemas.microsoft.com/office/drawing/2018/hyperlinkcolor" xmlns:p15="http://schemas.microsoft.com/office/powerpoint/2012/main" xmlns:com="http://schemas.openxmlformats.org/drawingml/2006/compatibility" xmlns:pvml="urn:schemas-microsoft-com:office:powerpoint" xmlns:v="urn:schemas-microsoft-com:vml" xmlns:o="urn:schemas-microsoft-com:office:office" xmlns:dgm="http://schemas.openxmlformats.org/drawingml/2006/diagram" xmlns:c="http://schemas.openxmlformats.org/drawingml/2006/chart" xmlns:mv="urn:schemas-microsoft-com:mac:vml" xmlns="">
       <p:transition spd="slow">
         <p:fade/>
       </p:transition>
@@ -24273,14 +24713,7 @@
                 <a:latin typeface="Times New Roman" pitchFamily="18" charset="0"/>
                 <a:cs typeface="Times New Roman" pitchFamily="18" charset="0"/>
               </a:rPr>
-              <a:t>Gaps</a:t>
-            </a:r>
-            <a:r>
-              <a:rPr lang="en-GB" sz="2000" b="1" dirty="0" smtClean="0">
-                <a:latin typeface="Times New Roman" pitchFamily="18" charset="0"/>
-                <a:cs typeface="Times New Roman" pitchFamily="18" charset="0"/>
-              </a:rPr>
-              <a:t>:</a:t>
+              <a:t>Gaps:</a:t>
             </a:r>
           </a:p>
           <a:p>
@@ -24400,14 +24833,7 @@
                 <a:latin typeface="Times New Roman" pitchFamily="18" charset="0"/>
                 <a:cs typeface="Times New Roman" pitchFamily="18" charset="0"/>
               </a:rPr>
-              <a:t>My</a:t>
-            </a:r>
-            <a:r>
-              <a:rPr lang="en-GB" sz="2000" b="1" dirty="0" smtClean="0">
-                <a:latin typeface="Times New Roman" pitchFamily="18" charset="0"/>
-                <a:cs typeface="Times New Roman" pitchFamily="18" charset="0"/>
-              </a:rPr>
-              <a:t> project:</a:t>
+              <a:t>My project:</a:t>
             </a:r>
             <a:endParaRPr lang="en-GB" sz="2000" dirty="0">
               <a:latin typeface="Times New Roman" pitchFamily="18" charset="0"/>
@@ -24572,7 +24998,7 @@
         <p:fade/>
       </p:transition>
     </mc:Choice>
-    <mc:Fallback xmlns="" xmlns:mv="urn:schemas-microsoft-com:mac:vml" xmlns:c="http://schemas.openxmlformats.org/drawingml/2006/chart" xmlns:dgm="http://schemas.openxmlformats.org/drawingml/2006/diagram" xmlns:o="urn:schemas-microsoft-com:office:office" xmlns:v="urn:schemas-microsoft-com:vml" xmlns:pvml="urn:schemas-microsoft-com:office:powerpoint" xmlns:com="http://schemas.openxmlformats.org/drawingml/2006/compatibility" xmlns:p15="http://schemas.microsoft.com/office/powerpoint/2012/main" xmlns:ahyp="http://schemas.microsoft.com/office/drawing/2018/hyperlinkcolor">
+    <mc:Fallback xmlns:ahyp="http://schemas.microsoft.com/office/drawing/2018/hyperlinkcolor" xmlns:p15="http://schemas.microsoft.com/office/powerpoint/2012/main" xmlns:com="http://schemas.openxmlformats.org/drawingml/2006/compatibility" xmlns:pvml="urn:schemas-microsoft-com:office:powerpoint" xmlns:v="urn:schemas-microsoft-com:vml" xmlns:o="urn:schemas-microsoft-com:office:office" xmlns:dgm="http://schemas.openxmlformats.org/drawingml/2006/diagram" xmlns:c="http://schemas.openxmlformats.org/drawingml/2006/chart" xmlns:mv="urn:schemas-microsoft-com:mac:vml" xmlns="">
       <p:transition spd="slow">
         <p:fade/>
       </p:transition>
@@ -25190,7 +25616,7 @@
         <p:fade/>
       </p:transition>
     </mc:Choice>
-    <mc:Fallback xmlns="" xmlns:mv="urn:schemas-microsoft-com:mac:vml" xmlns:c="http://schemas.openxmlformats.org/drawingml/2006/chart" xmlns:dgm="http://schemas.openxmlformats.org/drawingml/2006/diagram" xmlns:o="urn:schemas-microsoft-com:office:office" xmlns:v="urn:schemas-microsoft-com:vml" xmlns:pvml="urn:schemas-microsoft-com:office:powerpoint" xmlns:com="http://schemas.openxmlformats.org/drawingml/2006/compatibility" xmlns:p15="http://schemas.microsoft.com/office/powerpoint/2012/main" xmlns:ahyp="http://schemas.microsoft.com/office/drawing/2018/hyperlinkcolor">
+    <mc:Fallback xmlns:ahyp="http://schemas.microsoft.com/office/drawing/2018/hyperlinkcolor" xmlns:p15="http://schemas.microsoft.com/office/powerpoint/2012/main" xmlns:com="http://schemas.openxmlformats.org/drawingml/2006/compatibility" xmlns:pvml="urn:schemas-microsoft-com:office:powerpoint" xmlns:v="urn:schemas-microsoft-com:vml" xmlns:o="urn:schemas-microsoft-com:office:office" xmlns:dgm="http://schemas.openxmlformats.org/drawingml/2006/diagram" xmlns:c="http://schemas.openxmlformats.org/drawingml/2006/chart" xmlns:mv="urn:schemas-microsoft-com:mac:vml" xmlns="">
       <p:transition spd="slow">
         <p:fade/>
       </p:transition>
@@ -25485,14 +25911,7 @@
                 <a:latin typeface="Times New Roman" pitchFamily="18" charset="0"/>
                 <a:cs typeface="Times New Roman" pitchFamily="18" charset="0"/>
               </a:rPr>
-              <a:t>➝ </a:t>
-            </a:r>
-            <a:r>
-              <a:rPr lang="en-GB" sz="2000" dirty="0" smtClean="0">
-                <a:latin typeface="Times New Roman" pitchFamily="18" charset="0"/>
-                <a:cs typeface="Times New Roman" pitchFamily="18" charset="0"/>
-              </a:rPr>
-              <a:t>Population data: Berlin Open Data portals.</a:t>
+              <a:t>➝ Population data: Berlin Open Data portals.</a:t>
             </a:r>
           </a:p>
           <a:p>
@@ -25581,7 +26000,7 @@
         <p:fade/>
       </p:transition>
     </mc:Choice>
-    <mc:Fallback xmlns="" xmlns:mv="urn:schemas-microsoft-com:mac:vml" xmlns:c="http://schemas.openxmlformats.org/drawingml/2006/chart" xmlns:dgm="http://schemas.openxmlformats.org/drawingml/2006/diagram" xmlns:o="urn:schemas-microsoft-com:office:office" xmlns:v="urn:schemas-microsoft-com:vml" xmlns:pvml="urn:schemas-microsoft-com:office:powerpoint" xmlns:com="http://schemas.openxmlformats.org/drawingml/2006/compatibility" xmlns:p15="http://schemas.microsoft.com/office/powerpoint/2012/main" xmlns:ahyp="http://schemas.microsoft.com/office/drawing/2018/hyperlinkcolor">
+    <mc:Fallback xmlns:ahyp="http://schemas.microsoft.com/office/drawing/2018/hyperlinkcolor" xmlns:p15="http://schemas.microsoft.com/office/powerpoint/2012/main" xmlns:com="http://schemas.openxmlformats.org/drawingml/2006/compatibility" xmlns:pvml="urn:schemas-microsoft-com:office:powerpoint" xmlns:v="urn:schemas-microsoft-com:vml" xmlns:o="urn:schemas-microsoft-com:office:office" xmlns:dgm="http://schemas.openxmlformats.org/drawingml/2006/diagram" xmlns:c="http://schemas.openxmlformats.org/drawingml/2006/chart" xmlns:mv="urn:schemas-microsoft-com:mac:vml" xmlns="">
       <p:transition spd="slow">
         <p:fade/>
       </p:transition>
@@ -25626,7 +26045,7 @@
         </p:nvSpPr>
         <p:spPr>
           <a:xfrm>
-            <a:off x="284838" y="615312"/>
+            <a:off x="237667" y="457200"/>
             <a:ext cx="8574324" cy="369334"/>
           </a:xfrm>
           <a:prstGeom prst="rect">
@@ -25639,7 +26058,7 @@
         </p:spPr>
         <p:txBody>
           <a:bodyPr spcFirstLastPara="1" wrap="square" lIns="0" tIns="0" rIns="0" bIns="0" anchor="t" anchorCtr="0">
-            <a:normAutofit/>
+            <a:noAutofit/>
           </a:bodyPr>
           <a:lstStyle/>
           <a:p>
@@ -25661,15 +26080,12 @@
               <a:buNone/>
             </a:pPr>
             <a:r>
-              <a:rPr lang="en-US" sz="2400" b="1">
-                <a:latin typeface="Helvetica Neue"/>
-                <a:ea typeface="Helvetica Neue"/>
-                <a:cs typeface="Helvetica Neue"/>
+              <a:rPr lang="en-US" sz="2500" b="1" dirty="0">
                 <a:sym typeface="Helvetica Neue"/>
               </a:rPr>
               <a:t>Methods</a:t>
             </a:r>
-            <a:endParaRPr/>
+            <a:endParaRPr sz="2500" dirty="0"/>
           </a:p>
         </p:txBody>
       </p:sp>
@@ -25735,8 +26151,8 @@
         </p:nvSpPr>
         <p:spPr>
           <a:xfrm>
-            <a:off x="284838" y="914400"/>
-            <a:ext cx="8574324" cy="5638799"/>
+            <a:off x="304800" y="1066800"/>
+            <a:ext cx="8630562" cy="5181599"/>
           </a:xfrm>
           <a:prstGeom prst="rect">
             <a:avLst/>
@@ -25748,467 +26164,329 @@
         </p:spPr>
         <p:txBody>
           <a:bodyPr spcFirstLastPara="1" wrap="square" lIns="0" tIns="0" rIns="0" bIns="0" anchor="t" anchorCtr="0">
-            <a:normAutofit/>
+            <a:noAutofit/>
           </a:bodyPr>
           <a:lstStyle/>
           <a:p>
-            <a:pPr marL="0" marR="0" lvl="0" indent="0" algn="ctr" rtl="0">
-              <a:lnSpc>
-                <a:spcPct val="100000"/>
-              </a:lnSpc>
-              <a:spcBef>
-                <a:spcPts val="0"/>
-              </a:spcBef>
-              <a:spcAft>
-                <a:spcPts val="0"/>
-              </a:spcAft>
-              <a:buClr>
-                <a:srgbClr val="000000"/>
-              </a:buClr>
-              <a:buSzPts val="2000"/>
-              <a:buFont typeface="Helvetica Neue"/>
-              <a:buNone/>
+            <a:pPr marL="342900" indent="-342900">
+              <a:buFont typeface="Arial" pitchFamily="34" charset="0"/>
+              <a:buChar char="•"/>
             </a:pPr>
             <a:r>
-              <a:rPr lang="en-US" sz="2000" b="0" i="0" u="none" strike="noStrike" cap="none" dirty="0">
-                <a:solidFill>
-                  <a:srgbClr val="000000"/>
-                </a:solidFill>
-                <a:latin typeface="Helvetica Neue"/>
-                <a:ea typeface="Helvetica Neue"/>
-                <a:cs typeface="Helvetica Neue"/>
-                <a:sym typeface="Helvetica Neue"/>
-              </a:rPr>
-              <a:t>Three prototypical approaches:</a:t>
-            </a:r>
-            <a:endParaRPr dirty="0"/>
-          </a:p>
-          <a:p>
-            <a:r>
-              <a:rPr lang="en-GB" b="1" dirty="0"/>
-              <a:t>Exploratory Data Analysis (EDA)</a:t>
-            </a:r>
-          </a:p>
-          <a:p>
-            <a:r>
-              <a:rPr lang="en-GB" b="1" dirty="0"/>
-              <a:t>Purpose:</a:t>
-            </a:r>
-            <a:r>
-              <a:rPr lang="en-GB" dirty="0"/>
-              <a:t> Understand the spatial distribution of temperature and green areas across Berlin.</a:t>
-            </a:r>
-          </a:p>
-          <a:p>
-            <a:r>
-              <a:rPr lang="en-GB" b="1" dirty="0"/>
-              <a:t>Steps performed:</a:t>
-            </a:r>
-            <a:endParaRPr lang="en-GB" dirty="0"/>
+              <a:rPr lang="en-GB" sz="2000" b="1" dirty="0" smtClean="0">
+                <a:latin typeface="Times New Roman" pitchFamily="18" charset="0"/>
+                <a:cs typeface="Times New Roman" pitchFamily="18" charset="0"/>
+              </a:rPr>
+              <a:t>Exploratory </a:t>
+            </a:r>
+            <a:r>
+              <a:rPr lang="en-GB" sz="2000" b="1" dirty="0">
+                <a:latin typeface="Times New Roman" pitchFamily="18" charset="0"/>
+                <a:cs typeface="Times New Roman" pitchFamily="18" charset="0"/>
+              </a:rPr>
+              <a:t>Data Analysis (EDA</a:t>
+            </a:r>
+            <a:r>
+              <a:rPr lang="en-GB" sz="2000" b="1" dirty="0" smtClean="0">
+                <a:latin typeface="Times New Roman" pitchFamily="18" charset="0"/>
+                <a:cs typeface="Times New Roman" pitchFamily="18" charset="0"/>
+              </a:rPr>
+              <a:t>) :</a:t>
+            </a:r>
+            <a:endParaRPr lang="en-GB" sz="2000" b="1" dirty="0">
+              <a:latin typeface="Times New Roman" pitchFamily="18" charset="0"/>
+              <a:cs typeface="Times New Roman" pitchFamily="18" charset="0"/>
+            </a:endParaRPr>
           </a:p>
           <a:p>
             <a:pPr lvl="1"/>
             <a:r>
-              <a:rPr lang="en-GB" dirty="0"/>
-              <a:t>Calculated </a:t>
-            </a:r>
-            <a:r>
-              <a:rPr lang="en-GB" b="1" dirty="0"/>
-              <a:t>average summer temperature (June–August)</a:t>
-            </a:r>
-            <a:r>
-              <a:rPr lang="en-GB" dirty="0"/>
-              <a:t> for each Berlin area over 5 years.</a:t>
-            </a:r>
+              <a:rPr lang="en-GB" sz="2000" dirty="0" smtClean="0">
+                <a:latin typeface="Times New Roman" pitchFamily="18" charset="0"/>
+                <a:cs typeface="Times New Roman" pitchFamily="18" charset="0"/>
+              </a:rPr>
+              <a:t>	➝ MODIS </a:t>
+            </a:r>
+            <a:r>
+              <a:rPr lang="en-GB" sz="2000" dirty="0">
+                <a:latin typeface="Times New Roman" pitchFamily="18" charset="0"/>
+                <a:cs typeface="Times New Roman" pitchFamily="18" charset="0"/>
+              </a:rPr>
+              <a:t>Land Surface Temperature </a:t>
+            </a:r>
+            <a:r>
+              <a:rPr lang="en-GB" sz="2000" dirty="0" smtClean="0">
+                <a:latin typeface="Times New Roman" pitchFamily="18" charset="0"/>
+                <a:cs typeface="Times New Roman" pitchFamily="18" charset="0"/>
+              </a:rPr>
+              <a:t>data </a:t>
+            </a:r>
+            <a:r>
+              <a:rPr lang="en-GB" sz="2000" dirty="0">
+                <a:latin typeface="Times New Roman" pitchFamily="18" charset="0"/>
+                <a:cs typeface="Times New Roman" pitchFamily="18" charset="0"/>
+              </a:rPr>
+              <a:t>via Google Earth </a:t>
+            </a:r>
+            <a:r>
+              <a:rPr lang="en-GB" sz="2000" dirty="0" smtClean="0">
+                <a:latin typeface="Times New Roman" pitchFamily="18" charset="0"/>
+                <a:cs typeface="Times New Roman" pitchFamily="18" charset="0"/>
+              </a:rPr>
+              <a:t>Engine of 	2020-2024 (June-August) and computed mean.</a:t>
+            </a:r>
+            <a:endParaRPr lang="en-GB" sz="2000" dirty="0">
+              <a:latin typeface="Times New Roman" pitchFamily="18" charset="0"/>
+              <a:cs typeface="Times New Roman" pitchFamily="18" charset="0"/>
+            </a:endParaRPr>
           </a:p>
           <a:p>
             <a:pPr lvl="1"/>
             <a:r>
-              <a:rPr lang="en-GB" dirty="0"/>
-              <a:t>Computed </a:t>
-            </a:r>
-            <a:r>
-              <a:rPr lang="en-GB" b="1" dirty="0"/>
-              <a:t>green coverage per area</a:t>
-            </a:r>
-            <a:r>
-              <a:rPr lang="en-GB" dirty="0"/>
-              <a:t> using OSM polygons (parks, forests, gardens).</a:t>
+              <a:rPr lang="en-GB" sz="2000" dirty="0" smtClean="0">
+                <a:latin typeface="Times New Roman" pitchFamily="18" charset="0"/>
+                <a:cs typeface="Times New Roman" pitchFamily="18" charset="0"/>
+              </a:rPr>
+              <a:t>	➝ berlin administrative boundaries taken from open street dynamically</a:t>
             </a:r>
           </a:p>
           <a:p>
             <a:pPr lvl="1"/>
             <a:r>
-              <a:rPr lang="en-GB" dirty="0"/>
-              <a:t>Visualized </a:t>
-            </a:r>
-            <a:r>
-              <a:rPr lang="en-GB" b="1" dirty="0"/>
-              <a:t>correlation between temperature and green coverage</a:t>
-            </a:r>
-            <a:r>
-              <a:rPr lang="en-GB" dirty="0"/>
-              <a:t>.</a:t>
+              <a:rPr lang="en-GB" sz="2000" dirty="0">
+                <a:latin typeface="Times New Roman" pitchFamily="18" charset="0"/>
+                <a:cs typeface="Times New Roman" pitchFamily="18" charset="0"/>
+              </a:rPr>
+              <a:t>	</a:t>
+            </a:r>
+            <a:r>
+              <a:rPr lang="en-GB" sz="2000" dirty="0" smtClean="0">
+                <a:latin typeface="Times New Roman" pitchFamily="18" charset="0"/>
+                <a:cs typeface="Times New Roman" pitchFamily="18" charset="0"/>
+              </a:rPr>
+              <a:t>via overpass API</a:t>
             </a:r>
           </a:p>
           <a:p>
             <a:pPr lvl="1"/>
             <a:r>
-              <a:rPr lang="en-GB" dirty="0"/>
-              <a:t>Identified </a:t>
-            </a:r>
-            <a:r>
-              <a:rPr lang="en-GB" b="1" dirty="0"/>
-              <a:t>hotspots with low greenery</a:t>
-            </a:r>
-            <a:r>
-              <a:rPr lang="en-GB" dirty="0"/>
-              <a:t>, which may need tree plantation.</a:t>
+              <a:rPr lang="en-GB" sz="2000" dirty="0">
+                <a:latin typeface="Times New Roman" pitchFamily="18" charset="0"/>
+                <a:cs typeface="Times New Roman" pitchFamily="18" charset="0"/>
+              </a:rPr>
+              <a:t>	</a:t>
+            </a:r>
+            <a:r>
+              <a:rPr lang="en-GB" sz="2000" dirty="0" smtClean="0">
+                <a:latin typeface="Times New Roman" pitchFamily="18" charset="0"/>
+                <a:cs typeface="Times New Roman" pitchFamily="18" charset="0"/>
+              </a:rPr>
+              <a:t>➝ Green </a:t>
+            </a:r>
+            <a:r>
+              <a:rPr lang="en-GB" sz="2000" dirty="0">
+                <a:latin typeface="Times New Roman" pitchFamily="18" charset="0"/>
+                <a:cs typeface="Times New Roman" pitchFamily="18" charset="0"/>
+              </a:rPr>
+              <a:t>area data from OSM using OSM </a:t>
+            </a:r>
+            <a:r>
+              <a:rPr lang="en-GB" sz="2000" dirty="0" smtClean="0">
+                <a:latin typeface="Times New Roman" pitchFamily="18" charset="0"/>
+                <a:cs typeface="Times New Roman" pitchFamily="18" charset="0"/>
+              </a:rPr>
+              <a:t>polygons:</a:t>
             </a:r>
           </a:p>
           <a:p>
-            <a:pPr marL="204534" marR="0" lvl="0" indent="-77534" algn="l" rtl="0">
-              <a:lnSpc>
-                <a:spcPct val="100000"/>
-              </a:lnSpc>
-              <a:spcBef>
-                <a:spcPts val="0"/>
-              </a:spcBef>
-              <a:spcAft>
-                <a:spcPts val="0"/>
-              </a:spcAft>
-              <a:buClr>
-                <a:srgbClr val="000000"/>
-              </a:buClr>
-              <a:buSzPts val="2000"/>
-              <a:buFont typeface="Helvetica Neue"/>
-              <a:buNone/>
-            </a:pPr>
-            <a:endParaRPr sz="2000" b="0" i="0" u="none" strike="noStrike" cap="none" dirty="0">
-              <a:solidFill>
-                <a:srgbClr val="000000"/>
-              </a:solidFill>
-              <a:latin typeface="Helvetica Neue"/>
-              <a:ea typeface="Helvetica Neue"/>
-              <a:cs typeface="Helvetica Neue"/>
-              <a:sym typeface="Helvetica Neue"/>
+            <a:pPr lvl="1"/>
+            <a:r>
+              <a:rPr lang="en-GB" sz="2000" dirty="0">
+                <a:latin typeface="Times New Roman" pitchFamily="18" charset="0"/>
+                <a:cs typeface="Times New Roman" pitchFamily="18" charset="0"/>
+              </a:rPr>
+              <a:t>	</a:t>
+            </a:r>
+            <a:r>
+              <a:rPr lang="en-GB" sz="2000" dirty="0" smtClean="0">
+                <a:latin typeface="Times New Roman" pitchFamily="18" charset="0"/>
+                <a:cs typeface="Times New Roman" pitchFamily="18" charset="0"/>
+              </a:rPr>
+              <a:t>	- parks  		- forests 		- gardens</a:t>
+            </a:r>
+            <a:endParaRPr lang="en-GB" sz="2000" dirty="0">
+              <a:latin typeface="Times New Roman" pitchFamily="18" charset="0"/>
+              <a:cs typeface="Times New Roman" pitchFamily="18" charset="0"/>
             </a:endParaRPr>
           </a:p>
           <a:p>
-            <a:r>
-              <a:rPr lang="en-GB" b="1" dirty="0"/>
-              <a:t>Prototype / Demonstrator</a:t>
-            </a:r>
-          </a:p>
-          <a:p>
-            <a:r>
-              <a:rPr lang="en-GB" b="1" dirty="0"/>
-              <a:t>Purpose:</a:t>
-            </a:r>
-            <a:r>
-              <a:rPr lang="en-GB" dirty="0"/>
-              <a:t> Turn EDA results into an </a:t>
-            </a:r>
-            <a:r>
-              <a:rPr lang="en-GB" b="1" dirty="0"/>
-              <a:t>interactive, visual tool</a:t>
-            </a:r>
-            <a:r>
-              <a:rPr lang="en-GB" dirty="0"/>
-              <a:t> for policymakers.</a:t>
-            </a:r>
-          </a:p>
-          <a:p>
-            <a:r>
-              <a:rPr lang="en-GB" b="1" dirty="0"/>
-              <a:t>Steps performed:</a:t>
-            </a:r>
-            <a:endParaRPr lang="en-GB" dirty="0"/>
+            <a:pPr lvl="1"/>
+            <a:r>
+              <a:rPr lang="en-GB" sz="2000" dirty="0">
+                <a:latin typeface="Times New Roman" pitchFamily="18" charset="0"/>
+                <a:cs typeface="Times New Roman" pitchFamily="18" charset="0"/>
+              </a:rPr>
+              <a:t>	</a:t>
+            </a:r>
+            <a:r>
+              <a:rPr lang="en-GB" sz="2000" dirty="0" smtClean="0">
+                <a:latin typeface="Times New Roman" pitchFamily="18" charset="0"/>
+                <a:cs typeface="Times New Roman" pitchFamily="18" charset="0"/>
+              </a:rPr>
+              <a:t>➝ Processed </a:t>
+            </a:r>
+            <a:r>
+              <a:rPr lang="en-GB" sz="2000" dirty="0">
+                <a:latin typeface="Times New Roman" pitchFamily="18" charset="0"/>
+                <a:cs typeface="Times New Roman" pitchFamily="18" charset="0"/>
+              </a:rPr>
+              <a:t>and cleaned both datasets (area </a:t>
+            </a:r>
+            <a:r>
+              <a:rPr lang="en-GB" sz="2000" dirty="0" smtClean="0">
+                <a:latin typeface="Times New Roman" pitchFamily="18" charset="0"/>
+                <a:cs typeface="Times New Roman" pitchFamily="18" charset="0"/>
+              </a:rPr>
+              <a:t>names, </a:t>
+            </a:r>
+            <a:r>
+              <a:rPr lang="en-GB" sz="2000" dirty="0">
+                <a:latin typeface="Times New Roman" pitchFamily="18" charset="0"/>
+                <a:cs typeface="Times New Roman" pitchFamily="18" charset="0"/>
+              </a:rPr>
+              <a:t>geometry fixes</a:t>
+            </a:r>
+            <a:r>
+              <a:rPr lang="en-GB" sz="2000" dirty="0" smtClean="0">
+                <a:latin typeface="Times New Roman" pitchFamily="18" charset="0"/>
+                <a:cs typeface="Times New Roman" pitchFamily="18" charset="0"/>
+              </a:rPr>
+              <a:t>).</a:t>
+            </a:r>
           </a:p>
           <a:p>
             <a:pPr lvl="1"/>
             <a:r>
-              <a:rPr lang="en-GB" dirty="0"/>
-              <a:t>Built a </a:t>
-            </a:r>
-            <a:r>
-              <a:rPr lang="en-GB" b="1" dirty="0"/>
-              <a:t>tree priority score</a:t>
-            </a:r>
-            <a:r>
-              <a:rPr lang="en-GB" dirty="0"/>
-              <a:t> combining </a:t>
-            </a:r>
-            <a:r>
-              <a:rPr lang="en-GB" b="1" dirty="0"/>
-              <a:t>temperature and green coverage</a:t>
-            </a:r>
-            <a:r>
-              <a:rPr lang="en-GB" dirty="0"/>
-              <a:t>.</a:t>
-            </a:r>
+              <a:rPr lang="en-GB" sz="2000" dirty="0" smtClean="0">
+                <a:latin typeface="Times New Roman" pitchFamily="18" charset="0"/>
+                <a:cs typeface="Times New Roman" pitchFamily="18" charset="0"/>
+              </a:rPr>
+              <a:t>	➝ Calculated </a:t>
+            </a:r>
+            <a:r>
+              <a:rPr lang="en-GB" sz="2000" dirty="0">
+                <a:latin typeface="Times New Roman" pitchFamily="18" charset="0"/>
+                <a:cs typeface="Times New Roman" pitchFamily="18" charset="0"/>
+              </a:rPr>
+              <a:t>green coverage for each Berlin area (ratio 0–1).</a:t>
+            </a:r>
+            <a:endParaRPr lang="en-GB" sz="2000" dirty="0">
+              <a:latin typeface="Times New Roman" pitchFamily="18" charset="0"/>
+              <a:cs typeface="Times New Roman" pitchFamily="18" charset="0"/>
+            </a:endParaRPr>
           </a:p>
           <a:p>
             <a:pPr lvl="1"/>
             <a:r>
-              <a:rPr lang="en-GB" dirty="0"/>
-              <a:t>Created </a:t>
-            </a:r>
-            <a:r>
-              <a:rPr lang="en-GB" b="1" dirty="0"/>
-              <a:t>an interactive map</a:t>
-            </a:r>
-            <a:r>
-              <a:rPr lang="en-GB" dirty="0"/>
-              <a:t> with Folium:</a:t>
-            </a:r>
-          </a:p>
-          <a:p>
-            <a:pPr lvl="2"/>
-            <a:r>
-              <a:rPr lang="en-GB" b="1" dirty="0"/>
-              <a:t>Red areas = high tree plantation priority</a:t>
-            </a:r>
-            <a:endParaRPr lang="en-GB" dirty="0"/>
-          </a:p>
-          <a:p>
-            <a:pPr lvl="2"/>
-            <a:r>
-              <a:rPr lang="en-GB" b="1" dirty="0"/>
-              <a:t>Green areas = low priority</a:t>
-            </a:r>
-            <a:endParaRPr lang="en-GB" dirty="0"/>
+              <a:rPr lang="en-GB" sz="2000" dirty="0">
+                <a:latin typeface="Times New Roman" pitchFamily="18" charset="0"/>
+                <a:cs typeface="Times New Roman" pitchFamily="18" charset="0"/>
+              </a:rPr>
+              <a:t>	</a:t>
+            </a:r>
+            <a:r>
+              <a:rPr lang="en-GB" sz="2000" dirty="0" smtClean="0">
+                <a:latin typeface="Times New Roman" pitchFamily="18" charset="0"/>
+                <a:cs typeface="Times New Roman" pitchFamily="18" charset="0"/>
+              </a:rPr>
+              <a:t>➝ </a:t>
+            </a:r>
+            <a:r>
+              <a:rPr lang="en-GB" sz="2000" dirty="0">
+                <a:latin typeface="Times New Roman" pitchFamily="18" charset="0"/>
+                <a:cs typeface="Times New Roman" pitchFamily="18" charset="0"/>
+              </a:rPr>
+              <a:t>Identified </a:t>
+            </a:r>
+            <a:r>
+              <a:rPr lang="en-GB" sz="2000" dirty="0">
+                <a:latin typeface="Times New Roman" pitchFamily="18" charset="0"/>
+                <a:cs typeface="Times New Roman" pitchFamily="18" charset="0"/>
+              </a:rPr>
+              <a:t>hotspots with low </a:t>
+            </a:r>
+            <a:r>
+              <a:rPr lang="en-GB" sz="2000" dirty="0" smtClean="0">
+                <a:latin typeface="Times New Roman" pitchFamily="18" charset="0"/>
+                <a:cs typeface="Times New Roman" pitchFamily="18" charset="0"/>
+              </a:rPr>
+              <a:t>greenery.</a:t>
+            </a:r>
           </a:p>
           <a:p>
             <a:pPr lvl="1"/>
             <a:r>
-              <a:rPr lang="en-GB" dirty="0"/>
-              <a:t>Map allows </a:t>
-            </a:r>
-            <a:r>
-              <a:rPr lang="en-GB" b="1" dirty="0"/>
-              <a:t>hovering for detailed stats</a:t>
-            </a:r>
-            <a:r>
-              <a:rPr lang="en-GB" dirty="0"/>
-              <a:t> (temperature, green coverage, priority score).</a:t>
+              <a:rPr lang="en-GB" sz="2000" dirty="0" smtClean="0">
+                <a:latin typeface="Times New Roman" pitchFamily="18" charset="0"/>
+                <a:cs typeface="Times New Roman" pitchFamily="18" charset="0"/>
+              </a:rPr>
+              <a:t>	➝ Merged </a:t>
+            </a:r>
+            <a:r>
+              <a:rPr lang="en-GB" sz="2000" dirty="0">
+                <a:latin typeface="Times New Roman" pitchFamily="18" charset="0"/>
+                <a:cs typeface="Times New Roman" pitchFamily="18" charset="0"/>
+              </a:rPr>
+              <a:t>green coverage with temperature values</a:t>
+            </a:r>
+            <a:r>
+              <a:rPr lang="en-GB" sz="2000" dirty="0" smtClean="0">
+                <a:latin typeface="Times New Roman" pitchFamily="18" charset="0"/>
+                <a:cs typeface="Times New Roman" pitchFamily="18" charset="0"/>
+              </a:rPr>
+              <a:t>.</a:t>
             </a:r>
           </a:p>
           <a:p>
-            <a:r>
-              <a:rPr lang="en-GB" b="1" dirty="0"/>
-              <a:t>Value:</a:t>
-            </a:r>
-            <a:r>
-              <a:rPr lang="en-GB" dirty="0"/>
-              <a:t> Provides a </a:t>
-            </a:r>
-            <a:r>
-              <a:rPr lang="en-GB" b="1" dirty="0"/>
-              <a:t>visual decision-making tool</a:t>
-            </a:r>
-            <a:r>
-              <a:rPr lang="en-GB" dirty="0"/>
-              <a:t>, not just static charts</a:t>
-            </a:r>
-            <a:r>
-              <a:rPr lang="en-GB" dirty="0" smtClean="0"/>
-              <a:t>.</a:t>
-            </a:r>
-          </a:p>
-          <a:p>
-            <a:r>
-              <a:rPr lang="en-GB" dirty="0" smtClean="0"/>
-              <a:t>Insert equation with </a:t>
-            </a:r>
-            <a:r>
-              <a:rPr lang="en-GB" dirty="0" err="1" smtClean="0"/>
-              <a:t>referenxe</a:t>
-            </a:r>
-            <a:endParaRPr lang="en-GB" dirty="0"/>
-          </a:p>
-          <a:p>
-            <a:pPr marL="204534" marR="0" lvl="0" indent="-77534" algn="l" rtl="0">
-              <a:lnSpc>
-                <a:spcPct val="100000"/>
-              </a:lnSpc>
-              <a:spcBef>
-                <a:spcPts val="0"/>
-              </a:spcBef>
-              <a:spcAft>
-                <a:spcPts val="0"/>
-              </a:spcAft>
-              <a:buClr>
-                <a:srgbClr val="000000"/>
-              </a:buClr>
-              <a:buSzPts val="2000"/>
-              <a:buFont typeface="Helvetica Neue"/>
-              <a:buNone/>
-            </a:pPr>
-            <a:endParaRPr sz="2000" b="0" i="0" u="none" strike="noStrike" cap="none" dirty="0">
-              <a:solidFill>
-                <a:srgbClr val="000000"/>
-              </a:solidFill>
-              <a:latin typeface="Helvetica Neue"/>
-              <a:ea typeface="Helvetica Neue"/>
-              <a:cs typeface="Helvetica Neue"/>
-              <a:sym typeface="Helvetica Neue"/>
-            </a:endParaRPr>
-          </a:p>
-          <a:p>
-            <a:pPr marL="204534" marR="0" lvl="0" indent="-204534" algn="l" rtl="0">
-              <a:lnSpc>
-                <a:spcPct val="100000"/>
-              </a:lnSpc>
-              <a:spcBef>
-                <a:spcPts val="0"/>
-              </a:spcBef>
-              <a:spcAft>
-                <a:spcPts val="0"/>
-              </a:spcAft>
-              <a:buClr>
-                <a:srgbClr val="000000"/>
-              </a:buClr>
-              <a:buSzPts val="2000"/>
-              <a:buFont typeface="Helvetica Neue"/>
-              <a:buChar char="•"/>
-            </a:pPr>
-            <a:r>
-              <a:rPr lang="en-US" sz="2000" b="0" i="0" u="none" strike="noStrike" cap="none" dirty="0">
-                <a:solidFill>
-                  <a:srgbClr val="FF0000"/>
-                </a:solidFill>
-                <a:latin typeface="Helvetica Neue"/>
-                <a:ea typeface="Helvetica Neue"/>
-                <a:cs typeface="Helvetica Neue"/>
-                <a:sym typeface="Helvetica Neue"/>
-              </a:rPr>
-              <a:t>ML </a:t>
-            </a:r>
-            <a:r>
-              <a:rPr lang="en-US" sz="2000" b="0" i="0" u="none" strike="noStrike" cap="none" dirty="0" err="1">
-                <a:solidFill>
-                  <a:srgbClr val="FF0000"/>
-                </a:solidFill>
-                <a:latin typeface="Helvetica Neue"/>
-                <a:ea typeface="Helvetica Neue"/>
-                <a:cs typeface="Helvetica Neue"/>
-                <a:sym typeface="Helvetica Neue"/>
-              </a:rPr>
-              <a:t>modelling</a:t>
-            </a:r>
-            <a:r>
-              <a:rPr lang="en-US" sz="2000" b="0" i="0" u="none" strike="noStrike" cap="none" dirty="0">
-                <a:solidFill>
-                  <a:srgbClr val="FF0000"/>
-                </a:solidFill>
-                <a:latin typeface="Helvetica Neue"/>
-                <a:ea typeface="Helvetica Neue"/>
-                <a:cs typeface="Helvetica Neue"/>
-                <a:sym typeface="Helvetica Neue"/>
-              </a:rPr>
-              <a:t>:</a:t>
-            </a:r>
-            <a:endParaRPr dirty="0">
-              <a:solidFill>
-                <a:srgbClr val="FF0000"/>
-              </a:solidFill>
-            </a:endParaRPr>
-          </a:p>
-          <a:p>
-            <a:pPr marL="463614" marR="0" lvl="1" indent="-204535" algn="l" rtl="0">
-              <a:lnSpc>
-                <a:spcPct val="100000"/>
-              </a:lnSpc>
-              <a:spcBef>
-                <a:spcPts val="0"/>
-              </a:spcBef>
-              <a:spcAft>
-                <a:spcPts val="0"/>
-              </a:spcAft>
-              <a:buClr>
-                <a:srgbClr val="000000"/>
-              </a:buClr>
-              <a:buSzPts val="2000"/>
-              <a:buFont typeface="Helvetica Neue"/>
-              <a:buChar char="•"/>
-            </a:pPr>
-            <a:r>
-              <a:rPr lang="en-US" sz="2000" b="0" i="0" u="none" strike="noStrike" cap="none" dirty="0">
-                <a:solidFill>
-                  <a:srgbClr val="FF0000"/>
-                </a:solidFill>
-                <a:latin typeface="Helvetica Neue"/>
-                <a:ea typeface="Helvetica Neue"/>
-                <a:cs typeface="Helvetica Neue"/>
-                <a:sym typeface="Helvetica Neue"/>
-              </a:rPr>
-              <a:t>Focus on </a:t>
-            </a:r>
-            <a:r>
-              <a:rPr lang="en-US" sz="2000" b="0" i="0" u="none" strike="noStrike" cap="none" dirty="0" err="1">
-                <a:solidFill>
-                  <a:srgbClr val="FF0000"/>
-                </a:solidFill>
-                <a:latin typeface="Helvetica Neue"/>
-                <a:ea typeface="Helvetica Neue"/>
-                <a:cs typeface="Helvetica Neue"/>
-                <a:sym typeface="Helvetica Neue"/>
-              </a:rPr>
-              <a:t>modelling</a:t>
-            </a:r>
-            <a:r>
-              <a:rPr lang="en-US" sz="2000" b="0" i="0" u="none" strike="noStrike" cap="none" dirty="0">
-                <a:solidFill>
-                  <a:srgbClr val="FF0000"/>
-                </a:solidFill>
-                <a:latin typeface="Helvetica Neue"/>
-                <a:ea typeface="Helvetica Neue"/>
-                <a:cs typeface="Helvetica Neue"/>
-                <a:sym typeface="Helvetica Neue"/>
-              </a:rPr>
-              <a:t> rather than pure EDA to address problem </a:t>
-            </a:r>
-            <a:endParaRPr dirty="0">
-              <a:solidFill>
-                <a:srgbClr val="FF0000"/>
-              </a:solidFill>
-            </a:endParaRPr>
-          </a:p>
-          <a:p>
-            <a:pPr marL="463614" marR="0" lvl="1" indent="-204535" algn="l" rtl="0">
-              <a:lnSpc>
-                <a:spcPct val="100000"/>
-              </a:lnSpc>
-              <a:spcBef>
-                <a:spcPts val="0"/>
-              </a:spcBef>
-              <a:spcAft>
-                <a:spcPts val="0"/>
-              </a:spcAft>
-              <a:buClr>
-                <a:srgbClr val="000000"/>
-              </a:buClr>
-              <a:buSzPts val="2000"/>
-              <a:buFont typeface="Helvetica Neue"/>
-              <a:buChar char="•"/>
-            </a:pPr>
-            <a:r>
-              <a:rPr lang="en-US" sz="2000" b="0" i="0" u="none" strike="noStrike" cap="none" dirty="0">
-                <a:solidFill>
-                  <a:srgbClr val="FF0000"/>
-                </a:solidFill>
-                <a:latin typeface="Helvetica Neue"/>
-                <a:ea typeface="Helvetica Neue"/>
-                <a:cs typeface="Helvetica Neue"/>
-                <a:sym typeface="Helvetica Neue"/>
-              </a:rPr>
-              <a:t>Can be part of a demonstrator</a:t>
-            </a:r>
-            <a:endParaRPr dirty="0">
-              <a:solidFill>
-                <a:srgbClr val="FF0000"/>
-              </a:solidFill>
+            <a:pPr lvl="1"/>
+            <a:r>
+              <a:rPr lang="en-US" sz="2000" dirty="0" smtClean="0">
+                <a:latin typeface="Times New Roman" pitchFamily="18" charset="0"/>
+                <a:cs typeface="Times New Roman" pitchFamily="18" charset="0"/>
+              </a:rPr>
+              <a:t>	</a:t>
+            </a:r>
+            <a:r>
+              <a:rPr lang="en-GB" sz="2000" dirty="0" smtClean="0">
+                <a:latin typeface="Times New Roman" pitchFamily="18" charset="0"/>
+                <a:cs typeface="Times New Roman" pitchFamily="18" charset="0"/>
+              </a:rPr>
+              <a:t>➝ </a:t>
+            </a:r>
+            <a:r>
+              <a:rPr lang="en-US" sz="2000" dirty="0" smtClean="0">
+                <a:latin typeface="Times New Roman" pitchFamily="18" charset="0"/>
+                <a:cs typeface="Times New Roman" pitchFamily="18" charset="0"/>
+              </a:rPr>
+              <a:t>Computed </a:t>
+            </a:r>
+            <a:r>
+              <a:rPr lang="en-US" sz="2000" dirty="0">
+                <a:latin typeface="Times New Roman" pitchFamily="18" charset="0"/>
+                <a:cs typeface="Times New Roman" pitchFamily="18" charset="0"/>
+              </a:rPr>
+              <a:t>statistical relationships and Created exploratory </a:t>
+            </a:r>
+            <a:r>
+              <a:rPr lang="en-US" sz="2000" dirty="0" smtClean="0">
+                <a:latin typeface="Times New Roman" pitchFamily="18" charset="0"/>
+                <a:cs typeface="Times New Roman" pitchFamily="18" charset="0"/>
+              </a:rPr>
+              <a:t>plots</a:t>
+            </a:r>
+            <a:endParaRPr lang="en-GB" sz="2000" dirty="0">
+              <a:latin typeface="Times New Roman" pitchFamily="18" charset="0"/>
+              <a:cs typeface="Times New Roman" pitchFamily="18" charset="0"/>
             </a:endParaRPr>
           </a:p>
         </p:txBody>
@@ -26224,16 +26502,898 @@
         <p:fade/>
       </p:transition>
     </mc:Choice>
-    <mc:Fallback xmlns="" xmlns:mv="urn:schemas-microsoft-com:mac:vml" xmlns:c="http://schemas.openxmlformats.org/drawingml/2006/chart" xmlns:dgm="http://schemas.openxmlformats.org/drawingml/2006/diagram" xmlns:o="urn:schemas-microsoft-com:office:office" xmlns:v="urn:schemas-microsoft-com:vml" xmlns:pvml="urn:schemas-microsoft-com:office:powerpoint" xmlns:com="http://schemas.openxmlformats.org/drawingml/2006/compatibility" xmlns:p15="http://schemas.microsoft.com/office/powerpoint/2012/main" xmlns:ahyp="http://schemas.microsoft.com/office/drawing/2018/hyperlinkcolor">
+    <mc:Fallback xmlns:ahyp="http://schemas.microsoft.com/office/drawing/2018/hyperlinkcolor" xmlns:p15="http://schemas.microsoft.com/office/powerpoint/2012/main" xmlns:com="http://schemas.openxmlformats.org/drawingml/2006/compatibility" xmlns:pvml="urn:schemas-microsoft-com:office:powerpoint" xmlns:v="urn:schemas-microsoft-com:vml" xmlns:o="urn:schemas-microsoft-com:office:office" xmlns:dgm="http://schemas.openxmlformats.org/drawingml/2006/diagram" xmlns:c="http://schemas.openxmlformats.org/drawingml/2006/chart" xmlns:mv="urn:schemas-microsoft-com:mac:vml" xmlns="">
       <p:transition spd="slow">
         <p:fade/>
       </p:transition>
     </mc:Fallback>
   </mc:AlternateContent>
+  <p:timing>
+    <p:tnLst>
+      <p:par>
+        <p:cTn id="1" dur="indefinite" restart="never" nodeType="tmRoot"/>
+      </p:par>
+    </p:tnLst>
+  </p:timing>
 </p:sld>
 </file>
 
 <file path=ppt/slides/slide7.xml><?xml version="1.0" encoding="utf-8"?>
+<p:sld xmlns:a="http://schemas.openxmlformats.org/drawingml/2006/main" xmlns:r="http://schemas.openxmlformats.org/officeDocument/2006/relationships" xmlns:p="http://schemas.openxmlformats.org/presentationml/2006/main">
+  <p:cSld>
+    <p:spTree>
+      <p:nvGrpSpPr>
+        <p:cNvPr id="1" name="Shape 195"/>
+        <p:cNvGrpSpPr/>
+        <p:nvPr/>
+      </p:nvGrpSpPr>
+      <p:grpSpPr>
+        <a:xfrm>
+          <a:off x="0" y="0"/>
+          <a:ext cx="0" cy="0"/>
+          <a:chOff x="0" y="0"/>
+          <a:chExt cx="0" cy="0"/>
+        </a:xfrm>
+      </p:grpSpPr>
+      <p:sp>
+        <p:nvSpPr>
+          <p:cNvPr id="196" name="Google Shape;196;p23"/>
+          <p:cNvSpPr txBox="1">
+            <a:spLocks noGrp="1"/>
+          </p:cNvSpPr>
+          <p:nvPr>
+            <p:ph type="title"/>
+          </p:nvPr>
+        </p:nvSpPr>
+        <p:spPr>
+          <a:xfrm>
+            <a:off x="284838" y="304800"/>
+            <a:ext cx="8574324" cy="369334"/>
+          </a:xfrm>
+          <a:prstGeom prst="rect">
+            <a:avLst/>
+          </a:prstGeom>
+          <a:noFill/>
+          <a:ln>
+            <a:noFill/>
+          </a:ln>
+        </p:spPr>
+        <p:txBody>
+          <a:bodyPr spcFirstLastPara="1" wrap="square" lIns="0" tIns="0" rIns="0" bIns="0" anchor="t" anchorCtr="0">
+            <a:noAutofit/>
+          </a:bodyPr>
+          <a:lstStyle/>
+          <a:p>
+            <a:pPr marL="0" lvl="0" indent="0" algn="l" rtl="0">
+              <a:lnSpc>
+                <a:spcPct val="100000"/>
+              </a:lnSpc>
+              <a:spcBef>
+                <a:spcPts val="0"/>
+              </a:spcBef>
+              <a:spcAft>
+                <a:spcPts val="0"/>
+              </a:spcAft>
+              <a:buClr>
+                <a:srgbClr val="000000"/>
+              </a:buClr>
+              <a:buSzPts val="2400"/>
+              <a:buFont typeface="Helvetica Neue"/>
+              <a:buNone/>
+            </a:pPr>
+            <a:r>
+              <a:rPr lang="en-US" sz="2500" b="1" dirty="0">
+                <a:sym typeface="Helvetica Neue"/>
+              </a:rPr>
+              <a:t>Methods</a:t>
+            </a:r>
+            <a:endParaRPr sz="2500" dirty="0"/>
+          </a:p>
+        </p:txBody>
+      </p:sp>
+      <p:sp>
+        <p:nvSpPr>
+          <p:cNvPr id="197" name="Google Shape;197;p23"/>
+          <p:cNvSpPr txBox="1">
+            <a:spLocks noGrp="1"/>
+          </p:cNvSpPr>
+          <p:nvPr>
+            <p:ph type="sldNum" idx="4294967295"/>
+          </p:nvPr>
+        </p:nvSpPr>
+        <p:spPr>
+          <a:xfrm>
+            <a:off x="8719821" y="6301572"/>
+            <a:ext cx="127001" cy="127001"/>
+          </a:xfrm>
+          <a:prstGeom prst="rect">
+            <a:avLst/>
+          </a:prstGeom>
+          <a:noFill/>
+          <a:ln>
+            <a:noFill/>
+          </a:ln>
+        </p:spPr>
+        <p:txBody>
+          <a:bodyPr spcFirstLastPara="1" wrap="square" lIns="0" tIns="0" rIns="0" bIns="0" anchor="ctr" anchorCtr="0">
+            <a:spAutoFit/>
+          </a:bodyPr>
+          <a:lstStyle/>
+          <a:p>
+            <a:pPr marL="0" marR="0" lvl="0" indent="0" algn="r" rtl="0">
+              <a:lnSpc>
+                <a:spcPct val="100000"/>
+              </a:lnSpc>
+              <a:spcBef>
+                <a:spcPts val="0"/>
+              </a:spcBef>
+              <a:spcAft>
+                <a:spcPts val="0"/>
+              </a:spcAft>
+              <a:buClr>
+                <a:srgbClr val="000000"/>
+              </a:buClr>
+              <a:buSzPts val="800"/>
+              <a:buFont typeface="Helvetica Neue"/>
+              <a:buNone/>
+            </a:pPr>
+            <a:fld id="{00000000-1234-1234-1234-123412341234}" type="slidenum">
+              <a:rPr lang="en-US" sz="800" b="1"/>
+              <a:t>7</a:t>
+            </a:fld>
+            <a:endParaRPr/>
+          </a:p>
+        </p:txBody>
+      </p:sp>
+      <mc:AlternateContent xmlns:mc="http://schemas.openxmlformats.org/markup-compatibility/2006">
+        <mc:Choice xmlns:a14="http://schemas.microsoft.com/office/drawing/2010/main" Requires="a14">
+          <p:sp>
+            <p:nvSpPr>
+              <p:cNvPr id="198" name="Google Shape;198;p23"/>
+              <p:cNvSpPr txBox="1"/>
+              <p:nvPr/>
+            </p:nvSpPr>
+            <p:spPr>
+              <a:xfrm>
+                <a:off x="281209" y="762000"/>
+                <a:ext cx="8706762" cy="5638799"/>
+              </a:xfrm>
+              <a:prstGeom prst="rect">
+                <a:avLst/>
+              </a:prstGeom>
+              <a:noFill/>
+              <a:ln>
+                <a:noFill/>
+              </a:ln>
+            </p:spPr>
+            <p:txBody>
+              <a:bodyPr spcFirstLastPara="1" wrap="square" lIns="0" tIns="0" rIns="0" bIns="0" anchor="t" anchorCtr="0">
+                <a:noAutofit/>
+              </a:bodyPr>
+              <a:lstStyle/>
+              <a:p>
+                <a:pPr marL="342900" indent="-342900">
+                  <a:buFont typeface="Arial" pitchFamily="34" charset="0"/>
+                  <a:buChar char="•"/>
+                </a:pPr>
+                <a:r>
+                  <a:rPr lang="en-GB" sz="2000" b="1" dirty="0" smtClean="0">
+                    <a:latin typeface="Times New Roman" pitchFamily="18" charset="0"/>
+                    <a:cs typeface="Times New Roman" pitchFamily="18" charset="0"/>
+                  </a:rPr>
+                  <a:t>Demonstrator :</a:t>
+                </a:r>
+                <a:endParaRPr lang="en-GB" sz="2000" b="1" dirty="0">
+                  <a:latin typeface="Times New Roman" pitchFamily="18" charset="0"/>
+                  <a:cs typeface="Times New Roman" pitchFamily="18" charset="0"/>
+                </a:endParaRPr>
+              </a:p>
+              <a:p>
+                <a:pPr lvl="1"/>
+                <a:r>
+                  <a:rPr lang="en-GB" sz="2000" dirty="0" smtClean="0">
+                    <a:latin typeface="Times New Roman" pitchFamily="18" charset="0"/>
+                    <a:cs typeface="Times New Roman" pitchFamily="18" charset="0"/>
+                  </a:rPr>
+                  <a:t>	➝ </a:t>
+                </a:r>
+                <a:r>
+                  <a:rPr lang="en-GB" sz="2000" dirty="0">
+                    <a:latin typeface="Times New Roman" pitchFamily="18" charset="0"/>
+                    <a:cs typeface="Times New Roman" pitchFamily="18" charset="0"/>
+                  </a:rPr>
+                  <a:t>Built </a:t>
+                </a:r>
+                <a:r>
+                  <a:rPr lang="en-GB" sz="2000" dirty="0">
+                    <a:latin typeface="Times New Roman" pitchFamily="18" charset="0"/>
+                    <a:cs typeface="Times New Roman" pitchFamily="18" charset="0"/>
+                  </a:rPr>
+                  <a:t>a tree priority score combining temperature and green coverage</a:t>
+                </a:r>
+                <a:r>
+                  <a:rPr lang="en-GB" sz="2000" dirty="0" smtClean="0">
+                    <a:latin typeface="Times New Roman" pitchFamily="18" charset="0"/>
+                    <a:cs typeface="Times New Roman" pitchFamily="18" charset="0"/>
+                  </a:rPr>
+                  <a:t>.</a:t>
+                </a:r>
+                <a:endParaRPr lang="en-GB" sz="2000" dirty="0">
+                  <a:latin typeface="Times New Roman" pitchFamily="18" charset="0"/>
+                  <a:cs typeface="Times New Roman" pitchFamily="18" charset="0"/>
+                </a:endParaRPr>
+              </a:p>
+              <a:p>
+                <a:pPr lvl="1"/>
+                <a:r>
+                  <a:rPr lang="en-GB" sz="2000" dirty="0" smtClean="0">
+                    <a:latin typeface="Times New Roman" pitchFamily="18" charset="0"/>
+                    <a:cs typeface="Times New Roman" pitchFamily="18" charset="0"/>
+                  </a:rPr>
+                  <a:t>		</a:t>
+                </a:r>
+                <a14:m>
+                  <m:oMath xmlns:m="http://schemas.openxmlformats.org/officeDocument/2006/math">
+                    <m:r>
+                      <m:rPr>
+                        <m:sty m:val="p"/>
+                      </m:rPr>
+                      <a:rPr lang="en-US" sz="2500">
+                        <a:latin typeface="Cambria Math"/>
+                        <a:cs typeface="Times New Roman" pitchFamily="18" charset="0"/>
+                      </a:rPr>
+                      <m:t>T</m:t>
+                    </m:r>
+                    <m:r>
+                      <m:rPr>
+                        <m:sty m:val="p"/>
+                      </m:rPr>
+                      <a:rPr lang="en-US" sz="2500" b="0" i="0" smtClean="0">
+                        <a:latin typeface="Cambria Math"/>
+                        <a:cs typeface="Times New Roman" pitchFamily="18" charset="0"/>
+                      </a:rPr>
+                      <m:t>PP</m:t>
+                    </m:r>
+                    <m:r>
+                      <a:rPr lang="en-US" sz="2500" b="0" i="1" smtClean="0">
+                        <a:latin typeface="Cambria Math"/>
+                        <a:cs typeface="Times New Roman" pitchFamily="18" charset="0"/>
+                      </a:rPr>
+                      <m:t>𝐼</m:t>
+                    </m:r>
+                    <m:r>
+                      <a:rPr lang="en-US" sz="2500" b="0" i="1" baseline="-25000" smtClean="0">
+                        <a:latin typeface="Cambria Math"/>
+                        <a:cs typeface="Times New Roman" pitchFamily="18" charset="0"/>
+                      </a:rPr>
+                      <m:t>𝑖</m:t>
+                    </m:r>
+                    <m:r>
+                      <a:rPr lang="en-US" sz="2500" b="0" i="1" smtClean="0">
+                        <a:latin typeface="Cambria Math"/>
+                        <a:cs typeface="Times New Roman" pitchFamily="18" charset="0"/>
+                      </a:rPr>
+                      <m:t>=</m:t>
+                    </m:r>
+                    <m:sSub>
+                      <m:sSubPr>
+                        <m:ctrlPr>
+                          <a:rPr lang="en-GB" sz="2500" i="1" smtClean="0">
+                            <a:latin typeface="Cambria Math"/>
+                            <a:cs typeface="Times New Roman" pitchFamily="18" charset="0"/>
+                          </a:rPr>
+                        </m:ctrlPr>
+                      </m:sSubPr>
+                      <m:e>
+                        <m:d>
+                          <m:dPr>
+                            <m:ctrlPr>
+                              <a:rPr lang="en-GB" sz="2500" i="1" smtClean="0">
+                                <a:latin typeface="Cambria Math"/>
+                                <a:cs typeface="Times New Roman" pitchFamily="18" charset="0"/>
+                              </a:rPr>
+                            </m:ctrlPr>
+                          </m:dPr>
+                          <m:e>
+                            <m:f>
+                              <m:fPr>
+                                <m:ctrlPr>
+                                  <a:rPr lang="en-GB" sz="2500" i="1" smtClean="0">
+                                    <a:latin typeface="Cambria Math"/>
+                                    <a:cs typeface="Times New Roman" pitchFamily="18" charset="0"/>
+                                  </a:rPr>
+                                </m:ctrlPr>
+                              </m:fPr>
+                              <m:num>
+                                <m:r>
+                                  <a:rPr lang="en-US" sz="2500" b="0" i="1" smtClean="0">
+                                    <a:latin typeface="Cambria Math"/>
+                                    <a:cs typeface="Times New Roman" pitchFamily="18" charset="0"/>
+                                  </a:rPr>
+                                  <m:t>𝑇</m:t>
+                                </m:r>
+                                <m:r>
+                                  <a:rPr lang="en-US" sz="2500" b="0" i="1" baseline="-25000" smtClean="0">
+                                    <a:latin typeface="Cambria Math"/>
+                                    <a:cs typeface="Times New Roman" pitchFamily="18" charset="0"/>
+                                  </a:rPr>
+                                  <m:t>𝑖</m:t>
+                                </m:r>
+                                <m:r>
+                                  <a:rPr lang="en-US" sz="2500" b="0" i="1" smtClean="0">
+                                    <a:latin typeface="Cambria Math"/>
+                                    <a:cs typeface="Times New Roman" pitchFamily="18" charset="0"/>
+                                  </a:rPr>
+                                  <m:t>−</m:t>
+                                </m:r>
+                                <m:r>
+                                  <a:rPr lang="en-US" sz="2500" b="0" i="1" smtClean="0">
+                                    <a:latin typeface="Cambria Math"/>
+                                    <a:cs typeface="Times New Roman" pitchFamily="18" charset="0"/>
+                                  </a:rPr>
+                                  <m:t>𝑇𝑚</m:t>
+                                </m:r>
+                                <m:r>
+                                  <a:rPr lang="en-US" sz="2500" b="0" i="1" baseline="-25000" smtClean="0">
+                                    <a:latin typeface="Cambria Math"/>
+                                    <a:cs typeface="Times New Roman" pitchFamily="18" charset="0"/>
+                                  </a:rPr>
+                                  <m:t>𝑒𝑑𝑖𝑎𝑛</m:t>
+                                </m:r>
+                              </m:num>
+                              <m:den>
+                                <m:r>
+                                  <a:rPr lang="en-US" sz="2500" b="0" i="1" smtClean="0">
+                                    <a:latin typeface="Cambria Math"/>
+                                    <a:cs typeface="Times New Roman" pitchFamily="18" charset="0"/>
+                                  </a:rPr>
+                                  <m:t>𝑇</m:t>
+                                </m:r>
+                                <m:r>
+                                  <a:rPr lang="en-US" sz="2500" b="0" i="1" baseline="-25000" smtClean="0">
+                                    <a:latin typeface="Cambria Math"/>
+                                    <a:cs typeface="Times New Roman" pitchFamily="18" charset="0"/>
+                                  </a:rPr>
+                                  <m:t>𝑚𝑎𝑥</m:t>
+                                </m:r>
+                                <m:r>
+                                  <a:rPr lang="en-US" sz="2500" b="0" i="1" smtClean="0">
+                                    <a:latin typeface="Cambria Math"/>
+                                    <a:cs typeface="Times New Roman" pitchFamily="18" charset="0"/>
+                                  </a:rPr>
+                                  <m:t>−</m:t>
+                                </m:r>
+                                <m:r>
+                                  <a:rPr lang="en-US" sz="2500" b="0" i="1" smtClean="0">
+                                    <a:latin typeface="Cambria Math"/>
+                                    <a:cs typeface="Times New Roman" pitchFamily="18" charset="0"/>
+                                  </a:rPr>
+                                  <m:t>𝑇𝑚</m:t>
+                                </m:r>
+                                <m:r>
+                                  <a:rPr lang="en-US" sz="2500" b="0" i="1" baseline="-25000" smtClean="0">
+                                    <a:latin typeface="Cambria Math"/>
+                                    <a:cs typeface="Times New Roman" pitchFamily="18" charset="0"/>
+                                  </a:rPr>
+                                  <m:t>𝑒𝑎𝑑𝑖𝑎𝑛</m:t>
+                                </m:r>
+                              </m:den>
+                            </m:f>
+                          </m:e>
+                        </m:d>
+                      </m:e>
+                      <m:sub>
+                        <m:r>
+                          <a:rPr lang="en-GB" sz="2500" i="1" smtClean="0">
+                            <a:latin typeface="Cambria Math"/>
+                            <a:ea typeface="Cambria Math"/>
+                            <a:cs typeface="Times New Roman" pitchFamily="18" charset="0"/>
+                          </a:rPr>
+                          <m:t>+</m:t>
+                        </m:r>
+                      </m:sub>
+                    </m:sSub>
+                    <m:r>
+                      <a:rPr lang="en-GB" sz="2500" i="1" smtClean="0">
+                        <a:latin typeface="Cambria Math"/>
+                        <a:ea typeface="Cambria Math"/>
+                        <a:cs typeface="Times New Roman" pitchFamily="18" charset="0"/>
+                      </a:rPr>
+                      <m:t>×</m:t>
+                    </m:r>
+                    <m:d>
+                      <m:dPr>
+                        <m:ctrlPr>
+                          <a:rPr lang="en-GB" sz="2500" i="1" smtClean="0">
+                            <a:latin typeface="Cambria Math"/>
+                            <a:ea typeface="Cambria Math"/>
+                            <a:cs typeface="Times New Roman" pitchFamily="18" charset="0"/>
+                          </a:rPr>
+                        </m:ctrlPr>
+                      </m:dPr>
+                      <m:e>
+                        <m:r>
+                          <a:rPr lang="en-US" sz="2500" i="1">
+                            <a:latin typeface="Cambria Math"/>
+                            <a:ea typeface="Cambria Math"/>
+                            <a:cs typeface="Times New Roman" pitchFamily="18" charset="0"/>
+                          </a:rPr>
+                          <m:t>1−</m:t>
+                        </m:r>
+                        <m:r>
+                          <a:rPr lang="en-US" sz="2500" i="1">
+                            <a:latin typeface="Cambria Math"/>
+                            <a:ea typeface="Cambria Math"/>
+                            <a:cs typeface="Times New Roman" pitchFamily="18" charset="0"/>
+                          </a:rPr>
+                          <m:t>𝐺𝑖</m:t>
+                        </m:r>
+                      </m:e>
+                    </m:d>
+                  </m:oMath>
+                </a14:m>
+                <a:endParaRPr lang="en-GB" sz="2500" dirty="0" smtClean="0">
+                  <a:latin typeface="Times New Roman" pitchFamily="18" charset="0"/>
+                  <a:cs typeface="Times New Roman" pitchFamily="18" charset="0"/>
+                </a:endParaRPr>
+              </a:p>
+              <a:p>
+                <a:r>
+                  <a:rPr lang="en-US" sz="2000" dirty="0" smtClean="0">
+                    <a:latin typeface="Times New Roman" pitchFamily="18" charset="0"/>
+                    <a:cs typeface="Times New Roman" pitchFamily="18" charset="0"/>
+                  </a:rPr>
+                  <a:t>		Where:</a:t>
+                </a:r>
+              </a:p>
+              <a:p>
+                <a:r>
+                  <a:rPr lang="en-US" sz="2000" dirty="0" smtClean="0">
+                    <a:latin typeface="Times New Roman" pitchFamily="18" charset="0"/>
+                    <a:cs typeface="Times New Roman" pitchFamily="18" charset="0"/>
+                  </a:rPr>
+                  <a:t>			T</a:t>
+                </a:r>
+                <a:r>
+                  <a:rPr lang="en-US" sz="2000" baseline="-25000" dirty="0" smtClean="0">
+                    <a:latin typeface="Times New Roman" pitchFamily="18" charset="0"/>
+                    <a:cs typeface="Times New Roman" pitchFamily="18" charset="0"/>
+                  </a:rPr>
+                  <a:t>i</a:t>
+                </a:r>
+                <a:r>
+                  <a:rPr lang="en-US" sz="2000" dirty="0">
+                    <a:latin typeface="Times New Roman" pitchFamily="18" charset="0"/>
+                    <a:cs typeface="Times New Roman" pitchFamily="18" charset="0"/>
+                  </a:rPr>
+                  <a:t>​ = average temperature of area </a:t>
+                </a:r>
+                <a:r>
+                  <a:rPr lang="en-US" sz="2000" i="1" dirty="0" smtClean="0">
+                    <a:latin typeface="Times New Roman" pitchFamily="18" charset="0"/>
+                    <a:cs typeface="Times New Roman" pitchFamily="18" charset="0"/>
+                  </a:rPr>
+                  <a:t>I</a:t>
+                </a:r>
+              </a:p>
+              <a:p>
+                <a:r>
+                  <a:rPr lang="en-GB" sz="2000" dirty="0" smtClean="0">
+                    <a:latin typeface="Times New Roman" pitchFamily="18" charset="0"/>
+                    <a:cs typeface="Times New Roman" pitchFamily="18" charset="0"/>
+                  </a:rPr>
+                  <a:t>			</a:t>
+                </a:r>
+                <a:r>
+                  <a:rPr lang="en-GB" sz="2000" dirty="0" err="1" smtClean="0">
+                    <a:latin typeface="Times New Roman" pitchFamily="18" charset="0"/>
+                    <a:cs typeface="Times New Roman" pitchFamily="18" charset="0"/>
+                  </a:rPr>
+                  <a:t>T</a:t>
+                </a:r>
+                <a:r>
+                  <a:rPr lang="en-GB" sz="2000" baseline="-25000" dirty="0" err="1" smtClean="0">
+                    <a:latin typeface="Times New Roman" pitchFamily="18" charset="0"/>
+                    <a:cs typeface="Times New Roman" pitchFamily="18" charset="0"/>
+                  </a:rPr>
+                  <a:t>median</a:t>
+                </a:r>
+                <a:r>
+                  <a:rPr lang="en-GB" sz="2000" baseline="-25000" dirty="0">
+                    <a:latin typeface="Times New Roman" pitchFamily="18" charset="0"/>
+                    <a:cs typeface="Times New Roman" pitchFamily="18" charset="0"/>
+                  </a:rPr>
+                  <a:t>​ </a:t>
+                </a:r>
+                <a:r>
+                  <a:rPr lang="en-GB" sz="2000" dirty="0">
+                    <a:latin typeface="Times New Roman" pitchFamily="18" charset="0"/>
+                    <a:cs typeface="Times New Roman" pitchFamily="18" charset="0"/>
+                  </a:rPr>
+                  <a:t>= median temperature across all Berlin </a:t>
+                </a:r>
+                <a:r>
+                  <a:rPr lang="en-GB" sz="2000" dirty="0" smtClean="0">
+                    <a:latin typeface="Times New Roman" pitchFamily="18" charset="0"/>
+                    <a:cs typeface="Times New Roman" pitchFamily="18" charset="0"/>
+                  </a:rPr>
+                  <a:t>areas</a:t>
+                </a:r>
+              </a:p>
+              <a:p>
+                <a:r>
+                  <a:rPr lang="en-GB" sz="2000" dirty="0" smtClean="0">
+                    <a:latin typeface="Times New Roman" pitchFamily="18" charset="0"/>
+                    <a:cs typeface="Times New Roman" pitchFamily="18" charset="0"/>
+                  </a:rPr>
+                  <a:t>			</a:t>
+                </a:r>
+                <a:r>
+                  <a:rPr lang="en-GB" sz="2000" dirty="0" err="1" smtClean="0">
+                    <a:latin typeface="Times New Roman" pitchFamily="18" charset="0"/>
+                    <a:cs typeface="Times New Roman" pitchFamily="18" charset="0"/>
+                  </a:rPr>
+                  <a:t>T</a:t>
+                </a:r>
+                <a:r>
+                  <a:rPr lang="en-GB" sz="2000" baseline="-25000" dirty="0" err="1" smtClean="0">
+                    <a:latin typeface="Times New Roman" pitchFamily="18" charset="0"/>
+                    <a:cs typeface="Times New Roman" pitchFamily="18" charset="0"/>
+                  </a:rPr>
+                  <a:t>max</a:t>
+                </a:r>
+                <a:r>
+                  <a:rPr lang="en-GB" sz="2000" dirty="0">
+                    <a:latin typeface="Times New Roman" pitchFamily="18" charset="0"/>
+                    <a:cs typeface="Times New Roman" pitchFamily="18" charset="0"/>
+                  </a:rPr>
+                  <a:t>​ = maximum temperature in the </a:t>
+                </a:r>
+                <a:r>
+                  <a:rPr lang="en-GB" sz="2000" dirty="0" smtClean="0">
+                    <a:latin typeface="Times New Roman" pitchFamily="18" charset="0"/>
+                    <a:cs typeface="Times New Roman" pitchFamily="18" charset="0"/>
+                  </a:rPr>
+                  <a:t>city</a:t>
+                </a:r>
+              </a:p>
+              <a:p>
+                <a:r>
+                  <a:rPr lang="en-GB" sz="2000" dirty="0" smtClean="0">
+                    <a:latin typeface="Times New Roman" pitchFamily="18" charset="0"/>
+                    <a:cs typeface="Times New Roman" pitchFamily="18" charset="0"/>
+                  </a:rPr>
+                  <a:t>			</a:t>
+                </a:r>
+                <a:r>
+                  <a:rPr lang="en-GB" sz="2000" dirty="0" err="1" smtClean="0">
+                    <a:latin typeface="Times New Roman" pitchFamily="18" charset="0"/>
+                    <a:cs typeface="Times New Roman" pitchFamily="18" charset="0"/>
+                  </a:rPr>
+                  <a:t>G</a:t>
+                </a:r>
+                <a:r>
+                  <a:rPr lang="en-GB" sz="2000" baseline="-25000" dirty="0" err="1" smtClean="0">
+                    <a:latin typeface="Times New Roman" pitchFamily="18" charset="0"/>
+                    <a:cs typeface="Times New Roman" pitchFamily="18" charset="0"/>
+                  </a:rPr>
+                  <a:t>i</a:t>
+                </a:r>
+                <a:r>
+                  <a:rPr lang="en-GB" sz="2000" dirty="0">
+                    <a:latin typeface="Times New Roman" pitchFamily="18" charset="0"/>
+                    <a:cs typeface="Times New Roman" pitchFamily="18" charset="0"/>
+                  </a:rPr>
+                  <a:t>​ = green-area fraction (0–1) for area </a:t>
+                </a:r>
+                <a:r>
+                  <a:rPr lang="en-GB" sz="2000" i="1" dirty="0" smtClean="0">
+                    <a:latin typeface="Times New Roman" pitchFamily="18" charset="0"/>
+                    <a:cs typeface="Times New Roman" pitchFamily="18" charset="0"/>
+                  </a:rPr>
+                  <a:t>I</a:t>
+                </a:r>
+              </a:p>
+              <a:p>
+                <a:r>
+                  <a:rPr lang="en-US" sz="2000" dirty="0" smtClean="0">
+                    <a:latin typeface="Times New Roman" pitchFamily="18" charset="0"/>
+                    <a:cs typeface="Times New Roman" pitchFamily="18" charset="0"/>
+                  </a:rPr>
+                  <a:t>			(x</a:t>
+                </a:r>
+                <a:r>
+                  <a:rPr lang="en-US" sz="2000" dirty="0">
+                    <a:latin typeface="Times New Roman" pitchFamily="18" charset="0"/>
+                    <a:cs typeface="Times New Roman" pitchFamily="18" charset="0"/>
+                  </a:rPr>
+                  <a:t>)</a:t>
+                </a:r>
+                <a:r>
+                  <a:rPr lang="en-US" sz="2000" baseline="-25000" dirty="0">
+                    <a:latin typeface="Times New Roman" pitchFamily="18" charset="0"/>
+                    <a:cs typeface="Times New Roman" pitchFamily="18" charset="0"/>
+                  </a:rPr>
+                  <a:t>+</a:t>
+                </a:r>
+                <a:r>
+                  <a:rPr lang="en-US" sz="2000" dirty="0">
+                    <a:latin typeface="Times New Roman" pitchFamily="18" charset="0"/>
+                    <a:cs typeface="Times New Roman" pitchFamily="18" charset="0"/>
+                  </a:rPr>
+                  <a:t>​=max(x,0) ensures</a:t>
+                </a:r>
+                <a:r>
+                  <a:rPr lang="en-US" sz="2000" dirty="0" smtClean="0">
+                    <a:latin typeface="Times New Roman" pitchFamily="18" charset="0"/>
+                    <a:cs typeface="Times New Roman" pitchFamily="18" charset="0"/>
+                  </a:rPr>
+                  <a:t>: </a:t>
+                </a:r>
+              </a:p>
+              <a:p>
+                <a:r>
+                  <a:rPr lang="en-US" sz="2000" dirty="0">
+                    <a:latin typeface="Times New Roman" pitchFamily="18" charset="0"/>
+                    <a:cs typeface="Times New Roman" pitchFamily="18" charset="0"/>
+                  </a:rPr>
+                  <a:t>	</a:t>
+                </a:r>
+                <a:r>
+                  <a:rPr lang="en-US" sz="2000" dirty="0" smtClean="0">
+                    <a:latin typeface="Times New Roman" pitchFamily="18" charset="0"/>
+                    <a:cs typeface="Times New Roman" pitchFamily="18" charset="0"/>
+                  </a:rPr>
+                  <a:t>		</a:t>
+                </a:r>
+                <a:r>
+                  <a:rPr lang="en-GB" sz="2000" dirty="0" smtClean="0">
+                    <a:latin typeface="Times New Roman" pitchFamily="18" charset="0"/>
+                    <a:cs typeface="Times New Roman" pitchFamily="18" charset="0"/>
+                  </a:rPr>
+                  <a:t>Areas </a:t>
+                </a:r>
+                <a:r>
+                  <a:rPr lang="en-GB" sz="2000" dirty="0">
+                    <a:latin typeface="Times New Roman" pitchFamily="18" charset="0"/>
+                    <a:cs typeface="Times New Roman" pitchFamily="18" charset="0"/>
+                  </a:rPr>
+                  <a:t>cooler than the median automatically get TPPI = </a:t>
+                </a:r>
+                <a:r>
+                  <a:rPr lang="en-GB" sz="2000" dirty="0" smtClean="0">
+                    <a:latin typeface="Times New Roman" pitchFamily="18" charset="0"/>
+                    <a:cs typeface="Times New Roman" pitchFamily="18" charset="0"/>
+                  </a:rPr>
+                  <a:t>0</a:t>
+                </a:r>
+              </a:p>
+              <a:p>
+                <a:endParaRPr lang="en-GB" sz="1000" dirty="0" smtClean="0">
+                  <a:latin typeface="Times New Roman" pitchFamily="18" charset="0"/>
+                  <a:cs typeface="Times New Roman" pitchFamily="18" charset="0"/>
+                </a:endParaRPr>
+              </a:p>
+              <a:p>
+                <a:pPr lvl="1"/>
+                <a:r>
+                  <a:rPr lang="en-GB" sz="2000" dirty="0" smtClean="0">
+                    <a:latin typeface="Times New Roman" pitchFamily="18" charset="0"/>
+                    <a:cs typeface="Times New Roman" pitchFamily="18" charset="0"/>
+                  </a:rPr>
+                  <a:t>	➝ Created  </a:t>
+                </a:r>
+                <a:r>
+                  <a:rPr lang="en-GB" sz="2000" dirty="0">
+                    <a:latin typeface="Times New Roman" pitchFamily="18" charset="0"/>
+                    <a:cs typeface="Times New Roman" pitchFamily="18" charset="0"/>
+                  </a:rPr>
+                  <a:t>interactive map with </a:t>
+                </a:r>
+                <a:r>
+                  <a:rPr lang="en-US" sz="2000" dirty="0" err="1">
+                    <a:latin typeface="Times New Roman" pitchFamily="18" charset="0"/>
+                    <a:cs typeface="Times New Roman" pitchFamily="18" charset="0"/>
+                  </a:rPr>
+                  <a:t>GeoPandas</a:t>
+                </a:r>
+                <a:r>
+                  <a:rPr lang="en-US" sz="2000" dirty="0">
+                    <a:latin typeface="Times New Roman" pitchFamily="18" charset="0"/>
+                    <a:cs typeface="Times New Roman" pitchFamily="18" charset="0"/>
+                  </a:rPr>
+                  <a:t> + </a:t>
+                </a:r>
+                <a:r>
+                  <a:rPr lang="en-US" sz="2000" dirty="0" smtClean="0">
+                    <a:latin typeface="Times New Roman" pitchFamily="18" charset="0"/>
+                    <a:cs typeface="Times New Roman" pitchFamily="18" charset="0"/>
+                  </a:rPr>
+                  <a:t>Folium.</a:t>
+                </a:r>
+                <a:endParaRPr lang="en-GB" sz="2000" dirty="0" smtClean="0">
+                  <a:latin typeface="Times New Roman" pitchFamily="18" charset="0"/>
+                  <a:cs typeface="Times New Roman" pitchFamily="18" charset="0"/>
+                </a:endParaRPr>
+              </a:p>
+              <a:p>
+                <a:endParaRPr lang="en-GB" sz="2000" dirty="0" smtClean="0">
+                  <a:latin typeface="Times New Roman" pitchFamily="18" charset="0"/>
+                  <a:cs typeface="Times New Roman" pitchFamily="18" charset="0"/>
+                </a:endParaRPr>
+              </a:p>
+              <a:p>
+                <a:endParaRPr lang="en-GB" sz="1000" dirty="0" smtClean="0">
+                  <a:latin typeface="Times New Roman" pitchFamily="18" charset="0"/>
+                  <a:cs typeface="Times New Roman" pitchFamily="18" charset="0"/>
+                </a:endParaRPr>
+              </a:p>
+              <a:p>
+                <a:pPr marL="342900" indent="-342900">
+                  <a:buFont typeface="Arial" pitchFamily="34" charset="0"/>
+                  <a:buChar char="•"/>
+                </a:pPr>
+                <a:r>
+                  <a:rPr lang="en-US" sz="2000" b="1" dirty="0">
+                    <a:latin typeface="Times New Roman" pitchFamily="18" charset="0"/>
+                    <a:cs typeface="Times New Roman" pitchFamily="18" charset="0"/>
+                  </a:rPr>
+                  <a:t>ML </a:t>
+                </a:r>
+                <a:r>
+                  <a:rPr lang="en-US" sz="2000" b="1" dirty="0" smtClean="0">
+                    <a:latin typeface="Times New Roman" pitchFamily="18" charset="0"/>
+                    <a:cs typeface="Times New Roman" pitchFamily="18" charset="0"/>
+                  </a:rPr>
+                  <a:t>Modeling </a:t>
+                </a:r>
+                <a:r>
+                  <a:rPr lang="en-US" sz="2000" dirty="0" smtClean="0">
+                    <a:latin typeface="Times New Roman" pitchFamily="18" charset="0"/>
+                    <a:cs typeface="Times New Roman" pitchFamily="18" charset="0"/>
+                  </a:rPr>
+                  <a:t>-</a:t>
+                </a:r>
+                <a:r>
+                  <a:rPr lang="en-GB" sz="2000" b="1" dirty="0" smtClean="0">
+                    <a:latin typeface="Times New Roman" pitchFamily="18" charset="0"/>
+                    <a:cs typeface="Times New Roman" pitchFamily="18" charset="0"/>
+                  </a:rPr>
+                  <a:t> Future possibilities :</a:t>
+                </a:r>
+                <a:endParaRPr lang="en-GB" sz="2000" b="1" dirty="0">
+                  <a:latin typeface="Times New Roman" pitchFamily="18" charset="0"/>
+                  <a:cs typeface="Times New Roman" pitchFamily="18" charset="0"/>
+                </a:endParaRPr>
+              </a:p>
+              <a:p>
+                <a:r>
+                  <a:rPr lang="en-GB" sz="2000" dirty="0" smtClean="0">
+                    <a:latin typeface="Times New Roman" pitchFamily="18" charset="0"/>
+                    <a:cs typeface="Times New Roman" pitchFamily="18" charset="0"/>
+                  </a:rPr>
+                  <a:t>	➝ Prediction of temperatures based on green coverage and building density.</a:t>
+                </a:r>
+              </a:p>
+              <a:p>
+                <a:r>
+                  <a:rPr lang="en-GB" sz="2000" dirty="0" smtClean="0">
+                    <a:latin typeface="Times New Roman" pitchFamily="18" charset="0"/>
+                    <a:cs typeface="Times New Roman" pitchFamily="18" charset="0"/>
+                  </a:rPr>
+                  <a:t>	</a:t>
+                </a:r>
+                <a:r>
+                  <a:rPr lang="en-GB" sz="2000" dirty="0">
+                    <a:latin typeface="Times New Roman" pitchFamily="18" charset="0"/>
+                    <a:cs typeface="Times New Roman" pitchFamily="18" charset="0"/>
+                  </a:rPr>
+                  <a:t> ➝ </a:t>
+                </a:r>
+                <a:r>
+                  <a:rPr lang="en-GB" sz="2000" dirty="0" smtClean="0">
+                    <a:latin typeface="Times New Roman" pitchFamily="18" charset="0"/>
+                    <a:cs typeface="Times New Roman" pitchFamily="18" charset="0"/>
+                  </a:rPr>
+                  <a:t>Estimating </a:t>
+                </a:r>
+                <a:r>
+                  <a:rPr lang="en-GB" sz="2000" dirty="0">
+                    <a:latin typeface="Times New Roman" pitchFamily="18" charset="0"/>
+                    <a:cs typeface="Times New Roman" pitchFamily="18" charset="0"/>
+                  </a:rPr>
+                  <a:t>cooling impact of planting X% more trees in each area</a:t>
+                </a:r>
+                <a:r>
+                  <a:rPr lang="en-GB" sz="2000" dirty="0" smtClean="0">
+                    <a:latin typeface="Times New Roman" pitchFamily="18" charset="0"/>
+                    <a:cs typeface="Times New Roman" pitchFamily="18" charset="0"/>
+                  </a:rPr>
+                  <a:t>.</a:t>
+                </a:r>
+                <a:endParaRPr lang="en-GB" sz="2000" dirty="0">
+                  <a:latin typeface="Times New Roman" pitchFamily="18" charset="0"/>
+                  <a:cs typeface="Times New Roman" pitchFamily="18" charset="0"/>
+                </a:endParaRPr>
+              </a:p>
+            </p:txBody>
+          </p:sp>
+        </mc:Choice>
+        <mc:Fallback>
+          <p:sp>
+            <p:nvSpPr>
+              <p:cNvPr id="198" name="Google Shape;198;p23"/>
+              <p:cNvSpPr txBox="1">
+                <a:spLocks noRot="1" noChangeAspect="1" noMove="1" noResize="1" noEditPoints="1" noAdjustHandles="1" noChangeArrowheads="1" noChangeShapeType="1" noTextEdit="1"/>
+              </p:cNvSpPr>
+              <p:nvPr/>
+            </p:nvSpPr>
+            <p:spPr>
+              <a:xfrm>
+                <a:off x="281209" y="762000"/>
+                <a:ext cx="8706762" cy="5638799"/>
+              </a:xfrm>
+              <a:prstGeom prst="rect">
+                <a:avLst/>
+              </a:prstGeom>
+              <a:blipFill rotWithShape="1">
+                <a:blip r:embed="rId3"/>
+                <a:stretch>
+                  <a:fillRect l="-1751" t="-1297" r="-2381"/>
+                </a:stretch>
+              </a:blipFill>
+              <a:ln>
+                <a:noFill/>
+              </a:ln>
+            </p:spPr>
+            <p:txBody>
+              <a:bodyPr/>
+              <a:lstStyle/>
+              <a:p>
+                <a:r>
+                  <a:rPr lang="en-US">
+                    <a:noFill/>
+                  </a:rPr>
+                  <a:t> </a:t>
+                </a:r>
+              </a:p>
+            </p:txBody>
+          </p:sp>
+        </mc:Fallback>
+      </mc:AlternateContent>
+    </p:spTree>
+    <p:extLst>
+      <p:ext uri="{BB962C8B-B14F-4D97-AF65-F5344CB8AC3E}">
+        <p14:creationId xmlns:p14="http://schemas.microsoft.com/office/powerpoint/2010/main" val="1933675284"/>
+      </p:ext>
+    </p:extLst>
+  </p:cSld>
+  <p:clrMapOvr>
+    <a:masterClrMapping/>
+  </p:clrMapOvr>
+  <mc:AlternateContent xmlns:mc="http://schemas.openxmlformats.org/markup-compatibility/2006" xmlns:p14="http://schemas.microsoft.com/office/powerpoint/2010/main">
+    <mc:Choice Requires="p14">
+      <p:transition spd="slow" p14:dur="1200">
+        <p:fade/>
+      </p:transition>
+    </mc:Choice>
+    <mc:Fallback xmlns:ahyp="http://schemas.microsoft.com/office/drawing/2018/hyperlinkcolor" xmlns:p15="http://schemas.microsoft.com/office/powerpoint/2012/main" xmlns:com="http://schemas.openxmlformats.org/drawingml/2006/compatibility" xmlns:pvml="urn:schemas-microsoft-com:office:powerpoint" xmlns:v="urn:schemas-microsoft-com:vml" xmlns:o="urn:schemas-microsoft-com:office:office" xmlns:dgm="http://schemas.openxmlformats.org/drawingml/2006/diagram" xmlns:c="http://schemas.openxmlformats.org/drawingml/2006/chart" xmlns:mv="urn:schemas-microsoft-com:mac:vml" xmlns="">
+      <p:transition spd="slow">
+        <p:fade/>
+      </p:transition>
+    </mc:Fallback>
+  </mc:AlternateContent>
+  <p:timing>
+    <p:tnLst>
+      <p:par>
+        <p:cTn id="1" dur="indefinite" restart="never" nodeType="tmRoot"/>
+      </p:par>
+    </p:tnLst>
+  </p:timing>
+</p:sld>
+</file>
+
+<file path=ppt/slides/slide8.xml><?xml version="1.0" encoding="utf-8"?>
 <p:sld xmlns:a="http://schemas.openxmlformats.org/drawingml/2006/main" xmlns:r="http://schemas.openxmlformats.org/officeDocument/2006/relationships" xmlns:p="http://schemas.openxmlformats.org/presentationml/2006/main">
   <p:cSld>
     <p:spTree>
@@ -26359,7 +27519,7 @@
             </a:pPr>
             <a:fld id="{00000000-1234-1234-1234-123412341234}" type="slidenum">
               <a:rPr lang="en-US" sz="800" b="1"/>
-              <a:t>7</a:t>
+              <a:t>8</a:t>
             </a:fld>
             <a:endParaRPr/>
           </a:p>
@@ -26406,16 +27566,23 @@
         <p:fade/>
       </p:transition>
     </mc:Choice>
-    <mc:Fallback xmlns="" xmlns:mv="urn:schemas-microsoft-com:mac:vml" xmlns:c="http://schemas.openxmlformats.org/drawingml/2006/chart" xmlns:dgm="http://schemas.openxmlformats.org/drawingml/2006/diagram" xmlns:o="urn:schemas-microsoft-com:office:office" xmlns:v="urn:schemas-microsoft-com:vml" xmlns:pvml="urn:schemas-microsoft-com:office:powerpoint" xmlns:com="http://schemas.openxmlformats.org/drawingml/2006/compatibility" xmlns:p15="http://schemas.microsoft.com/office/powerpoint/2012/main" xmlns:ahyp="http://schemas.microsoft.com/office/drawing/2018/hyperlinkcolor">
+    <mc:Fallback xmlns:ahyp="http://schemas.microsoft.com/office/drawing/2018/hyperlinkcolor" xmlns:p15="http://schemas.microsoft.com/office/powerpoint/2012/main" xmlns:com="http://schemas.openxmlformats.org/drawingml/2006/compatibility" xmlns:pvml="urn:schemas-microsoft-com:office:powerpoint" xmlns:v="urn:schemas-microsoft-com:vml" xmlns:o="urn:schemas-microsoft-com:office:office" xmlns:dgm="http://schemas.openxmlformats.org/drawingml/2006/diagram" xmlns:c="http://schemas.openxmlformats.org/drawingml/2006/chart" xmlns:mv="urn:schemas-microsoft-com:mac:vml" xmlns="">
       <p:transition spd="slow">
         <p:fade/>
       </p:transition>
     </mc:Fallback>
   </mc:AlternateContent>
+  <p:timing>
+    <p:tnLst>
+      <p:par>
+        <p:cTn id="1" dur="indefinite" restart="never" nodeType="tmRoot"/>
+      </p:par>
+    </p:tnLst>
+  </p:timing>
 </p:sld>
 </file>
 
-<file path=ppt/slides/slide8.xml><?xml version="1.0" encoding="utf-8"?>
+<file path=ppt/slides/slide9.xml><?xml version="1.0" encoding="utf-8"?>
 <p:sld xmlns:a="http://schemas.openxmlformats.org/drawingml/2006/main" xmlns:r="http://schemas.openxmlformats.org/officeDocument/2006/relationships" xmlns:p="http://schemas.openxmlformats.org/presentationml/2006/main">
   <p:cSld>
     <p:spTree>
@@ -26541,7 +27708,7 @@
             </a:pPr>
             <a:fld id="{00000000-1234-1234-1234-123412341234}" type="slidenum">
               <a:rPr lang="en-US" sz="800" b="1"/>
-              <a:t>8</a:t>
+              <a:t>9</a:t>
             </a:fld>
             <a:endParaRPr/>
           </a:p>
@@ -26623,194 +27790,7 @@
         <p:fade/>
       </p:transition>
     </mc:Choice>
-    <mc:Fallback xmlns="" xmlns:mv="urn:schemas-microsoft-com:mac:vml" xmlns:c="http://schemas.openxmlformats.org/drawingml/2006/chart" xmlns:dgm="http://schemas.openxmlformats.org/drawingml/2006/diagram" xmlns:o="urn:schemas-microsoft-com:office:office" xmlns:v="urn:schemas-microsoft-com:vml" xmlns:pvml="urn:schemas-microsoft-com:office:powerpoint" xmlns:com="http://schemas.openxmlformats.org/drawingml/2006/compatibility" xmlns:p15="http://schemas.microsoft.com/office/powerpoint/2012/main" xmlns:ahyp="http://schemas.microsoft.com/office/drawing/2018/hyperlinkcolor">
-      <p:transition spd="slow">
-        <p:fade/>
-      </p:transition>
-    </mc:Fallback>
-  </mc:AlternateContent>
-</p:sld>
-</file>
-
-<file path=ppt/slides/slide9.xml><?xml version="1.0" encoding="utf-8"?>
-<p:sld xmlns:a="http://schemas.openxmlformats.org/drawingml/2006/main" xmlns:r="http://schemas.openxmlformats.org/officeDocument/2006/relationships" xmlns:p="http://schemas.openxmlformats.org/presentationml/2006/main">
-  <p:cSld>
-    <p:spTree>
-      <p:nvGrpSpPr>
-        <p:cNvPr id="1" name="Shape 202"/>
-        <p:cNvGrpSpPr/>
-        <p:nvPr/>
-      </p:nvGrpSpPr>
-      <p:grpSpPr>
-        <a:xfrm>
-          <a:off x="0" y="0"/>
-          <a:ext cx="0" cy="0"/>
-          <a:chOff x="0" y="0"/>
-          <a:chExt cx="0" cy="0"/>
-        </a:xfrm>
-      </p:grpSpPr>
-      <p:sp>
-        <p:nvSpPr>
-          <p:cNvPr id="203" name="Google Shape;203;p24"/>
-          <p:cNvSpPr txBox="1">
-            <a:spLocks noGrp="1"/>
-          </p:cNvSpPr>
-          <p:nvPr>
-            <p:ph type="title"/>
-          </p:nvPr>
-        </p:nvSpPr>
-        <p:spPr>
-          <a:xfrm>
-            <a:off x="304800" y="533400"/>
-            <a:ext cx="8574324" cy="369334"/>
-          </a:xfrm>
-          <a:prstGeom prst="rect">
-            <a:avLst/>
-          </a:prstGeom>
-          <a:noFill/>
-          <a:ln>
-            <a:noFill/>
-          </a:ln>
-        </p:spPr>
-        <p:txBody>
-          <a:bodyPr spcFirstLastPara="1" wrap="square" lIns="0" tIns="0" rIns="0" bIns="0" anchor="t" anchorCtr="0">
-            <a:noAutofit/>
-          </a:bodyPr>
-          <a:lstStyle/>
-          <a:p>
-            <a:pPr marL="0" lvl="0" indent="0" algn="l" rtl="0">
-              <a:lnSpc>
-                <a:spcPct val="100000"/>
-              </a:lnSpc>
-              <a:spcBef>
-                <a:spcPts val="0"/>
-              </a:spcBef>
-              <a:spcAft>
-                <a:spcPts val="0"/>
-              </a:spcAft>
-              <a:buClr>
-                <a:srgbClr val="000000"/>
-              </a:buClr>
-              <a:buSzPts val="2400"/>
-              <a:buFont typeface="Helvetica Neue"/>
-              <a:buNone/>
-            </a:pPr>
-            <a:r>
-              <a:rPr lang="en-US" sz="2500" b="1" dirty="0" smtClean="0">
-                <a:latin typeface="Times New Roman" pitchFamily="18" charset="0"/>
-                <a:cs typeface="Times New Roman" pitchFamily="18" charset="0"/>
-                <a:sym typeface="Helvetica Neue"/>
-              </a:rPr>
-              <a:t>Result 02 : Greenery Map</a:t>
-            </a:r>
-            <a:endParaRPr sz="2500" dirty="0">
-              <a:latin typeface="Times New Roman" pitchFamily="18" charset="0"/>
-              <a:cs typeface="Times New Roman" pitchFamily="18" charset="0"/>
-            </a:endParaRPr>
-          </a:p>
-        </p:txBody>
-      </p:sp>
-      <p:sp>
-        <p:nvSpPr>
-          <p:cNvPr id="204" name="Google Shape;204;p24"/>
-          <p:cNvSpPr txBox="1">
-            <a:spLocks noGrp="1"/>
-          </p:cNvSpPr>
-          <p:nvPr>
-            <p:ph type="sldNum" idx="4294967295"/>
-          </p:nvPr>
-        </p:nvSpPr>
-        <p:spPr>
-          <a:xfrm>
-            <a:off x="8719821" y="6301572"/>
-            <a:ext cx="127001" cy="127001"/>
-          </a:xfrm>
-          <a:prstGeom prst="rect">
-            <a:avLst/>
-          </a:prstGeom>
-          <a:noFill/>
-          <a:ln>
-            <a:noFill/>
-          </a:ln>
-        </p:spPr>
-        <p:txBody>
-          <a:bodyPr spcFirstLastPara="1" wrap="square" lIns="0" tIns="0" rIns="0" bIns="0" anchor="ctr" anchorCtr="0">
-            <a:spAutoFit/>
-          </a:bodyPr>
-          <a:lstStyle/>
-          <a:p>
-            <a:pPr marL="0" marR="0" lvl="0" indent="0" algn="r" rtl="0">
-              <a:lnSpc>
-                <a:spcPct val="100000"/>
-              </a:lnSpc>
-              <a:spcBef>
-                <a:spcPts val="0"/>
-              </a:spcBef>
-              <a:spcAft>
-                <a:spcPts val="0"/>
-              </a:spcAft>
-              <a:buClr>
-                <a:srgbClr val="000000"/>
-              </a:buClr>
-              <a:buSzPts val="800"/>
-              <a:buFont typeface="Helvetica Neue"/>
-              <a:buNone/>
-            </a:pPr>
-            <a:fld id="{00000000-1234-1234-1234-123412341234}" type="slidenum">
-              <a:rPr lang="en-US" sz="800" b="1"/>
-              <a:t>9</a:t>
-            </a:fld>
-            <a:endParaRPr/>
-          </a:p>
-        </p:txBody>
-      </p:sp>
-      <p:pic>
-        <p:nvPicPr>
-          <p:cNvPr id="2" name="Picture 1"/>
-          <p:cNvPicPr>
-            <a:picLocks noChangeAspect="1"/>
-          </p:cNvPicPr>
-          <p:nvPr/>
-        </p:nvPicPr>
-        <p:blipFill>
-          <a:blip r:embed="rId3">
-            <a:extLst>
-              <a:ext uri="{28A0092B-C50C-407E-A947-70E740481C1C}">
-                <a14:useLocalDpi xmlns:a14="http://schemas.microsoft.com/office/drawing/2010/main" val="0"/>
-              </a:ext>
-            </a:extLst>
-          </a:blip>
-          <a:stretch>
-            <a:fillRect/>
-          </a:stretch>
-        </p:blipFill>
-        <p:spPr>
-          <a:xfrm>
-            <a:off x="1524000" y="1295398"/>
-            <a:ext cx="6316300" cy="5146615"/>
-          </a:xfrm>
-          <a:prstGeom prst="rect">
-            <a:avLst/>
-          </a:prstGeom>
-        </p:spPr>
-      </p:pic>
-    </p:spTree>
-    <p:extLst>
-      <p:ext uri="{BB962C8B-B14F-4D97-AF65-F5344CB8AC3E}">
-        <p14:creationId xmlns:p14="http://schemas.microsoft.com/office/powerpoint/2010/main" val="4197454547"/>
-      </p:ext>
-    </p:extLst>
-  </p:cSld>
-  <p:clrMapOvr>
-    <a:masterClrMapping/>
-  </p:clrMapOvr>
-  <mc:AlternateContent xmlns:mc="http://schemas.openxmlformats.org/markup-compatibility/2006" xmlns:p14="http://schemas.microsoft.com/office/powerpoint/2010/main">
-    <mc:Choice Requires="p14">
-      <p:transition spd="slow" p14:dur="1200">
-        <p:fade/>
-      </p:transition>
-    </mc:Choice>
-    <mc:Fallback xmlns="" xmlns:mv="urn:schemas-microsoft-com:mac:vml" xmlns:c="http://schemas.openxmlformats.org/drawingml/2006/chart" xmlns:dgm="http://schemas.openxmlformats.org/drawingml/2006/diagram" xmlns:o="urn:schemas-microsoft-com:office:office" xmlns:v="urn:schemas-microsoft-com:vml" xmlns:pvml="urn:schemas-microsoft-com:office:powerpoint" xmlns:com="http://schemas.openxmlformats.org/drawingml/2006/compatibility" xmlns:p15="http://schemas.microsoft.com/office/powerpoint/2012/main" xmlns:ahyp="http://schemas.microsoft.com/office/drawing/2018/hyperlinkcolor">
+    <mc:Fallback xmlns:ahyp="http://schemas.microsoft.com/office/drawing/2018/hyperlinkcolor" xmlns:p15="http://schemas.microsoft.com/office/powerpoint/2012/main" xmlns:com="http://schemas.openxmlformats.org/drawingml/2006/compatibility" xmlns:pvml="urn:schemas-microsoft-com:office:powerpoint" xmlns:v="urn:schemas-microsoft-com:vml" xmlns:o="urn:schemas-microsoft-com:office:office" xmlns:dgm="http://schemas.openxmlformats.org/drawingml/2006/diagram" xmlns:c="http://schemas.openxmlformats.org/drawingml/2006/chart" xmlns:mv="urn:schemas-microsoft-com:mac:vml" xmlns="">
       <p:transition spd="slow">
         <p:fade/>
       </p:transition>
